--- a/slides/Lecture 07_ Wide _ Deep.pptx
+++ b/slides/Lecture 07_ Wide _ Deep.pptx
@@ -7,7 +7,7 @@
     <p:sldMasterId id="2147483689" r:id="rId3"/>
   </p:sldMasterIdLst>
   <p:notesMasterIdLst>
-    <p:notesMasterId r:id="rId27"/>
+    <p:notesMasterId r:id="rId35"/>
   </p:notesMasterIdLst>
   <p:sldIdLst>
     <p:sldId id="256" r:id="rId4"/>
@@ -16,57 +16,65 @@
     <p:sldId id="280" r:id="rId7"/>
     <p:sldId id="281" r:id="rId8"/>
     <p:sldId id="282" r:id="rId9"/>
-    <p:sldId id="259" r:id="rId10"/>
-    <p:sldId id="260" r:id="rId11"/>
-    <p:sldId id="261" r:id="rId12"/>
-    <p:sldId id="262" r:id="rId13"/>
-    <p:sldId id="263" r:id="rId14"/>
-    <p:sldId id="264" r:id="rId15"/>
-    <p:sldId id="265" r:id="rId16"/>
-    <p:sldId id="266" r:id="rId17"/>
-    <p:sldId id="267" r:id="rId18"/>
-    <p:sldId id="268" r:id="rId19"/>
-    <p:sldId id="269" r:id="rId20"/>
-    <p:sldId id="270" r:id="rId21"/>
-    <p:sldId id="271" r:id="rId22"/>
-    <p:sldId id="272" r:id="rId23"/>
-    <p:sldId id="273" r:id="rId24"/>
-    <p:sldId id="274" r:id="rId25"/>
-    <p:sldId id="275" r:id="rId26"/>
+    <p:sldId id="283" r:id="rId10"/>
+    <p:sldId id="284" r:id="rId11"/>
+    <p:sldId id="259" r:id="rId12"/>
+    <p:sldId id="260" r:id="rId13"/>
+    <p:sldId id="261" r:id="rId14"/>
+    <p:sldId id="262" r:id="rId15"/>
+    <p:sldId id="263" r:id="rId16"/>
+    <p:sldId id="264" r:id="rId17"/>
+    <p:sldId id="265" r:id="rId18"/>
+    <p:sldId id="266" r:id="rId19"/>
+    <p:sldId id="267" r:id="rId20"/>
+    <p:sldId id="268" r:id="rId21"/>
+    <p:sldId id="269" r:id="rId22"/>
+    <p:sldId id="270" r:id="rId23"/>
+    <p:sldId id="271" r:id="rId24"/>
+    <p:sldId id="272" r:id="rId25"/>
+    <p:sldId id="273" r:id="rId26"/>
+    <p:sldId id="274" r:id="rId27"/>
+    <p:sldId id="275" r:id="rId28"/>
+    <p:sldId id="285" r:id="rId29"/>
+    <p:sldId id="286" r:id="rId30"/>
+    <p:sldId id="287" r:id="rId31"/>
+    <p:sldId id="288" r:id="rId32"/>
+    <p:sldId id="289" r:id="rId33"/>
+    <p:sldId id="290" r:id="rId34"/>
   </p:sldIdLst>
   <p:sldSz cx="9144000" cy="5143500" type="screen16x9"/>
   <p:notesSz cx="6858000" cy="9144000"/>
   <p:embeddedFontLst>
     <p:embeddedFont>
       <p:font typeface="Helvetica Neue" charset="0"/>
-      <p:regular r:id="rId28"/>
-      <p:bold r:id="rId29"/>
-      <p:italic r:id="rId30"/>
-      <p:boldItalic r:id="rId31"/>
+      <p:regular r:id="rId36"/>
+      <p:bold r:id="rId37"/>
+      <p:italic r:id="rId38"/>
+      <p:boldItalic r:id="rId39"/>
     </p:embeddedFont>
     <p:embeddedFont>
       <p:font typeface="Gill Sans" charset="0"/>
-      <p:regular r:id="rId32"/>
-      <p:bold r:id="rId33"/>
+      <p:regular r:id="rId40"/>
+      <p:bold r:id="rId41"/>
     </p:embeddedFont>
     <p:embeddedFont>
       <p:font typeface="Helvetica Neue Light" charset="0"/>
-      <p:regular r:id="rId34"/>
-      <p:bold r:id="rId35"/>
-      <p:italic r:id="rId36"/>
-      <p:boldItalic r:id="rId37"/>
+      <p:regular r:id="rId42"/>
+      <p:bold r:id="rId43"/>
+      <p:italic r:id="rId44"/>
+      <p:boldItalic r:id="rId45"/>
     </p:embeddedFont>
     <p:embeddedFont>
       <p:font typeface="Consolas" pitchFamily="49" charset="0"/>
-      <p:regular r:id="rId38"/>
-      <p:bold r:id="rId39"/>
-      <p:italic r:id="rId40"/>
-      <p:boldItalic r:id="rId41"/>
+      <p:regular r:id="rId46"/>
+      <p:bold r:id="rId47"/>
+      <p:italic r:id="rId48"/>
+      <p:boldItalic r:id="rId49"/>
     </p:embeddedFont>
     <p:embeddedFont>
       <p:font typeface="Merriweather Sans" charset="0"/>
-      <p:italic r:id="rId42"/>
-      <p:boldItalic r:id="rId43"/>
+      <p:italic r:id="rId50"/>
+      <p:boldItalic r:id="rId51"/>
     </p:embeddedFont>
   </p:embeddedFontLst>
   <p:defaultTextStyle>
@@ -4267,6 +4275,3198 @@
                 <a:sym typeface="Merriweather Sans"/>
               </a:rPr>
               <a:t>loss = \frac{1}{N}\sum_{n=1}^{N} y^{(n)} \log \hat{y}^{(n)} + (1 - y^{(n)}) \log (1-\hat{y}^{(n})</a:t>
+            </a:r>
+            <a:endParaRPr/>
+          </a:p>
+        </p:txBody>
+      </p:sp>
+    </p:spTree>
+  </p:cSld>
+  <p:clrMapOvr>
+    <a:masterClrMapping/>
+  </p:clrMapOvr>
+</p:notes>
+</file>
+
+<file path=ppt/notesSlides/notesSlide24.xml><?xml version="1.0" encoding="utf-8"?>
+<p:notes xmlns:a="http://schemas.openxmlformats.org/drawingml/2006/main" xmlns:r="http://schemas.openxmlformats.org/officeDocument/2006/relationships" xmlns:p="http://schemas.openxmlformats.org/presentationml/2006/main" showMasterSp="0" showMasterPhAnim="0">
+  <p:cSld>
+    <p:spTree>
+      <p:nvGrpSpPr>
+        <p:cNvPr id="1" name="Shape 223"/>
+        <p:cNvGrpSpPr/>
+        <p:nvPr/>
+      </p:nvGrpSpPr>
+      <p:grpSpPr>
+        <a:xfrm>
+          <a:off x="0" y="0"/>
+          <a:ext cx="0" cy="0"/>
+          <a:chOff x="0" y="0"/>
+          <a:chExt cx="0" cy="0"/>
+        </a:xfrm>
+      </p:grpSpPr>
+      <p:sp>
+        <p:nvSpPr>
+          <p:cNvPr id="224" name="Google Shape;224;g26dd722406_0_41:notes"/>
+          <p:cNvSpPr>
+            <a:spLocks noGrp="1" noRot="1" noChangeAspect="1"/>
+          </p:cNvSpPr>
+          <p:nvPr>
+            <p:ph type="sldImg" idx="2"/>
+          </p:nvPr>
+        </p:nvSpPr>
+        <p:spPr>
+          <a:xfrm>
+            <a:off x="381000" y="685800"/>
+            <a:ext cx="6096000" cy="3429000"/>
+          </a:xfrm>
+          <a:custGeom>
+            <a:avLst/>
+            <a:gdLst/>
+            <a:ahLst/>
+            <a:cxnLst/>
+            <a:rect l="l" t="t" r="r" b="b"/>
+            <a:pathLst>
+              <a:path w="120000" h="120000" extrusionOk="0">
+                <a:moveTo>
+                  <a:pt x="0" y="0"/>
+                </a:moveTo>
+                <a:lnTo>
+                  <a:pt x="120000" y="0"/>
+                </a:lnTo>
+                <a:lnTo>
+                  <a:pt x="120000" y="120000"/>
+                </a:lnTo>
+                <a:lnTo>
+                  <a:pt x="0" y="120000"/>
+                </a:lnTo>
+                <a:close/>
+              </a:path>
+            </a:pathLst>
+          </a:custGeom>
+          <a:noFill/>
+          <a:ln>
+            <a:noFill/>
+          </a:ln>
+        </p:spPr>
+      </p:sp>
+      <p:sp>
+        <p:nvSpPr>
+          <p:cNvPr id="225" name="Google Shape;225;g26dd722406_0_41:notes"/>
+          <p:cNvSpPr txBox="1">
+            <a:spLocks noGrp="1"/>
+          </p:cNvSpPr>
+          <p:nvPr>
+            <p:ph type="body" idx="1"/>
+          </p:nvPr>
+        </p:nvSpPr>
+        <p:spPr>
+          <a:xfrm>
+            <a:off x="914400" y="4343400"/>
+            <a:ext cx="5029200" cy="4114800"/>
+          </a:xfrm>
+          <a:prstGeom prst="rect">
+            <a:avLst/>
+          </a:prstGeom>
+          <a:noFill/>
+          <a:ln>
+            <a:noFill/>
+          </a:ln>
+        </p:spPr>
+        <p:txBody>
+          <a:bodyPr spcFirstLastPara="1" wrap="square" lIns="91425" tIns="45700" rIns="91425" bIns="45700" anchor="t" anchorCtr="0">
+            <a:noAutofit/>
+          </a:bodyPr>
+          <a:lstStyle/>
+          <a:p>
+            <a:pPr marL="0" marR="0" lvl="0" indent="0" algn="l" rtl="0">
+              <a:lnSpc>
+                <a:spcPct val="117999"/>
+              </a:lnSpc>
+              <a:spcBef>
+                <a:spcPts val="0"/>
+              </a:spcBef>
+              <a:spcAft>
+                <a:spcPts val="0"/>
+              </a:spcAft>
+              <a:buNone/>
+            </a:pPr>
+            <a:r>
+              <a:rPr lang="en" sz="2200" b="0" i="0" u="none" strike="noStrike" cap="none">
+                <a:latin typeface="Helvetica Neue"/>
+                <a:ea typeface="Helvetica Neue"/>
+                <a:cs typeface="Helvetica Neue"/>
+                <a:sym typeface="Helvetica Neue"/>
+              </a:rPr>
+              <a:t>\begin{bmatrix}</a:t>
+            </a:r>
+            <a:endParaRPr/>
+          </a:p>
+          <a:p>
+            <a:pPr marL="0" marR="0" lvl="0" indent="0" algn="l" rtl="0">
+              <a:lnSpc>
+                <a:spcPct val="117999"/>
+              </a:lnSpc>
+              <a:spcBef>
+                <a:spcPts val="0"/>
+              </a:spcBef>
+              <a:spcAft>
+                <a:spcPts val="0"/>
+              </a:spcAft>
+              <a:buNone/>
+            </a:pPr>
+            <a:r>
+              <a:rPr lang="en" sz="2200" b="0" i="0" u="none" strike="noStrike" cap="none">
+                <a:latin typeface="Helvetica Neue"/>
+                <a:ea typeface="Helvetica Neue"/>
+                <a:cs typeface="Helvetica Neue"/>
+                <a:sym typeface="Helvetica Neue"/>
+              </a:rPr>
+              <a:t>    a_{1}       &amp; b_{1} \\</a:t>
+            </a:r>
+            <a:endParaRPr/>
+          </a:p>
+          <a:p>
+            <a:pPr marL="0" marR="0" lvl="0" indent="0" algn="l" rtl="0">
+              <a:lnSpc>
+                <a:spcPct val="117999"/>
+              </a:lnSpc>
+              <a:spcBef>
+                <a:spcPts val="0"/>
+              </a:spcBef>
+              <a:spcAft>
+                <a:spcPts val="0"/>
+              </a:spcAft>
+              <a:buNone/>
+            </a:pPr>
+            <a:r>
+              <a:rPr lang="en" sz="2200" b="0" i="0" u="none" strike="noStrike" cap="none">
+                <a:latin typeface="Helvetica Neue"/>
+                <a:ea typeface="Helvetica Neue"/>
+                <a:cs typeface="Helvetica Neue"/>
+                <a:sym typeface="Helvetica Neue"/>
+              </a:rPr>
+              <a:t>    a_{2}       &amp; b_{2} \\</a:t>
+            </a:r>
+            <a:endParaRPr/>
+          </a:p>
+          <a:p>
+            <a:pPr marL="0" marR="0" lvl="0" indent="0" algn="l" rtl="0">
+              <a:lnSpc>
+                <a:spcPct val="117999"/>
+              </a:lnSpc>
+              <a:spcBef>
+                <a:spcPts val="0"/>
+              </a:spcBef>
+              <a:spcAft>
+                <a:spcPts val="0"/>
+              </a:spcAft>
+              <a:buNone/>
+            </a:pPr>
+            <a:r>
+              <a:rPr lang="en" sz="2200" b="0" i="0" u="none" strike="noStrike" cap="none">
+                <a:latin typeface="Helvetica Neue"/>
+                <a:ea typeface="Helvetica Neue"/>
+                <a:cs typeface="Helvetica Neue"/>
+                <a:sym typeface="Helvetica Neue"/>
+              </a:rPr>
+              <a:t>    a_{3}       &amp; b_{3} \\</a:t>
+            </a:r>
+            <a:endParaRPr/>
+          </a:p>
+          <a:p>
+            <a:pPr marL="0" marR="0" lvl="0" indent="0" algn="l" rtl="0">
+              <a:lnSpc>
+                <a:spcPct val="117999"/>
+              </a:lnSpc>
+              <a:spcBef>
+                <a:spcPts val="0"/>
+              </a:spcBef>
+              <a:spcAft>
+                <a:spcPts val="0"/>
+              </a:spcAft>
+              <a:buNone/>
+            </a:pPr>
+            <a:r>
+              <a:rPr lang="en" sz="2200" b="0" i="0" u="none" strike="noStrike" cap="none">
+                <a:latin typeface="Helvetica Neue"/>
+                <a:ea typeface="Helvetica Neue"/>
+                <a:cs typeface="Helvetica Neue"/>
+                <a:sym typeface="Helvetica Neue"/>
+              </a:rPr>
+              <a:t>    \hdotsfor{2} \\</a:t>
+            </a:r>
+            <a:endParaRPr/>
+          </a:p>
+          <a:p>
+            <a:pPr marL="0" marR="0" lvl="0" indent="0" algn="l" rtl="0">
+              <a:lnSpc>
+                <a:spcPct val="117999"/>
+              </a:lnSpc>
+              <a:spcBef>
+                <a:spcPts val="0"/>
+              </a:spcBef>
+              <a:spcAft>
+                <a:spcPts val="0"/>
+              </a:spcAft>
+              <a:buNone/>
+            </a:pPr>
+            <a:r>
+              <a:rPr lang="en" sz="2200" b="0" i="0" u="none" strike="noStrike" cap="none">
+                <a:latin typeface="Helvetica Neue"/>
+                <a:ea typeface="Helvetica Neue"/>
+                <a:cs typeface="Helvetica Neue"/>
+                <a:sym typeface="Helvetica Neue"/>
+              </a:rPr>
+              <a:t>    a_{n}       &amp; b_{n} </a:t>
+            </a:r>
+            <a:endParaRPr/>
+          </a:p>
+          <a:p>
+            <a:pPr marL="0" marR="0" lvl="0" indent="0" algn="l" rtl="0">
+              <a:lnSpc>
+                <a:spcPct val="117999"/>
+              </a:lnSpc>
+              <a:spcBef>
+                <a:spcPts val="0"/>
+              </a:spcBef>
+              <a:spcAft>
+                <a:spcPts val="0"/>
+              </a:spcAft>
+              <a:buNone/>
+            </a:pPr>
+            <a:r>
+              <a:rPr lang="en" sz="2200" b="0" i="0" u="none" strike="noStrike" cap="none">
+                <a:latin typeface="Helvetica Neue"/>
+                <a:ea typeface="Helvetica Neue"/>
+                <a:cs typeface="Helvetica Neue"/>
+                <a:sym typeface="Helvetica Neue"/>
+              </a:rPr>
+              <a:t>\end{bmatrix}</a:t>
+            </a:r>
+            <a:endParaRPr/>
+          </a:p>
+          <a:p>
+            <a:pPr marL="0" marR="0" lvl="0" indent="0" algn="l" rtl="0">
+              <a:lnSpc>
+                <a:spcPct val="117999"/>
+              </a:lnSpc>
+              <a:spcBef>
+                <a:spcPts val="0"/>
+              </a:spcBef>
+              <a:spcAft>
+                <a:spcPts val="0"/>
+              </a:spcAft>
+              <a:buNone/>
+            </a:pPr>
+            <a:r>
+              <a:rPr lang="en" sz="2200" b="0" i="0" u="none" strike="noStrike" cap="none">
+                <a:latin typeface="Helvetica Neue"/>
+                <a:ea typeface="Helvetica Neue"/>
+                <a:cs typeface="Helvetica Neue"/>
+                <a:sym typeface="Helvetica Neue"/>
+              </a:rPr>
+              <a:t>\begin{bmatrix}</a:t>
+            </a:r>
+            <a:endParaRPr/>
+          </a:p>
+          <a:p>
+            <a:pPr marL="0" marR="0" lvl="0" indent="0" algn="l" rtl="0">
+              <a:lnSpc>
+                <a:spcPct val="117999"/>
+              </a:lnSpc>
+              <a:spcBef>
+                <a:spcPts val="0"/>
+              </a:spcBef>
+              <a:spcAft>
+                <a:spcPts val="0"/>
+              </a:spcAft>
+              <a:buNone/>
+            </a:pPr>
+            <a:r>
+              <a:rPr lang="en" sz="2200" b="0" i="0" u="none" strike="noStrike" cap="none">
+                <a:latin typeface="Helvetica Neue"/>
+                <a:ea typeface="Helvetica Neue"/>
+                <a:cs typeface="Helvetica Neue"/>
+                <a:sym typeface="Helvetica Neue"/>
+              </a:rPr>
+              <a:t>    w_1 \\ w_2    \\</a:t>
+            </a:r>
+            <a:endParaRPr/>
+          </a:p>
+          <a:p>
+            <a:pPr marL="0" marR="0" lvl="0" indent="0" algn="l" rtl="0">
+              <a:lnSpc>
+                <a:spcPct val="117999"/>
+              </a:lnSpc>
+              <a:spcBef>
+                <a:spcPts val="0"/>
+              </a:spcBef>
+              <a:spcAft>
+                <a:spcPts val="0"/>
+              </a:spcAft>
+              <a:buNone/>
+            </a:pPr>
+            <a:r>
+              <a:rPr lang="en" sz="2200" b="0" i="0" u="none" strike="noStrike" cap="none">
+                <a:latin typeface="Helvetica Neue"/>
+                <a:ea typeface="Helvetica Neue"/>
+                <a:cs typeface="Helvetica Neue"/>
+                <a:sym typeface="Helvetica Neue"/>
+              </a:rPr>
+              <a:t>   \end{bmatrix}</a:t>
+            </a:r>
+            <a:endParaRPr/>
+          </a:p>
+          <a:p>
+            <a:pPr marL="0" marR="0" lvl="0" indent="0" algn="l" rtl="0">
+              <a:lnSpc>
+                <a:spcPct val="117999"/>
+              </a:lnSpc>
+              <a:spcBef>
+                <a:spcPts val="0"/>
+              </a:spcBef>
+              <a:spcAft>
+                <a:spcPts val="0"/>
+              </a:spcAft>
+              <a:buNone/>
+            </a:pPr>
+            <a:r>
+              <a:rPr lang="en" sz="2200" b="0" i="0" u="none" strike="noStrike" cap="none">
+                <a:latin typeface="Helvetica Neue"/>
+                <a:ea typeface="Helvetica Neue"/>
+                <a:cs typeface="Helvetica Neue"/>
+                <a:sym typeface="Helvetica Neue"/>
+              </a:rPr>
+              <a:t>=</a:t>
+            </a:r>
+            <a:endParaRPr/>
+          </a:p>
+          <a:p>
+            <a:pPr marL="0" marR="0" lvl="0" indent="0" algn="l" rtl="0">
+              <a:lnSpc>
+                <a:spcPct val="117999"/>
+              </a:lnSpc>
+              <a:spcBef>
+                <a:spcPts val="0"/>
+              </a:spcBef>
+              <a:spcAft>
+                <a:spcPts val="0"/>
+              </a:spcAft>
+              <a:buNone/>
+            </a:pPr>
+            <a:r>
+              <a:rPr lang="en" sz="2200" b="0" i="0" u="none" strike="noStrike" cap="none">
+                <a:latin typeface="Helvetica Neue"/>
+                <a:ea typeface="Helvetica Neue"/>
+                <a:cs typeface="Helvetica Neue"/>
+                <a:sym typeface="Helvetica Neue"/>
+              </a:rPr>
+              <a:t>\begin{bmatrix}</a:t>
+            </a:r>
+            <a:endParaRPr/>
+          </a:p>
+          <a:p>
+            <a:pPr marL="0" marR="0" lvl="0" indent="0" algn="l" rtl="0">
+              <a:lnSpc>
+                <a:spcPct val="117999"/>
+              </a:lnSpc>
+              <a:spcBef>
+                <a:spcPts val="0"/>
+              </a:spcBef>
+              <a:spcAft>
+                <a:spcPts val="0"/>
+              </a:spcAft>
+              <a:buNone/>
+            </a:pPr>
+            <a:r>
+              <a:rPr lang="en" sz="2200" b="0" i="0" u="none" strike="noStrike" cap="none">
+                <a:latin typeface="Helvetica Neue"/>
+                <a:ea typeface="Helvetica Neue"/>
+                <a:cs typeface="Helvetica Neue"/>
+                <a:sym typeface="Helvetica Neue"/>
+              </a:rPr>
+              <a:t>    y_{1}       \\</a:t>
+            </a:r>
+            <a:endParaRPr/>
+          </a:p>
+          <a:p>
+            <a:pPr marL="0" marR="0" lvl="0" indent="0" algn="l" rtl="0">
+              <a:lnSpc>
+                <a:spcPct val="117999"/>
+              </a:lnSpc>
+              <a:spcBef>
+                <a:spcPts val="0"/>
+              </a:spcBef>
+              <a:spcAft>
+                <a:spcPts val="0"/>
+              </a:spcAft>
+              <a:buNone/>
+            </a:pPr>
+            <a:r>
+              <a:rPr lang="en" sz="2200" b="0" i="0" u="none" strike="noStrike" cap="none">
+                <a:latin typeface="Helvetica Neue"/>
+                <a:ea typeface="Helvetica Neue"/>
+                <a:cs typeface="Helvetica Neue"/>
+                <a:sym typeface="Helvetica Neue"/>
+              </a:rPr>
+              <a:t>    y_{2}       \\</a:t>
+            </a:r>
+            <a:endParaRPr/>
+          </a:p>
+          <a:p>
+            <a:pPr marL="0" marR="0" lvl="0" indent="0" algn="l" rtl="0">
+              <a:lnSpc>
+                <a:spcPct val="117999"/>
+              </a:lnSpc>
+              <a:spcBef>
+                <a:spcPts val="0"/>
+              </a:spcBef>
+              <a:spcAft>
+                <a:spcPts val="0"/>
+              </a:spcAft>
+              <a:buNone/>
+            </a:pPr>
+            <a:r>
+              <a:rPr lang="en" sz="2200" b="0" i="0" u="none" strike="noStrike" cap="none">
+                <a:latin typeface="Helvetica Neue"/>
+                <a:ea typeface="Helvetica Neue"/>
+                <a:cs typeface="Helvetica Neue"/>
+                <a:sym typeface="Helvetica Neue"/>
+              </a:rPr>
+              <a:t>    y_{3}       \\</a:t>
+            </a:r>
+            <a:endParaRPr/>
+          </a:p>
+          <a:p>
+            <a:pPr marL="0" marR="0" lvl="0" indent="0" algn="l" rtl="0">
+              <a:lnSpc>
+                <a:spcPct val="117999"/>
+              </a:lnSpc>
+              <a:spcBef>
+                <a:spcPts val="0"/>
+              </a:spcBef>
+              <a:spcAft>
+                <a:spcPts val="0"/>
+              </a:spcAft>
+              <a:buNone/>
+            </a:pPr>
+            <a:r>
+              <a:rPr lang="en" sz="2200" b="0" i="0" u="none" strike="noStrike" cap="none">
+                <a:latin typeface="Helvetica Neue"/>
+                <a:ea typeface="Helvetica Neue"/>
+                <a:cs typeface="Helvetica Neue"/>
+                <a:sym typeface="Helvetica Neue"/>
+              </a:rPr>
+              <a:t>    \hdotsfor{1} \\</a:t>
+            </a:r>
+            <a:endParaRPr/>
+          </a:p>
+          <a:p>
+            <a:pPr marL="0" marR="0" lvl="0" indent="0" algn="l" rtl="0">
+              <a:lnSpc>
+                <a:spcPct val="117999"/>
+              </a:lnSpc>
+              <a:spcBef>
+                <a:spcPts val="0"/>
+              </a:spcBef>
+              <a:spcAft>
+                <a:spcPts val="0"/>
+              </a:spcAft>
+              <a:buNone/>
+            </a:pPr>
+            <a:r>
+              <a:rPr lang="en" sz="2200" b="0" i="0" u="none" strike="noStrike" cap="none">
+                <a:latin typeface="Helvetica Neue"/>
+                <a:ea typeface="Helvetica Neue"/>
+                <a:cs typeface="Helvetica Neue"/>
+                <a:sym typeface="Helvetica Neue"/>
+              </a:rPr>
+              <a:t>    y_{n}    </a:t>
+            </a:r>
+            <a:endParaRPr/>
+          </a:p>
+          <a:p>
+            <a:pPr marL="0" marR="0" lvl="0" indent="0" algn="l" rtl="0">
+              <a:lnSpc>
+                <a:spcPct val="117999"/>
+              </a:lnSpc>
+              <a:spcBef>
+                <a:spcPts val="0"/>
+              </a:spcBef>
+              <a:spcAft>
+                <a:spcPts val="0"/>
+              </a:spcAft>
+              <a:buNone/>
+            </a:pPr>
+            <a:r>
+              <a:rPr lang="en" sz="2200" b="0" i="0" u="none" strike="noStrike" cap="none">
+                <a:latin typeface="Helvetica Neue"/>
+                <a:ea typeface="Helvetica Neue"/>
+                <a:cs typeface="Helvetica Neue"/>
+                <a:sym typeface="Helvetica Neue"/>
+              </a:rPr>
+              <a:t>\end{bmatrix}</a:t>
+            </a:r>
+            <a:endParaRPr/>
+          </a:p>
+        </p:txBody>
+      </p:sp>
+    </p:spTree>
+  </p:cSld>
+  <p:clrMapOvr>
+    <a:masterClrMapping/>
+  </p:clrMapOvr>
+</p:notes>
+</file>
+
+<file path=ppt/notesSlides/notesSlide25.xml><?xml version="1.0" encoding="utf-8"?>
+<p:notes xmlns:a="http://schemas.openxmlformats.org/drawingml/2006/main" xmlns:r="http://schemas.openxmlformats.org/officeDocument/2006/relationships" xmlns:p="http://schemas.openxmlformats.org/presentationml/2006/main" showMasterSp="0" showMasterPhAnim="0">
+  <p:cSld>
+    <p:spTree>
+      <p:nvGrpSpPr>
+        <p:cNvPr id="1" name="Shape 223"/>
+        <p:cNvGrpSpPr/>
+        <p:nvPr/>
+      </p:nvGrpSpPr>
+      <p:grpSpPr>
+        <a:xfrm>
+          <a:off x="0" y="0"/>
+          <a:ext cx="0" cy="0"/>
+          <a:chOff x="0" y="0"/>
+          <a:chExt cx="0" cy="0"/>
+        </a:xfrm>
+      </p:grpSpPr>
+      <p:sp>
+        <p:nvSpPr>
+          <p:cNvPr id="224" name="Google Shape;224;g26dd722406_0_41:notes"/>
+          <p:cNvSpPr>
+            <a:spLocks noGrp="1" noRot="1" noChangeAspect="1"/>
+          </p:cNvSpPr>
+          <p:nvPr>
+            <p:ph type="sldImg" idx="2"/>
+          </p:nvPr>
+        </p:nvSpPr>
+        <p:spPr>
+          <a:xfrm>
+            <a:off x="381000" y="685800"/>
+            <a:ext cx="6096000" cy="3429000"/>
+          </a:xfrm>
+          <a:custGeom>
+            <a:avLst/>
+            <a:gdLst/>
+            <a:ahLst/>
+            <a:cxnLst/>
+            <a:rect l="l" t="t" r="r" b="b"/>
+            <a:pathLst>
+              <a:path w="120000" h="120000" extrusionOk="0">
+                <a:moveTo>
+                  <a:pt x="0" y="0"/>
+                </a:moveTo>
+                <a:lnTo>
+                  <a:pt x="120000" y="0"/>
+                </a:lnTo>
+                <a:lnTo>
+                  <a:pt x="120000" y="120000"/>
+                </a:lnTo>
+                <a:lnTo>
+                  <a:pt x="0" y="120000"/>
+                </a:lnTo>
+                <a:close/>
+              </a:path>
+            </a:pathLst>
+          </a:custGeom>
+          <a:noFill/>
+          <a:ln>
+            <a:noFill/>
+          </a:ln>
+        </p:spPr>
+      </p:sp>
+      <p:sp>
+        <p:nvSpPr>
+          <p:cNvPr id="225" name="Google Shape;225;g26dd722406_0_41:notes"/>
+          <p:cNvSpPr txBox="1">
+            <a:spLocks noGrp="1"/>
+          </p:cNvSpPr>
+          <p:nvPr>
+            <p:ph type="body" idx="1"/>
+          </p:nvPr>
+        </p:nvSpPr>
+        <p:spPr>
+          <a:xfrm>
+            <a:off x="914400" y="4343400"/>
+            <a:ext cx="5029200" cy="4114800"/>
+          </a:xfrm>
+          <a:prstGeom prst="rect">
+            <a:avLst/>
+          </a:prstGeom>
+          <a:noFill/>
+          <a:ln>
+            <a:noFill/>
+          </a:ln>
+        </p:spPr>
+        <p:txBody>
+          <a:bodyPr spcFirstLastPara="1" wrap="square" lIns="91425" tIns="45700" rIns="91425" bIns="45700" anchor="t" anchorCtr="0">
+            <a:noAutofit/>
+          </a:bodyPr>
+          <a:lstStyle/>
+          <a:p>
+            <a:pPr marL="0" marR="0" lvl="0" indent="0" algn="l" rtl="0">
+              <a:lnSpc>
+                <a:spcPct val="117999"/>
+              </a:lnSpc>
+              <a:spcBef>
+                <a:spcPts val="0"/>
+              </a:spcBef>
+              <a:spcAft>
+                <a:spcPts val="0"/>
+              </a:spcAft>
+              <a:buNone/>
+            </a:pPr>
+            <a:r>
+              <a:rPr lang="en" sz="2200" b="0" i="0" u="none" strike="noStrike" cap="none">
+                <a:latin typeface="Helvetica Neue"/>
+                <a:ea typeface="Helvetica Neue"/>
+                <a:cs typeface="Helvetica Neue"/>
+                <a:sym typeface="Helvetica Neue"/>
+              </a:rPr>
+              <a:t>\begin{bmatrix}</a:t>
+            </a:r>
+            <a:endParaRPr/>
+          </a:p>
+          <a:p>
+            <a:pPr marL="0" marR="0" lvl="0" indent="0" algn="l" rtl="0">
+              <a:lnSpc>
+                <a:spcPct val="117999"/>
+              </a:lnSpc>
+              <a:spcBef>
+                <a:spcPts val="0"/>
+              </a:spcBef>
+              <a:spcAft>
+                <a:spcPts val="0"/>
+              </a:spcAft>
+              <a:buNone/>
+            </a:pPr>
+            <a:r>
+              <a:rPr lang="en" sz="2200" b="0" i="0" u="none" strike="noStrike" cap="none">
+                <a:latin typeface="Helvetica Neue"/>
+                <a:ea typeface="Helvetica Neue"/>
+                <a:cs typeface="Helvetica Neue"/>
+                <a:sym typeface="Helvetica Neue"/>
+              </a:rPr>
+              <a:t>    a_{1}       &amp; b_{1} \\</a:t>
+            </a:r>
+            <a:endParaRPr/>
+          </a:p>
+          <a:p>
+            <a:pPr marL="0" marR="0" lvl="0" indent="0" algn="l" rtl="0">
+              <a:lnSpc>
+                <a:spcPct val="117999"/>
+              </a:lnSpc>
+              <a:spcBef>
+                <a:spcPts val="0"/>
+              </a:spcBef>
+              <a:spcAft>
+                <a:spcPts val="0"/>
+              </a:spcAft>
+              <a:buNone/>
+            </a:pPr>
+            <a:r>
+              <a:rPr lang="en" sz="2200" b="0" i="0" u="none" strike="noStrike" cap="none">
+                <a:latin typeface="Helvetica Neue"/>
+                <a:ea typeface="Helvetica Neue"/>
+                <a:cs typeface="Helvetica Neue"/>
+                <a:sym typeface="Helvetica Neue"/>
+              </a:rPr>
+              <a:t>    a_{2}       &amp; b_{2} \\</a:t>
+            </a:r>
+            <a:endParaRPr/>
+          </a:p>
+          <a:p>
+            <a:pPr marL="0" marR="0" lvl="0" indent="0" algn="l" rtl="0">
+              <a:lnSpc>
+                <a:spcPct val="117999"/>
+              </a:lnSpc>
+              <a:spcBef>
+                <a:spcPts val="0"/>
+              </a:spcBef>
+              <a:spcAft>
+                <a:spcPts val="0"/>
+              </a:spcAft>
+              <a:buNone/>
+            </a:pPr>
+            <a:r>
+              <a:rPr lang="en" sz="2200" b="0" i="0" u="none" strike="noStrike" cap="none">
+                <a:latin typeface="Helvetica Neue"/>
+                <a:ea typeface="Helvetica Neue"/>
+                <a:cs typeface="Helvetica Neue"/>
+                <a:sym typeface="Helvetica Neue"/>
+              </a:rPr>
+              <a:t>    a_{3}       &amp; b_{3} \\</a:t>
+            </a:r>
+            <a:endParaRPr/>
+          </a:p>
+          <a:p>
+            <a:pPr marL="0" marR="0" lvl="0" indent="0" algn="l" rtl="0">
+              <a:lnSpc>
+                <a:spcPct val="117999"/>
+              </a:lnSpc>
+              <a:spcBef>
+                <a:spcPts val="0"/>
+              </a:spcBef>
+              <a:spcAft>
+                <a:spcPts val="0"/>
+              </a:spcAft>
+              <a:buNone/>
+            </a:pPr>
+            <a:r>
+              <a:rPr lang="en" sz="2200" b="0" i="0" u="none" strike="noStrike" cap="none">
+                <a:latin typeface="Helvetica Neue"/>
+                <a:ea typeface="Helvetica Neue"/>
+                <a:cs typeface="Helvetica Neue"/>
+                <a:sym typeface="Helvetica Neue"/>
+              </a:rPr>
+              <a:t>    \hdotsfor{2} \\</a:t>
+            </a:r>
+            <a:endParaRPr/>
+          </a:p>
+          <a:p>
+            <a:pPr marL="0" marR="0" lvl="0" indent="0" algn="l" rtl="0">
+              <a:lnSpc>
+                <a:spcPct val="117999"/>
+              </a:lnSpc>
+              <a:spcBef>
+                <a:spcPts val="0"/>
+              </a:spcBef>
+              <a:spcAft>
+                <a:spcPts val="0"/>
+              </a:spcAft>
+              <a:buNone/>
+            </a:pPr>
+            <a:r>
+              <a:rPr lang="en" sz="2200" b="0" i="0" u="none" strike="noStrike" cap="none">
+                <a:latin typeface="Helvetica Neue"/>
+                <a:ea typeface="Helvetica Neue"/>
+                <a:cs typeface="Helvetica Neue"/>
+                <a:sym typeface="Helvetica Neue"/>
+              </a:rPr>
+              <a:t>    a_{n}       &amp; b_{n} </a:t>
+            </a:r>
+            <a:endParaRPr/>
+          </a:p>
+          <a:p>
+            <a:pPr marL="0" marR="0" lvl="0" indent="0" algn="l" rtl="0">
+              <a:lnSpc>
+                <a:spcPct val="117999"/>
+              </a:lnSpc>
+              <a:spcBef>
+                <a:spcPts val="0"/>
+              </a:spcBef>
+              <a:spcAft>
+                <a:spcPts val="0"/>
+              </a:spcAft>
+              <a:buNone/>
+            </a:pPr>
+            <a:r>
+              <a:rPr lang="en" sz="2200" b="0" i="0" u="none" strike="noStrike" cap="none">
+                <a:latin typeface="Helvetica Neue"/>
+                <a:ea typeface="Helvetica Neue"/>
+                <a:cs typeface="Helvetica Neue"/>
+                <a:sym typeface="Helvetica Neue"/>
+              </a:rPr>
+              <a:t>\end{bmatrix}</a:t>
+            </a:r>
+            <a:endParaRPr/>
+          </a:p>
+          <a:p>
+            <a:pPr marL="0" marR="0" lvl="0" indent="0" algn="l" rtl="0">
+              <a:lnSpc>
+                <a:spcPct val="117999"/>
+              </a:lnSpc>
+              <a:spcBef>
+                <a:spcPts val="0"/>
+              </a:spcBef>
+              <a:spcAft>
+                <a:spcPts val="0"/>
+              </a:spcAft>
+              <a:buNone/>
+            </a:pPr>
+            <a:r>
+              <a:rPr lang="en" sz="2200" b="0" i="0" u="none" strike="noStrike" cap="none">
+                <a:latin typeface="Helvetica Neue"/>
+                <a:ea typeface="Helvetica Neue"/>
+                <a:cs typeface="Helvetica Neue"/>
+                <a:sym typeface="Helvetica Neue"/>
+              </a:rPr>
+              <a:t>\begin{bmatrix}</a:t>
+            </a:r>
+            <a:endParaRPr/>
+          </a:p>
+          <a:p>
+            <a:pPr marL="0" marR="0" lvl="0" indent="0" algn="l" rtl="0">
+              <a:lnSpc>
+                <a:spcPct val="117999"/>
+              </a:lnSpc>
+              <a:spcBef>
+                <a:spcPts val="0"/>
+              </a:spcBef>
+              <a:spcAft>
+                <a:spcPts val="0"/>
+              </a:spcAft>
+              <a:buNone/>
+            </a:pPr>
+            <a:r>
+              <a:rPr lang="en" sz="2200" b="0" i="0" u="none" strike="noStrike" cap="none">
+                <a:latin typeface="Helvetica Neue"/>
+                <a:ea typeface="Helvetica Neue"/>
+                <a:cs typeface="Helvetica Neue"/>
+                <a:sym typeface="Helvetica Neue"/>
+              </a:rPr>
+              <a:t>    w_1 \\ w_2    \\</a:t>
+            </a:r>
+            <a:endParaRPr/>
+          </a:p>
+          <a:p>
+            <a:pPr marL="0" marR="0" lvl="0" indent="0" algn="l" rtl="0">
+              <a:lnSpc>
+                <a:spcPct val="117999"/>
+              </a:lnSpc>
+              <a:spcBef>
+                <a:spcPts val="0"/>
+              </a:spcBef>
+              <a:spcAft>
+                <a:spcPts val="0"/>
+              </a:spcAft>
+              <a:buNone/>
+            </a:pPr>
+            <a:r>
+              <a:rPr lang="en" sz="2200" b="0" i="0" u="none" strike="noStrike" cap="none">
+                <a:latin typeface="Helvetica Neue"/>
+                <a:ea typeface="Helvetica Neue"/>
+                <a:cs typeface="Helvetica Neue"/>
+                <a:sym typeface="Helvetica Neue"/>
+              </a:rPr>
+              <a:t>   \end{bmatrix}</a:t>
+            </a:r>
+            <a:endParaRPr/>
+          </a:p>
+          <a:p>
+            <a:pPr marL="0" marR="0" lvl="0" indent="0" algn="l" rtl="0">
+              <a:lnSpc>
+                <a:spcPct val="117999"/>
+              </a:lnSpc>
+              <a:spcBef>
+                <a:spcPts val="0"/>
+              </a:spcBef>
+              <a:spcAft>
+                <a:spcPts val="0"/>
+              </a:spcAft>
+              <a:buNone/>
+            </a:pPr>
+            <a:r>
+              <a:rPr lang="en" sz="2200" b="0" i="0" u="none" strike="noStrike" cap="none">
+                <a:latin typeface="Helvetica Neue"/>
+                <a:ea typeface="Helvetica Neue"/>
+                <a:cs typeface="Helvetica Neue"/>
+                <a:sym typeface="Helvetica Neue"/>
+              </a:rPr>
+              <a:t>=</a:t>
+            </a:r>
+            <a:endParaRPr/>
+          </a:p>
+          <a:p>
+            <a:pPr marL="0" marR="0" lvl="0" indent="0" algn="l" rtl="0">
+              <a:lnSpc>
+                <a:spcPct val="117999"/>
+              </a:lnSpc>
+              <a:spcBef>
+                <a:spcPts val="0"/>
+              </a:spcBef>
+              <a:spcAft>
+                <a:spcPts val="0"/>
+              </a:spcAft>
+              <a:buNone/>
+            </a:pPr>
+            <a:r>
+              <a:rPr lang="en" sz="2200" b="0" i="0" u="none" strike="noStrike" cap="none">
+                <a:latin typeface="Helvetica Neue"/>
+                <a:ea typeface="Helvetica Neue"/>
+                <a:cs typeface="Helvetica Neue"/>
+                <a:sym typeface="Helvetica Neue"/>
+              </a:rPr>
+              <a:t>\begin{bmatrix}</a:t>
+            </a:r>
+            <a:endParaRPr/>
+          </a:p>
+          <a:p>
+            <a:pPr marL="0" marR="0" lvl="0" indent="0" algn="l" rtl="0">
+              <a:lnSpc>
+                <a:spcPct val="117999"/>
+              </a:lnSpc>
+              <a:spcBef>
+                <a:spcPts val="0"/>
+              </a:spcBef>
+              <a:spcAft>
+                <a:spcPts val="0"/>
+              </a:spcAft>
+              <a:buNone/>
+            </a:pPr>
+            <a:r>
+              <a:rPr lang="en" sz="2200" b="0" i="0" u="none" strike="noStrike" cap="none">
+                <a:latin typeface="Helvetica Neue"/>
+                <a:ea typeface="Helvetica Neue"/>
+                <a:cs typeface="Helvetica Neue"/>
+                <a:sym typeface="Helvetica Neue"/>
+              </a:rPr>
+              <a:t>    y_{1}       \\</a:t>
+            </a:r>
+            <a:endParaRPr/>
+          </a:p>
+          <a:p>
+            <a:pPr marL="0" marR="0" lvl="0" indent="0" algn="l" rtl="0">
+              <a:lnSpc>
+                <a:spcPct val="117999"/>
+              </a:lnSpc>
+              <a:spcBef>
+                <a:spcPts val="0"/>
+              </a:spcBef>
+              <a:spcAft>
+                <a:spcPts val="0"/>
+              </a:spcAft>
+              <a:buNone/>
+            </a:pPr>
+            <a:r>
+              <a:rPr lang="en" sz="2200" b="0" i="0" u="none" strike="noStrike" cap="none">
+                <a:latin typeface="Helvetica Neue"/>
+                <a:ea typeface="Helvetica Neue"/>
+                <a:cs typeface="Helvetica Neue"/>
+                <a:sym typeface="Helvetica Neue"/>
+              </a:rPr>
+              <a:t>    y_{2}       \\</a:t>
+            </a:r>
+            <a:endParaRPr/>
+          </a:p>
+          <a:p>
+            <a:pPr marL="0" marR="0" lvl="0" indent="0" algn="l" rtl="0">
+              <a:lnSpc>
+                <a:spcPct val="117999"/>
+              </a:lnSpc>
+              <a:spcBef>
+                <a:spcPts val="0"/>
+              </a:spcBef>
+              <a:spcAft>
+                <a:spcPts val="0"/>
+              </a:spcAft>
+              <a:buNone/>
+            </a:pPr>
+            <a:r>
+              <a:rPr lang="en" sz="2200" b="0" i="0" u="none" strike="noStrike" cap="none">
+                <a:latin typeface="Helvetica Neue"/>
+                <a:ea typeface="Helvetica Neue"/>
+                <a:cs typeface="Helvetica Neue"/>
+                <a:sym typeface="Helvetica Neue"/>
+              </a:rPr>
+              <a:t>    y_{3}       \\</a:t>
+            </a:r>
+            <a:endParaRPr/>
+          </a:p>
+          <a:p>
+            <a:pPr marL="0" marR="0" lvl="0" indent="0" algn="l" rtl="0">
+              <a:lnSpc>
+                <a:spcPct val="117999"/>
+              </a:lnSpc>
+              <a:spcBef>
+                <a:spcPts val="0"/>
+              </a:spcBef>
+              <a:spcAft>
+                <a:spcPts val="0"/>
+              </a:spcAft>
+              <a:buNone/>
+            </a:pPr>
+            <a:r>
+              <a:rPr lang="en" sz="2200" b="0" i="0" u="none" strike="noStrike" cap="none">
+                <a:latin typeface="Helvetica Neue"/>
+                <a:ea typeface="Helvetica Neue"/>
+                <a:cs typeface="Helvetica Neue"/>
+                <a:sym typeface="Helvetica Neue"/>
+              </a:rPr>
+              <a:t>    \hdotsfor{1} \\</a:t>
+            </a:r>
+            <a:endParaRPr/>
+          </a:p>
+          <a:p>
+            <a:pPr marL="0" marR="0" lvl="0" indent="0" algn="l" rtl="0">
+              <a:lnSpc>
+                <a:spcPct val="117999"/>
+              </a:lnSpc>
+              <a:spcBef>
+                <a:spcPts val="0"/>
+              </a:spcBef>
+              <a:spcAft>
+                <a:spcPts val="0"/>
+              </a:spcAft>
+              <a:buNone/>
+            </a:pPr>
+            <a:r>
+              <a:rPr lang="en" sz="2200" b="0" i="0" u="none" strike="noStrike" cap="none">
+                <a:latin typeface="Helvetica Neue"/>
+                <a:ea typeface="Helvetica Neue"/>
+                <a:cs typeface="Helvetica Neue"/>
+                <a:sym typeface="Helvetica Neue"/>
+              </a:rPr>
+              <a:t>    y_{n}    </a:t>
+            </a:r>
+            <a:endParaRPr/>
+          </a:p>
+          <a:p>
+            <a:pPr marL="0" marR="0" lvl="0" indent="0" algn="l" rtl="0">
+              <a:lnSpc>
+                <a:spcPct val="117999"/>
+              </a:lnSpc>
+              <a:spcBef>
+                <a:spcPts val="0"/>
+              </a:spcBef>
+              <a:spcAft>
+                <a:spcPts val="0"/>
+              </a:spcAft>
+              <a:buNone/>
+            </a:pPr>
+            <a:r>
+              <a:rPr lang="en" sz="2200" b="0" i="0" u="none" strike="noStrike" cap="none">
+                <a:latin typeface="Helvetica Neue"/>
+                <a:ea typeface="Helvetica Neue"/>
+                <a:cs typeface="Helvetica Neue"/>
+                <a:sym typeface="Helvetica Neue"/>
+              </a:rPr>
+              <a:t>\end{bmatrix}</a:t>
+            </a:r>
+            <a:endParaRPr/>
+          </a:p>
+        </p:txBody>
+      </p:sp>
+    </p:spTree>
+  </p:cSld>
+  <p:clrMapOvr>
+    <a:masterClrMapping/>
+  </p:clrMapOvr>
+</p:notes>
+</file>
+
+<file path=ppt/notesSlides/notesSlide26.xml><?xml version="1.0" encoding="utf-8"?>
+<p:notes xmlns:a="http://schemas.openxmlformats.org/drawingml/2006/main" xmlns:r="http://schemas.openxmlformats.org/officeDocument/2006/relationships" xmlns:p="http://schemas.openxmlformats.org/presentationml/2006/main" showMasterSp="0" showMasterPhAnim="0">
+  <p:cSld>
+    <p:spTree>
+      <p:nvGrpSpPr>
+        <p:cNvPr id="1" name="Shape 223"/>
+        <p:cNvGrpSpPr/>
+        <p:nvPr/>
+      </p:nvGrpSpPr>
+      <p:grpSpPr>
+        <a:xfrm>
+          <a:off x="0" y="0"/>
+          <a:ext cx="0" cy="0"/>
+          <a:chOff x="0" y="0"/>
+          <a:chExt cx="0" cy="0"/>
+        </a:xfrm>
+      </p:grpSpPr>
+      <p:sp>
+        <p:nvSpPr>
+          <p:cNvPr id="224" name="Google Shape;224;g26dd722406_0_41:notes"/>
+          <p:cNvSpPr>
+            <a:spLocks noGrp="1" noRot="1" noChangeAspect="1"/>
+          </p:cNvSpPr>
+          <p:nvPr>
+            <p:ph type="sldImg" idx="2"/>
+          </p:nvPr>
+        </p:nvSpPr>
+        <p:spPr>
+          <a:xfrm>
+            <a:off x="381000" y="685800"/>
+            <a:ext cx="6096000" cy="3429000"/>
+          </a:xfrm>
+          <a:custGeom>
+            <a:avLst/>
+            <a:gdLst/>
+            <a:ahLst/>
+            <a:cxnLst/>
+            <a:rect l="l" t="t" r="r" b="b"/>
+            <a:pathLst>
+              <a:path w="120000" h="120000" extrusionOk="0">
+                <a:moveTo>
+                  <a:pt x="0" y="0"/>
+                </a:moveTo>
+                <a:lnTo>
+                  <a:pt x="120000" y="0"/>
+                </a:lnTo>
+                <a:lnTo>
+                  <a:pt x="120000" y="120000"/>
+                </a:lnTo>
+                <a:lnTo>
+                  <a:pt x="0" y="120000"/>
+                </a:lnTo>
+                <a:close/>
+              </a:path>
+            </a:pathLst>
+          </a:custGeom>
+          <a:noFill/>
+          <a:ln>
+            <a:noFill/>
+          </a:ln>
+        </p:spPr>
+      </p:sp>
+      <p:sp>
+        <p:nvSpPr>
+          <p:cNvPr id="225" name="Google Shape;225;g26dd722406_0_41:notes"/>
+          <p:cNvSpPr txBox="1">
+            <a:spLocks noGrp="1"/>
+          </p:cNvSpPr>
+          <p:nvPr>
+            <p:ph type="body" idx="1"/>
+          </p:nvPr>
+        </p:nvSpPr>
+        <p:spPr>
+          <a:xfrm>
+            <a:off x="914400" y="4343400"/>
+            <a:ext cx="5029200" cy="4114800"/>
+          </a:xfrm>
+          <a:prstGeom prst="rect">
+            <a:avLst/>
+          </a:prstGeom>
+          <a:noFill/>
+          <a:ln>
+            <a:noFill/>
+          </a:ln>
+        </p:spPr>
+        <p:txBody>
+          <a:bodyPr spcFirstLastPara="1" wrap="square" lIns="91425" tIns="45700" rIns="91425" bIns="45700" anchor="t" anchorCtr="0">
+            <a:noAutofit/>
+          </a:bodyPr>
+          <a:lstStyle/>
+          <a:p>
+            <a:pPr marL="0" marR="0" lvl="0" indent="0" algn="l" rtl="0">
+              <a:lnSpc>
+                <a:spcPct val="117999"/>
+              </a:lnSpc>
+              <a:spcBef>
+                <a:spcPts val="0"/>
+              </a:spcBef>
+              <a:spcAft>
+                <a:spcPts val="0"/>
+              </a:spcAft>
+              <a:buNone/>
+            </a:pPr>
+            <a:r>
+              <a:rPr lang="en" sz="2200" b="0" i="0" u="none" strike="noStrike" cap="none">
+                <a:latin typeface="Helvetica Neue"/>
+                <a:ea typeface="Helvetica Neue"/>
+                <a:cs typeface="Helvetica Neue"/>
+                <a:sym typeface="Helvetica Neue"/>
+              </a:rPr>
+              <a:t>\begin{bmatrix}</a:t>
+            </a:r>
+            <a:endParaRPr/>
+          </a:p>
+          <a:p>
+            <a:pPr marL="0" marR="0" lvl="0" indent="0" algn="l" rtl="0">
+              <a:lnSpc>
+                <a:spcPct val="117999"/>
+              </a:lnSpc>
+              <a:spcBef>
+                <a:spcPts val="0"/>
+              </a:spcBef>
+              <a:spcAft>
+                <a:spcPts val="0"/>
+              </a:spcAft>
+              <a:buNone/>
+            </a:pPr>
+            <a:r>
+              <a:rPr lang="en" sz="2200" b="0" i="0" u="none" strike="noStrike" cap="none">
+                <a:latin typeface="Helvetica Neue"/>
+                <a:ea typeface="Helvetica Neue"/>
+                <a:cs typeface="Helvetica Neue"/>
+                <a:sym typeface="Helvetica Neue"/>
+              </a:rPr>
+              <a:t>    a_{1}       &amp; b_{1} \\</a:t>
+            </a:r>
+            <a:endParaRPr/>
+          </a:p>
+          <a:p>
+            <a:pPr marL="0" marR="0" lvl="0" indent="0" algn="l" rtl="0">
+              <a:lnSpc>
+                <a:spcPct val="117999"/>
+              </a:lnSpc>
+              <a:spcBef>
+                <a:spcPts val="0"/>
+              </a:spcBef>
+              <a:spcAft>
+                <a:spcPts val="0"/>
+              </a:spcAft>
+              <a:buNone/>
+            </a:pPr>
+            <a:r>
+              <a:rPr lang="en" sz="2200" b="0" i="0" u="none" strike="noStrike" cap="none">
+                <a:latin typeface="Helvetica Neue"/>
+                <a:ea typeface="Helvetica Neue"/>
+                <a:cs typeface="Helvetica Neue"/>
+                <a:sym typeface="Helvetica Neue"/>
+              </a:rPr>
+              <a:t>    a_{2}       &amp; b_{2} \\</a:t>
+            </a:r>
+            <a:endParaRPr/>
+          </a:p>
+          <a:p>
+            <a:pPr marL="0" marR="0" lvl="0" indent="0" algn="l" rtl="0">
+              <a:lnSpc>
+                <a:spcPct val="117999"/>
+              </a:lnSpc>
+              <a:spcBef>
+                <a:spcPts val="0"/>
+              </a:spcBef>
+              <a:spcAft>
+                <a:spcPts val="0"/>
+              </a:spcAft>
+              <a:buNone/>
+            </a:pPr>
+            <a:r>
+              <a:rPr lang="en" sz="2200" b="0" i="0" u="none" strike="noStrike" cap="none">
+                <a:latin typeface="Helvetica Neue"/>
+                <a:ea typeface="Helvetica Neue"/>
+                <a:cs typeface="Helvetica Neue"/>
+                <a:sym typeface="Helvetica Neue"/>
+              </a:rPr>
+              <a:t>    a_{3}       &amp; b_{3} \\</a:t>
+            </a:r>
+            <a:endParaRPr/>
+          </a:p>
+          <a:p>
+            <a:pPr marL="0" marR="0" lvl="0" indent="0" algn="l" rtl="0">
+              <a:lnSpc>
+                <a:spcPct val="117999"/>
+              </a:lnSpc>
+              <a:spcBef>
+                <a:spcPts val="0"/>
+              </a:spcBef>
+              <a:spcAft>
+                <a:spcPts val="0"/>
+              </a:spcAft>
+              <a:buNone/>
+            </a:pPr>
+            <a:r>
+              <a:rPr lang="en" sz="2200" b="0" i="0" u="none" strike="noStrike" cap="none">
+                <a:latin typeface="Helvetica Neue"/>
+                <a:ea typeface="Helvetica Neue"/>
+                <a:cs typeface="Helvetica Neue"/>
+                <a:sym typeface="Helvetica Neue"/>
+              </a:rPr>
+              <a:t>    \hdotsfor{2} \\</a:t>
+            </a:r>
+            <a:endParaRPr/>
+          </a:p>
+          <a:p>
+            <a:pPr marL="0" marR="0" lvl="0" indent="0" algn="l" rtl="0">
+              <a:lnSpc>
+                <a:spcPct val="117999"/>
+              </a:lnSpc>
+              <a:spcBef>
+                <a:spcPts val="0"/>
+              </a:spcBef>
+              <a:spcAft>
+                <a:spcPts val="0"/>
+              </a:spcAft>
+              <a:buNone/>
+            </a:pPr>
+            <a:r>
+              <a:rPr lang="en" sz="2200" b="0" i="0" u="none" strike="noStrike" cap="none">
+                <a:latin typeface="Helvetica Neue"/>
+                <a:ea typeface="Helvetica Neue"/>
+                <a:cs typeface="Helvetica Neue"/>
+                <a:sym typeface="Helvetica Neue"/>
+              </a:rPr>
+              <a:t>    a_{n}       &amp; b_{n} </a:t>
+            </a:r>
+            <a:endParaRPr/>
+          </a:p>
+          <a:p>
+            <a:pPr marL="0" marR="0" lvl="0" indent="0" algn="l" rtl="0">
+              <a:lnSpc>
+                <a:spcPct val="117999"/>
+              </a:lnSpc>
+              <a:spcBef>
+                <a:spcPts val="0"/>
+              </a:spcBef>
+              <a:spcAft>
+                <a:spcPts val="0"/>
+              </a:spcAft>
+              <a:buNone/>
+            </a:pPr>
+            <a:r>
+              <a:rPr lang="en" sz="2200" b="0" i="0" u="none" strike="noStrike" cap="none">
+                <a:latin typeface="Helvetica Neue"/>
+                <a:ea typeface="Helvetica Neue"/>
+                <a:cs typeface="Helvetica Neue"/>
+                <a:sym typeface="Helvetica Neue"/>
+              </a:rPr>
+              <a:t>\end{bmatrix}</a:t>
+            </a:r>
+            <a:endParaRPr/>
+          </a:p>
+          <a:p>
+            <a:pPr marL="0" marR="0" lvl="0" indent="0" algn="l" rtl="0">
+              <a:lnSpc>
+                <a:spcPct val="117999"/>
+              </a:lnSpc>
+              <a:spcBef>
+                <a:spcPts val="0"/>
+              </a:spcBef>
+              <a:spcAft>
+                <a:spcPts val="0"/>
+              </a:spcAft>
+              <a:buNone/>
+            </a:pPr>
+            <a:r>
+              <a:rPr lang="en" sz="2200" b="0" i="0" u="none" strike="noStrike" cap="none">
+                <a:latin typeface="Helvetica Neue"/>
+                <a:ea typeface="Helvetica Neue"/>
+                <a:cs typeface="Helvetica Neue"/>
+                <a:sym typeface="Helvetica Neue"/>
+              </a:rPr>
+              <a:t>\begin{bmatrix}</a:t>
+            </a:r>
+            <a:endParaRPr/>
+          </a:p>
+          <a:p>
+            <a:pPr marL="0" marR="0" lvl="0" indent="0" algn="l" rtl="0">
+              <a:lnSpc>
+                <a:spcPct val="117999"/>
+              </a:lnSpc>
+              <a:spcBef>
+                <a:spcPts val="0"/>
+              </a:spcBef>
+              <a:spcAft>
+                <a:spcPts val="0"/>
+              </a:spcAft>
+              <a:buNone/>
+            </a:pPr>
+            <a:r>
+              <a:rPr lang="en" sz="2200" b="0" i="0" u="none" strike="noStrike" cap="none">
+                <a:latin typeface="Helvetica Neue"/>
+                <a:ea typeface="Helvetica Neue"/>
+                <a:cs typeface="Helvetica Neue"/>
+                <a:sym typeface="Helvetica Neue"/>
+              </a:rPr>
+              <a:t>    w_1 \\ w_2    \\</a:t>
+            </a:r>
+            <a:endParaRPr/>
+          </a:p>
+          <a:p>
+            <a:pPr marL="0" marR="0" lvl="0" indent="0" algn="l" rtl="0">
+              <a:lnSpc>
+                <a:spcPct val="117999"/>
+              </a:lnSpc>
+              <a:spcBef>
+                <a:spcPts val="0"/>
+              </a:spcBef>
+              <a:spcAft>
+                <a:spcPts val="0"/>
+              </a:spcAft>
+              <a:buNone/>
+            </a:pPr>
+            <a:r>
+              <a:rPr lang="en" sz="2200" b="0" i="0" u="none" strike="noStrike" cap="none">
+                <a:latin typeface="Helvetica Neue"/>
+                <a:ea typeface="Helvetica Neue"/>
+                <a:cs typeface="Helvetica Neue"/>
+                <a:sym typeface="Helvetica Neue"/>
+              </a:rPr>
+              <a:t>   \end{bmatrix}</a:t>
+            </a:r>
+            <a:endParaRPr/>
+          </a:p>
+          <a:p>
+            <a:pPr marL="0" marR="0" lvl="0" indent="0" algn="l" rtl="0">
+              <a:lnSpc>
+                <a:spcPct val="117999"/>
+              </a:lnSpc>
+              <a:spcBef>
+                <a:spcPts val="0"/>
+              </a:spcBef>
+              <a:spcAft>
+                <a:spcPts val="0"/>
+              </a:spcAft>
+              <a:buNone/>
+            </a:pPr>
+            <a:r>
+              <a:rPr lang="en" sz="2200" b="0" i="0" u="none" strike="noStrike" cap="none">
+                <a:latin typeface="Helvetica Neue"/>
+                <a:ea typeface="Helvetica Neue"/>
+                <a:cs typeface="Helvetica Neue"/>
+                <a:sym typeface="Helvetica Neue"/>
+              </a:rPr>
+              <a:t>=</a:t>
+            </a:r>
+            <a:endParaRPr/>
+          </a:p>
+          <a:p>
+            <a:pPr marL="0" marR="0" lvl="0" indent="0" algn="l" rtl="0">
+              <a:lnSpc>
+                <a:spcPct val="117999"/>
+              </a:lnSpc>
+              <a:spcBef>
+                <a:spcPts val="0"/>
+              </a:spcBef>
+              <a:spcAft>
+                <a:spcPts val="0"/>
+              </a:spcAft>
+              <a:buNone/>
+            </a:pPr>
+            <a:r>
+              <a:rPr lang="en" sz="2200" b="0" i="0" u="none" strike="noStrike" cap="none">
+                <a:latin typeface="Helvetica Neue"/>
+                <a:ea typeface="Helvetica Neue"/>
+                <a:cs typeface="Helvetica Neue"/>
+                <a:sym typeface="Helvetica Neue"/>
+              </a:rPr>
+              <a:t>\begin{bmatrix}</a:t>
+            </a:r>
+            <a:endParaRPr/>
+          </a:p>
+          <a:p>
+            <a:pPr marL="0" marR="0" lvl="0" indent="0" algn="l" rtl="0">
+              <a:lnSpc>
+                <a:spcPct val="117999"/>
+              </a:lnSpc>
+              <a:spcBef>
+                <a:spcPts val="0"/>
+              </a:spcBef>
+              <a:spcAft>
+                <a:spcPts val="0"/>
+              </a:spcAft>
+              <a:buNone/>
+            </a:pPr>
+            <a:r>
+              <a:rPr lang="en" sz="2200" b="0" i="0" u="none" strike="noStrike" cap="none">
+                <a:latin typeface="Helvetica Neue"/>
+                <a:ea typeface="Helvetica Neue"/>
+                <a:cs typeface="Helvetica Neue"/>
+                <a:sym typeface="Helvetica Neue"/>
+              </a:rPr>
+              <a:t>    y_{1}       \\</a:t>
+            </a:r>
+            <a:endParaRPr/>
+          </a:p>
+          <a:p>
+            <a:pPr marL="0" marR="0" lvl="0" indent="0" algn="l" rtl="0">
+              <a:lnSpc>
+                <a:spcPct val="117999"/>
+              </a:lnSpc>
+              <a:spcBef>
+                <a:spcPts val="0"/>
+              </a:spcBef>
+              <a:spcAft>
+                <a:spcPts val="0"/>
+              </a:spcAft>
+              <a:buNone/>
+            </a:pPr>
+            <a:r>
+              <a:rPr lang="en" sz="2200" b="0" i="0" u="none" strike="noStrike" cap="none">
+                <a:latin typeface="Helvetica Neue"/>
+                <a:ea typeface="Helvetica Neue"/>
+                <a:cs typeface="Helvetica Neue"/>
+                <a:sym typeface="Helvetica Neue"/>
+              </a:rPr>
+              <a:t>    y_{2}       \\</a:t>
+            </a:r>
+            <a:endParaRPr/>
+          </a:p>
+          <a:p>
+            <a:pPr marL="0" marR="0" lvl="0" indent="0" algn="l" rtl="0">
+              <a:lnSpc>
+                <a:spcPct val="117999"/>
+              </a:lnSpc>
+              <a:spcBef>
+                <a:spcPts val="0"/>
+              </a:spcBef>
+              <a:spcAft>
+                <a:spcPts val="0"/>
+              </a:spcAft>
+              <a:buNone/>
+            </a:pPr>
+            <a:r>
+              <a:rPr lang="en" sz="2200" b="0" i="0" u="none" strike="noStrike" cap="none">
+                <a:latin typeface="Helvetica Neue"/>
+                <a:ea typeface="Helvetica Neue"/>
+                <a:cs typeface="Helvetica Neue"/>
+                <a:sym typeface="Helvetica Neue"/>
+              </a:rPr>
+              <a:t>    y_{3}       \\</a:t>
+            </a:r>
+            <a:endParaRPr/>
+          </a:p>
+          <a:p>
+            <a:pPr marL="0" marR="0" lvl="0" indent="0" algn="l" rtl="0">
+              <a:lnSpc>
+                <a:spcPct val="117999"/>
+              </a:lnSpc>
+              <a:spcBef>
+                <a:spcPts val="0"/>
+              </a:spcBef>
+              <a:spcAft>
+                <a:spcPts val="0"/>
+              </a:spcAft>
+              <a:buNone/>
+            </a:pPr>
+            <a:r>
+              <a:rPr lang="en" sz="2200" b="0" i="0" u="none" strike="noStrike" cap="none">
+                <a:latin typeface="Helvetica Neue"/>
+                <a:ea typeface="Helvetica Neue"/>
+                <a:cs typeface="Helvetica Neue"/>
+                <a:sym typeface="Helvetica Neue"/>
+              </a:rPr>
+              <a:t>    \hdotsfor{1} \\</a:t>
+            </a:r>
+            <a:endParaRPr/>
+          </a:p>
+          <a:p>
+            <a:pPr marL="0" marR="0" lvl="0" indent="0" algn="l" rtl="0">
+              <a:lnSpc>
+                <a:spcPct val="117999"/>
+              </a:lnSpc>
+              <a:spcBef>
+                <a:spcPts val="0"/>
+              </a:spcBef>
+              <a:spcAft>
+                <a:spcPts val="0"/>
+              </a:spcAft>
+              <a:buNone/>
+            </a:pPr>
+            <a:r>
+              <a:rPr lang="en" sz="2200" b="0" i="0" u="none" strike="noStrike" cap="none">
+                <a:latin typeface="Helvetica Neue"/>
+                <a:ea typeface="Helvetica Neue"/>
+                <a:cs typeface="Helvetica Neue"/>
+                <a:sym typeface="Helvetica Neue"/>
+              </a:rPr>
+              <a:t>    y_{n}    </a:t>
+            </a:r>
+            <a:endParaRPr/>
+          </a:p>
+          <a:p>
+            <a:pPr marL="0" marR="0" lvl="0" indent="0" algn="l" rtl="0">
+              <a:lnSpc>
+                <a:spcPct val="117999"/>
+              </a:lnSpc>
+              <a:spcBef>
+                <a:spcPts val="0"/>
+              </a:spcBef>
+              <a:spcAft>
+                <a:spcPts val="0"/>
+              </a:spcAft>
+              <a:buNone/>
+            </a:pPr>
+            <a:r>
+              <a:rPr lang="en" sz="2200" b="0" i="0" u="none" strike="noStrike" cap="none">
+                <a:latin typeface="Helvetica Neue"/>
+                <a:ea typeface="Helvetica Neue"/>
+                <a:cs typeface="Helvetica Neue"/>
+                <a:sym typeface="Helvetica Neue"/>
+              </a:rPr>
+              <a:t>\end{bmatrix}</a:t>
+            </a:r>
+            <a:endParaRPr/>
+          </a:p>
+        </p:txBody>
+      </p:sp>
+    </p:spTree>
+  </p:cSld>
+  <p:clrMapOvr>
+    <a:masterClrMapping/>
+  </p:clrMapOvr>
+</p:notes>
+</file>
+
+<file path=ppt/notesSlides/notesSlide27.xml><?xml version="1.0" encoding="utf-8"?>
+<p:notes xmlns:a="http://schemas.openxmlformats.org/drawingml/2006/main" xmlns:r="http://schemas.openxmlformats.org/officeDocument/2006/relationships" xmlns:p="http://schemas.openxmlformats.org/presentationml/2006/main" showMasterSp="0" showMasterPhAnim="0">
+  <p:cSld>
+    <p:spTree>
+      <p:nvGrpSpPr>
+        <p:cNvPr id="1" name="Shape 223"/>
+        <p:cNvGrpSpPr/>
+        <p:nvPr/>
+      </p:nvGrpSpPr>
+      <p:grpSpPr>
+        <a:xfrm>
+          <a:off x="0" y="0"/>
+          <a:ext cx="0" cy="0"/>
+          <a:chOff x="0" y="0"/>
+          <a:chExt cx="0" cy="0"/>
+        </a:xfrm>
+      </p:grpSpPr>
+      <p:sp>
+        <p:nvSpPr>
+          <p:cNvPr id="224" name="Google Shape;224;g26dd722406_0_41:notes"/>
+          <p:cNvSpPr>
+            <a:spLocks noGrp="1" noRot="1" noChangeAspect="1"/>
+          </p:cNvSpPr>
+          <p:nvPr>
+            <p:ph type="sldImg" idx="2"/>
+          </p:nvPr>
+        </p:nvSpPr>
+        <p:spPr>
+          <a:xfrm>
+            <a:off x="381000" y="685800"/>
+            <a:ext cx="6096000" cy="3429000"/>
+          </a:xfrm>
+          <a:custGeom>
+            <a:avLst/>
+            <a:gdLst/>
+            <a:ahLst/>
+            <a:cxnLst/>
+            <a:rect l="l" t="t" r="r" b="b"/>
+            <a:pathLst>
+              <a:path w="120000" h="120000" extrusionOk="0">
+                <a:moveTo>
+                  <a:pt x="0" y="0"/>
+                </a:moveTo>
+                <a:lnTo>
+                  <a:pt x="120000" y="0"/>
+                </a:lnTo>
+                <a:lnTo>
+                  <a:pt x="120000" y="120000"/>
+                </a:lnTo>
+                <a:lnTo>
+                  <a:pt x="0" y="120000"/>
+                </a:lnTo>
+                <a:close/>
+              </a:path>
+            </a:pathLst>
+          </a:custGeom>
+          <a:noFill/>
+          <a:ln>
+            <a:noFill/>
+          </a:ln>
+        </p:spPr>
+      </p:sp>
+      <p:sp>
+        <p:nvSpPr>
+          <p:cNvPr id="225" name="Google Shape;225;g26dd722406_0_41:notes"/>
+          <p:cNvSpPr txBox="1">
+            <a:spLocks noGrp="1"/>
+          </p:cNvSpPr>
+          <p:nvPr>
+            <p:ph type="body" idx="1"/>
+          </p:nvPr>
+        </p:nvSpPr>
+        <p:spPr>
+          <a:xfrm>
+            <a:off x="914400" y="4343400"/>
+            <a:ext cx="5029200" cy="4114800"/>
+          </a:xfrm>
+          <a:prstGeom prst="rect">
+            <a:avLst/>
+          </a:prstGeom>
+          <a:noFill/>
+          <a:ln>
+            <a:noFill/>
+          </a:ln>
+        </p:spPr>
+        <p:txBody>
+          <a:bodyPr spcFirstLastPara="1" wrap="square" lIns="91425" tIns="45700" rIns="91425" bIns="45700" anchor="t" anchorCtr="0">
+            <a:noAutofit/>
+          </a:bodyPr>
+          <a:lstStyle/>
+          <a:p>
+            <a:pPr marL="0" marR="0" lvl="0" indent="0" algn="l" rtl="0">
+              <a:lnSpc>
+                <a:spcPct val="117999"/>
+              </a:lnSpc>
+              <a:spcBef>
+                <a:spcPts val="0"/>
+              </a:spcBef>
+              <a:spcAft>
+                <a:spcPts val="0"/>
+              </a:spcAft>
+              <a:buNone/>
+            </a:pPr>
+            <a:r>
+              <a:rPr lang="en" sz="2200" b="0" i="0" u="none" strike="noStrike" cap="none">
+                <a:latin typeface="Helvetica Neue"/>
+                <a:ea typeface="Helvetica Neue"/>
+                <a:cs typeface="Helvetica Neue"/>
+                <a:sym typeface="Helvetica Neue"/>
+              </a:rPr>
+              <a:t>\begin{bmatrix}</a:t>
+            </a:r>
+            <a:endParaRPr/>
+          </a:p>
+          <a:p>
+            <a:pPr marL="0" marR="0" lvl="0" indent="0" algn="l" rtl="0">
+              <a:lnSpc>
+                <a:spcPct val="117999"/>
+              </a:lnSpc>
+              <a:spcBef>
+                <a:spcPts val="0"/>
+              </a:spcBef>
+              <a:spcAft>
+                <a:spcPts val="0"/>
+              </a:spcAft>
+              <a:buNone/>
+            </a:pPr>
+            <a:r>
+              <a:rPr lang="en" sz="2200" b="0" i="0" u="none" strike="noStrike" cap="none">
+                <a:latin typeface="Helvetica Neue"/>
+                <a:ea typeface="Helvetica Neue"/>
+                <a:cs typeface="Helvetica Neue"/>
+                <a:sym typeface="Helvetica Neue"/>
+              </a:rPr>
+              <a:t>    a_{1}       &amp; b_{1} \\</a:t>
+            </a:r>
+            <a:endParaRPr/>
+          </a:p>
+          <a:p>
+            <a:pPr marL="0" marR="0" lvl="0" indent="0" algn="l" rtl="0">
+              <a:lnSpc>
+                <a:spcPct val="117999"/>
+              </a:lnSpc>
+              <a:spcBef>
+                <a:spcPts val="0"/>
+              </a:spcBef>
+              <a:spcAft>
+                <a:spcPts val="0"/>
+              </a:spcAft>
+              <a:buNone/>
+            </a:pPr>
+            <a:r>
+              <a:rPr lang="en" sz="2200" b="0" i="0" u="none" strike="noStrike" cap="none">
+                <a:latin typeface="Helvetica Neue"/>
+                <a:ea typeface="Helvetica Neue"/>
+                <a:cs typeface="Helvetica Neue"/>
+                <a:sym typeface="Helvetica Neue"/>
+              </a:rPr>
+              <a:t>    a_{2}       &amp; b_{2} \\</a:t>
+            </a:r>
+            <a:endParaRPr/>
+          </a:p>
+          <a:p>
+            <a:pPr marL="0" marR="0" lvl="0" indent="0" algn="l" rtl="0">
+              <a:lnSpc>
+                <a:spcPct val="117999"/>
+              </a:lnSpc>
+              <a:spcBef>
+                <a:spcPts val="0"/>
+              </a:spcBef>
+              <a:spcAft>
+                <a:spcPts val="0"/>
+              </a:spcAft>
+              <a:buNone/>
+            </a:pPr>
+            <a:r>
+              <a:rPr lang="en" sz="2200" b="0" i="0" u="none" strike="noStrike" cap="none">
+                <a:latin typeface="Helvetica Neue"/>
+                <a:ea typeface="Helvetica Neue"/>
+                <a:cs typeface="Helvetica Neue"/>
+                <a:sym typeface="Helvetica Neue"/>
+              </a:rPr>
+              <a:t>    a_{3}       &amp; b_{3} \\</a:t>
+            </a:r>
+            <a:endParaRPr/>
+          </a:p>
+          <a:p>
+            <a:pPr marL="0" marR="0" lvl="0" indent="0" algn="l" rtl="0">
+              <a:lnSpc>
+                <a:spcPct val="117999"/>
+              </a:lnSpc>
+              <a:spcBef>
+                <a:spcPts val="0"/>
+              </a:spcBef>
+              <a:spcAft>
+                <a:spcPts val="0"/>
+              </a:spcAft>
+              <a:buNone/>
+            </a:pPr>
+            <a:r>
+              <a:rPr lang="en" sz="2200" b="0" i="0" u="none" strike="noStrike" cap="none">
+                <a:latin typeface="Helvetica Neue"/>
+                <a:ea typeface="Helvetica Neue"/>
+                <a:cs typeface="Helvetica Neue"/>
+                <a:sym typeface="Helvetica Neue"/>
+              </a:rPr>
+              <a:t>    \hdotsfor{2} \\</a:t>
+            </a:r>
+            <a:endParaRPr/>
+          </a:p>
+          <a:p>
+            <a:pPr marL="0" marR="0" lvl="0" indent="0" algn="l" rtl="0">
+              <a:lnSpc>
+                <a:spcPct val="117999"/>
+              </a:lnSpc>
+              <a:spcBef>
+                <a:spcPts val="0"/>
+              </a:spcBef>
+              <a:spcAft>
+                <a:spcPts val="0"/>
+              </a:spcAft>
+              <a:buNone/>
+            </a:pPr>
+            <a:r>
+              <a:rPr lang="en" sz="2200" b="0" i="0" u="none" strike="noStrike" cap="none">
+                <a:latin typeface="Helvetica Neue"/>
+                <a:ea typeface="Helvetica Neue"/>
+                <a:cs typeface="Helvetica Neue"/>
+                <a:sym typeface="Helvetica Neue"/>
+              </a:rPr>
+              <a:t>    a_{n}       &amp; b_{n} </a:t>
+            </a:r>
+            <a:endParaRPr/>
+          </a:p>
+          <a:p>
+            <a:pPr marL="0" marR="0" lvl="0" indent="0" algn="l" rtl="0">
+              <a:lnSpc>
+                <a:spcPct val="117999"/>
+              </a:lnSpc>
+              <a:spcBef>
+                <a:spcPts val="0"/>
+              </a:spcBef>
+              <a:spcAft>
+                <a:spcPts val="0"/>
+              </a:spcAft>
+              <a:buNone/>
+            </a:pPr>
+            <a:r>
+              <a:rPr lang="en" sz="2200" b="0" i="0" u="none" strike="noStrike" cap="none">
+                <a:latin typeface="Helvetica Neue"/>
+                <a:ea typeface="Helvetica Neue"/>
+                <a:cs typeface="Helvetica Neue"/>
+                <a:sym typeface="Helvetica Neue"/>
+              </a:rPr>
+              <a:t>\end{bmatrix}</a:t>
+            </a:r>
+            <a:endParaRPr/>
+          </a:p>
+          <a:p>
+            <a:pPr marL="0" marR="0" lvl="0" indent="0" algn="l" rtl="0">
+              <a:lnSpc>
+                <a:spcPct val="117999"/>
+              </a:lnSpc>
+              <a:spcBef>
+                <a:spcPts val="0"/>
+              </a:spcBef>
+              <a:spcAft>
+                <a:spcPts val="0"/>
+              </a:spcAft>
+              <a:buNone/>
+            </a:pPr>
+            <a:r>
+              <a:rPr lang="en" sz="2200" b="0" i="0" u="none" strike="noStrike" cap="none">
+                <a:latin typeface="Helvetica Neue"/>
+                <a:ea typeface="Helvetica Neue"/>
+                <a:cs typeface="Helvetica Neue"/>
+                <a:sym typeface="Helvetica Neue"/>
+              </a:rPr>
+              <a:t>\begin{bmatrix}</a:t>
+            </a:r>
+            <a:endParaRPr/>
+          </a:p>
+          <a:p>
+            <a:pPr marL="0" marR="0" lvl="0" indent="0" algn="l" rtl="0">
+              <a:lnSpc>
+                <a:spcPct val="117999"/>
+              </a:lnSpc>
+              <a:spcBef>
+                <a:spcPts val="0"/>
+              </a:spcBef>
+              <a:spcAft>
+                <a:spcPts val="0"/>
+              </a:spcAft>
+              <a:buNone/>
+            </a:pPr>
+            <a:r>
+              <a:rPr lang="en" sz="2200" b="0" i="0" u="none" strike="noStrike" cap="none">
+                <a:latin typeface="Helvetica Neue"/>
+                <a:ea typeface="Helvetica Neue"/>
+                <a:cs typeface="Helvetica Neue"/>
+                <a:sym typeface="Helvetica Neue"/>
+              </a:rPr>
+              <a:t>    w_1 \\ w_2    \\</a:t>
+            </a:r>
+            <a:endParaRPr/>
+          </a:p>
+          <a:p>
+            <a:pPr marL="0" marR="0" lvl="0" indent="0" algn="l" rtl="0">
+              <a:lnSpc>
+                <a:spcPct val="117999"/>
+              </a:lnSpc>
+              <a:spcBef>
+                <a:spcPts val="0"/>
+              </a:spcBef>
+              <a:spcAft>
+                <a:spcPts val="0"/>
+              </a:spcAft>
+              <a:buNone/>
+            </a:pPr>
+            <a:r>
+              <a:rPr lang="en" sz="2200" b="0" i="0" u="none" strike="noStrike" cap="none">
+                <a:latin typeface="Helvetica Neue"/>
+                <a:ea typeface="Helvetica Neue"/>
+                <a:cs typeface="Helvetica Neue"/>
+                <a:sym typeface="Helvetica Neue"/>
+              </a:rPr>
+              <a:t>   \end{bmatrix}</a:t>
+            </a:r>
+            <a:endParaRPr/>
+          </a:p>
+          <a:p>
+            <a:pPr marL="0" marR="0" lvl="0" indent="0" algn="l" rtl="0">
+              <a:lnSpc>
+                <a:spcPct val="117999"/>
+              </a:lnSpc>
+              <a:spcBef>
+                <a:spcPts val="0"/>
+              </a:spcBef>
+              <a:spcAft>
+                <a:spcPts val="0"/>
+              </a:spcAft>
+              <a:buNone/>
+            </a:pPr>
+            <a:r>
+              <a:rPr lang="en" sz="2200" b="0" i="0" u="none" strike="noStrike" cap="none">
+                <a:latin typeface="Helvetica Neue"/>
+                <a:ea typeface="Helvetica Neue"/>
+                <a:cs typeface="Helvetica Neue"/>
+                <a:sym typeface="Helvetica Neue"/>
+              </a:rPr>
+              <a:t>=</a:t>
+            </a:r>
+            <a:endParaRPr/>
+          </a:p>
+          <a:p>
+            <a:pPr marL="0" marR="0" lvl="0" indent="0" algn="l" rtl="0">
+              <a:lnSpc>
+                <a:spcPct val="117999"/>
+              </a:lnSpc>
+              <a:spcBef>
+                <a:spcPts val="0"/>
+              </a:spcBef>
+              <a:spcAft>
+                <a:spcPts val="0"/>
+              </a:spcAft>
+              <a:buNone/>
+            </a:pPr>
+            <a:r>
+              <a:rPr lang="en" sz="2200" b="0" i="0" u="none" strike="noStrike" cap="none">
+                <a:latin typeface="Helvetica Neue"/>
+                <a:ea typeface="Helvetica Neue"/>
+                <a:cs typeface="Helvetica Neue"/>
+                <a:sym typeface="Helvetica Neue"/>
+              </a:rPr>
+              <a:t>\begin{bmatrix}</a:t>
+            </a:r>
+            <a:endParaRPr/>
+          </a:p>
+          <a:p>
+            <a:pPr marL="0" marR="0" lvl="0" indent="0" algn="l" rtl="0">
+              <a:lnSpc>
+                <a:spcPct val="117999"/>
+              </a:lnSpc>
+              <a:spcBef>
+                <a:spcPts val="0"/>
+              </a:spcBef>
+              <a:spcAft>
+                <a:spcPts val="0"/>
+              </a:spcAft>
+              <a:buNone/>
+            </a:pPr>
+            <a:r>
+              <a:rPr lang="en" sz="2200" b="0" i="0" u="none" strike="noStrike" cap="none">
+                <a:latin typeface="Helvetica Neue"/>
+                <a:ea typeface="Helvetica Neue"/>
+                <a:cs typeface="Helvetica Neue"/>
+                <a:sym typeface="Helvetica Neue"/>
+              </a:rPr>
+              <a:t>    y_{1}       \\</a:t>
+            </a:r>
+            <a:endParaRPr/>
+          </a:p>
+          <a:p>
+            <a:pPr marL="0" marR="0" lvl="0" indent="0" algn="l" rtl="0">
+              <a:lnSpc>
+                <a:spcPct val="117999"/>
+              </a:lnSpc>
+              <a:spcBef>
+                <a:spcPts val="0"/>
+              </a:spcBef>
+              <a:spcAft>
+                <a:spcPts val="0"/>
+              </a:spcAft>
+              <a:buNone/>
+            </a:pPr>
+            <a:r>
+              <a:rPr lang="en" sz="2200" b="0" i="0" u="none" strike="noStrike" cap="none">
+                <a:latin typeface="Helvetica Neue"/>
+                <a:ea typeface="Helvetica Neue"/>
+                <a:cs typeface="Helvetica Neue"/>
+                <a:sym typeface="Helvetica Neue"/>
+              </a:rPr>
+              <a:t>    y_{2}       \\</a:t>
+            </a:r>
+            <a:endParaRPr/>
+          </a:p>
+          <a:p>
+            <a:pPr marL="0" marR="0" lvl="0" indent="0" algn="l" rtl="0">
+              <a:lnSpc>
+                <a:spcPct val="117999"/>
+              </a:lnSpc>
+              <a:spcBef>
+                <a:spcPts val="0"/>
+              </a:spcBef>
+              <a:spcAft>
+                <a:spcPts val="0"/>
+              </a:spcAft>
+              <a:buNone/>
+            </a:pPr>
+            <a:r>
+              <a:rPr lang="en" sz="2200" b="0" i="0" u="none" strike="noStrike" cap="none">
+                <a:latin typeface="Helvetica Neue"/>
+                <a:ea typeface="Helvetica Neue"/>
+                <a:cs typeface="Helvetica Neue"/>
+                <a:sym typeface="Helvetica Neue"/>
+              </a:rPr>
+              <a:t>    y_{3}       \\</a:t>
+            </a:r>
+            <a:endParaRPr/>
+          </a:p>
+          <a:p>
+            <a:pPr marL="0" marR="0" lvl="0" indent="0" algn="l" rtl="0">
+              <a:lnSpc>
+                <a:spcPct val="117999"/>
+              </a:lnSpc>
+              <a:spcBef>
+                <a:spcPts val="0"/>
+              </a:spcBef>
+              <a:spcAft>
+                <a:spcPts val="0"/>
+              </a:spcAft>
+              <a:buNone/>
+            </a:pPr>
+            <a:r>
+              <a:rPr lang="en" sz="2200" b="0" i="0" u="none" strike="noStrike" cap="none">
+                <a:latin typeface="Helvetica Neue"/>
+                <a:ea typeface="Helvetica Neue"/>
+                <a:cs typeface="Helvetica Neue"/>
+                <a:sym typeface="Helvetica Neue"/>
+              </a:rPr>
+              <a:t>    \hdotsfor{1} \\</a:t>
+            </a:r>
+            <a:endParaRPr/>
+          </a:p>
+          <a:p>
+            <a:pPr marL="0" marR="0" lvl="0" indent="0" algn="l" rtl="0">
+              <a:lnSpc>
+                <a:spcPct val="117999"/>
+              </a:lnSpc>
+              <a:spcBef>
+                <a:spcPts val="0"/>
+              </a:spcBef>
+              <a:spcAft>
+                <a:spcPts val="0"/>
+              </a:spcAft>
+              <a:buNone/>
+            </a:pPr>
+            <a:r>
+              <a:rPr lang="en" sz="2200" b="0" i="0" u="none" strike="noStrike" cap="none">
+                <a:latin typeface="Helvetica Neue"/>
+                <a:ea typeface="Helvetica Neue"/>
+                <a:cs typeface="Helvetica Neue"/>
+                <a:sym typeface="Helvetica Neue"/>
+              </a:rPr>
+              <a:t>    y_{n}    </a:t>
+            </a:r>
+            <a:endParaRPr/>
+          </a:p>
+          <a:p>
+            <a:pPr marL="0" marR="0" lvl="0" indent="0" algn="l" rtl="0">
+              <a:lnSpc>
+                <a:spcPct val="117999"/>
+              </a:lnSpc>
+              <a:spcBef>
+                <a:spcPts val="0"/>
+              </a:spcBef>
+              <a:spcAft>
+                <a:spcPts val="0"/>
+              </a:spcAft>
+              <a:buNone/>
+            </a:pPr>
+            <a:r>
+              <a:rPr lang="en" sz="2200" b="0" i="0" u="none" strike="noStrike" cap="none">
+                <a:latin typeface="Helvetica Neue"/>
+                <a:ea typeface="Helvetica Neue"/>
+                <a:cs typeface="Helvetica Neue"/>
+                <a:sym typeface="Helvetica Neue"/>
+              </a:rPr>
+              <a:t>\end{bmatrix}</a:t>
+            </a:r>
+            <a:endParaRPr/>
+          </a:p>
+        </p:txBody>
+      </p:sp>
+    </p:spTree>
+  </p:cSld>
+  <p:clrMapOvr>
+    <a:masterClrMapping/>
+  </p:clrMapOvr>
+</p:notes>
+</file>
+
+<file path=ppt/notesSlides/notesSlide28.xml><?xml version="1.0" encoding="utf-8"?>
+<p:notes xmlns:a="http://schemas.openxmlformats.org/drawingml/2006/main" xmlns:r="http://schemas.openxmlformats.org/officeDocument/2006/relationships" xmlns:p="http://schemas.openxmlformats.org/presentationml/2006/main" showMasterSp="0" showMasterPhAnim="0">
+  <p:cSld>
+    <p:spTree>
+      <p:nvGrpSpPr>
+        <p:cNvPr id="1" name="Shape 223"/>
+        <p:cNvGrpSpPr/>
+        <p:nvPr/>
+      </p:nvGrpSpPr>
+      <p:grpSpPr>
+        <a:xfrm>
+          <a:off x="0" y="0"/>
+          <a:ext cx="0" cy="0"/>
+          <a:chOff x="0" y="0"/>
+          <a:chExt cx="0" cy="0"/>
+        </a:xfrm>
+      </p:grpSpPr>
+      <p:sp>
+        <p:nvSpPr>
+          <p:cNvPr id="224" name="Google Shape;224;g26dd722406_0_41:notes"/>
+          <p:cNvSpPr>
+            <a:spLocks noGrp="1" noRot="1" noChangeAspect="1"/>
+          </p:cNvSpPr>
+          <p:nvPr>
+            <p:ph type="sldImg" idx="2"/>
+          </p:nvPr>
+        </p:nvSpPr>
+        <p:spPr>
+          <a:xfrm>
+            <a:off x="381000" y="685800"/>
+            <a:ext cx="6096000" cy="3429000"/>
+          </a:xfrm>
+          <a:custGeom>
+            <a:avLst/>
+            <a:gdLst/>
+            <a:ahLst/>
+            <a:cxnLst/>
+            <a:rect l="l" t="t" r="r" b="b"/>
+            <a:pathLst>
+              <a:path w="120000" h="120000" extrusionOk="0">
+                <a:moveTo>
+                  <a:pt x="0" y="0"/>
+                </a:moveTo>
+                <a:lnTo>
+                  <a:pt x="120000" y="0"/>
+                </a:lnTo>
+                <a:lnTo>
+                  <a:pt x="120000" y="120000"/>
+                </a:lnTo>
+                <a:lnTo>
+                  <a:pt x="0" y="120000"/>
+                </a:lnTo>
+                <a:close/>
+              </a:path>
+            </a:pathLst>
+          </a:custGeom>
+          <a:noFill/>
+          <a:ln>
+            <a:noFill/>
+          </a:ln>
+        </p:spPr>
+      </p:sp>
+      <p:sp>
+        <p:nvSpPr>
+          <p:cNvPr id="225" name="Google Shape;225;g26dd722406_0_41:notes"/>
+          <p:cNvSpPr txBox="1">
+            <a:spLocks noGrp="1"/>
+          </p:cNvSpPr>
+          <p:nvPr>
+            <p:ph type="body" idx="1"/>
+          </p:nvPr>
+        </p:nvSpPr>
+        <p:spPr>
+          <a:xfrm>
+            <a:off x="914400" y="4343400"/>
+            <a:ext cx="5029200" cy="4114800"/>
+          </a:xfrm>
+          <a:prstGeom prst="rect">
+            <a:avLst/>
+          </a:prstGeom>
+          <a:noFill/>
+          <a:ln>
+            <a:noFill/>
+          </a:ln>
+        </p:spPr>
+        <p:txBody>
+          <a:bodyPr spcFirstLastPara="1" wrap="square" lIns="91425" tIns="45700" rIns="91425" bIns="45700" anchor="t" anchorCtr="0">
+            <a:noAutofit/>
+          </a:bodyPr>
+          <a:lstStyle/>
+          <a:p>
+            <a:pPr marL="0" marR="0" lvl="0" indent="0" algn="l" rtl="0">
+              <a:lnSpc>
+                <a:spcPct val="117999"/>
+              </a:lnSpc>
+              <a:spcBef>
+                <a:spcPts val="0"/>
+              </a:spcBef>
+              <a:spcAft>
+                <a:spcPts val="0"/>
+              </a:spcAft>
+              <a:buNone/>
+            </a:pPr>
+            <a:r>
+              <a:rPr lang="en" sz="2200" b="0" i="0" u="none" strike="noStrike" cap="none">
+                <a:latin typeface="Helvetica Neue"/>
+                <a:ea typeface="Helvetica Neue"/>
+                <a:cs typeface="Helvetica Neue"/>
+                <a:sym typeface="Helvetica Neue"/>
+              </a:rPr>
+              <a:t>\begin{bmatrix}</a:t>
+            </a:r>
+            <a:endParaRPr/>
+          </a:p>
+          <a:p>
+            <a:pPr marL="0" marR="0" lvl="0" indent="0" algn="l" rtl="0">
+              <a:lnSpc>
+                <a:spcPct val="117999"/>
+              </a:lnSpc>
+              <a:spcBef>
+                <a:spcPts val="0"/>
+              </a:spcBef>
+              <a:spcAft>
+                <a:spcPts val="0"/>
+              </a:spcAft>
+              <a:buNone/>
+            </a:pPr>
+            <a:r>
+              <a:rPr lang="en" sz="2200" b="0" i="0" u="none" strike="noStrike" cap="none">
+                <a:latin typeface="Helvetica Neue"/>
+                <a:ea typeface="Helvetica Neue"/>
+                <a:cs typeface="Helvetica Neue"/>
+                <a:sym typeface="Helvetica Neue"/>
+              </a:rPr>
+              <a:t>    a_{1}       &amp; b_{1} \\</a:t>
+            </a:r>
+            <a:endParaRPr/>
+          </a:p>
+          <a:p>
+            <a:pPr marL="0" marR="0" lvl="0" indent="0" algn="l" rtl="0">
+              <a:lnSpc>
+                <a:spcPct val="117999"/>
+              </a:lnSpc>
+              <a:spcBef>
+                <a:spcPts val="0"/>
+              </a:spcBef>
+              <a:spcAft>
+                <a:spcPts val="0"/>
+              </a:spcAft>
+              <a:buNone/>
+            </a:pPr>
+            <a:r>
+              <a:rPr lang="en" sz="2200" b="0" i="0" u="none" strike="noStrike" cap="none">
+                <a:latin typeface="Helvetica Neue"/>
+                <a:ea typeface="Helvetica Neue"/>
+                <a:cs typeface="Helvetica Neue"/>
+                <a:sym typeface="Helvetica Neue"/>
+              </a:rPr>
+              <a:t>    a_{2}       &amp; b_{2} \\</a:t>
+            </a:r>
+            <a:endParaRPr/>
+          </a:p>
+          <a:p>
+            <a:pPr marL="0" marR="0" lvl="0" indent="0" algn="l" rtl="0">
+              <a:lnSpc>
+                <a:spcPct val="117999"/>
+              </a:lnSpc>
+              <a:spcBef>
+                <a:spcPts val="0"/>
+              </a:spcBef>
+              <a:spcAft>
+                <a:spcPts val="0"/>
+              </a:spcAft>
+              <a:buNone/>
+            </a:pPr>
+            <a:r>
+              <a:rPr lang="en" sz="2200" b="0" i="0" u="none" strike="noStrike" cap="none">
+                <a:latin typeface="Helvetica Neue"/>
+                <a:ea typeface="Helvetica Neue"/>
+                <a:cs typeface="Helvetica Neue"/>
+                <a:sym typeface="Helvetica Neue"/>
+              </a:rPr>
+              <a:t>    a_{3}       &amp; b_{3} \\</a:t>
+            </a:r>
+            <a:endParaRPr/>
+          </a:p>
+          <a:p>
+            <a:pPr marL="0" marR="0" lvl="0" indent="0" algn="l" rtl="0">
+              <a:lnSpc>
+                <a:spcPct val="117999"/>
+              </a:lnSpc>
+              <a:spcBef>
+                <a:spcPts val="0"/>
+              </a:spcBef>
+              <a:spcAft>
+                <a:spcPts val="0"/>
+              </a:spcAft>
+              <a:buNone/>
+            </a:pPr>
+            <a:r>
+              <a:rPr lang="en" sz="2200" b="0" i="0" u="none" strike="noStrike" cap="none">
+                <a:latin typeface="Helvetica Neue"/>
+                <a:ea typeface="Helvetica Neue"/>
+                <a:cs typeface="Helvetica Neue"/>
+                <a:sym typeface="Helvetica Neue"/>
+              </a:rPr>
+              <a:t>    \hdotsfor{2} \\</a:t>
+            </a:r>
+            <a:endParaRPr/>
+          </a:p>
+          <a:p>
+            <a:pPr marL="0" marR="0" lvl="0" indent="0" algn="l" rtl="0">
+              <a:lnSpc>
+                <a:spcPct val="117999"/>
+              </a:lnSpc>
+              <a:spcBef>
+                <a:spcPts val="0"/>
+              </a:spcBef>
+              <a:spcAft>
+                <a:spcPts val="0"/>
+              </a:spcAft>
+              <a:buNone/>
+            </a:pPr>
+            <a:r>
+              <a:rPr lang="en" sz="2200" b="0" i="0" u="none" strike="noStrike" cap="none">
+                <a:latin typeface="Helvetica Neue"/>
+                <a:ea typeface="Helvetica Neue"/>
+                <a:cs typeface="Helvetica Neue"/>
+                <a:sym typeface="Helvetica Neue"/>
+              </a:rPr>
+              <a:t>    a_{n}       &amp; b_{n} </a:t>
+            </a:r>
+            <a:endParaRPr/>
+          </a:p>
+          <a:p>
+            <a:pPr marL="0" marR="0" lvl="0" indent="0" algn="l" rtl="0">
+              <a:lnSpc>
+                <a:spcPct val="117999"/>
+              </a:lnSpc>
+              <a:spcBef>
+                <a:spcPts val="0"/>
+              </a:spcBef>
+              <a:spcAft>
+                <a:spcPts val="0"/>
+              </a:spcAft>
+              <a:buNone/>
+            </a:pPr>
+            <a:r>
+              <a:rPr lang="en" sz="2200" b="0" i="0" u="none" strike="noStrike" cap="none">
+                <a:latin typeface="Helvetica Neue"/>
+                <a:ea typeface="Helvetica Neue"/>
+                <a:cs typeface="Helvetica Neue"/>
+                <a:sym typeface="Helvetica Neue"/>
+              </a:rPr>
+              <a:t>\end{bmatrix}</a:t>
+            </a:r>
+            <a:endParaRPr/>
+          </a:p>
+          <a:p>
+            <a:pPr marL="0" marR="0" lvl="0" indent="0" algn="l" rtl="0">
+              <a:lnSpc>
+                <a:spcPct val="117999"/>
+              </a:lnSpc>
+              <a:spcBef>
+                <a:spcPts val="0"/>
+              </a:spcBef>
+              <a:spcAft>
+                <a:spcPts val="0"/>
+              </a:spcAft>
+              <a:buNone/>
+            </a:pPr>
+            <a:r>
+              <a:rPr lang="en" sz="2200" b="0" i="0" u="none" strike="noStrike" cap="none">
+                <a:latin typeface="Helvetica Neue"/>
+                <a:ea typeface="Helvetica Neue"/>
+                <a:cs typeface="Helvetica Neue"/>
+                <a:sym typeface="Helvetica Neue"/>
+              </a:rPr>
+              <a:t>\begin{bmatrix}</a:t>
+            </a:r>
+            <a:endParaRPr/>
+          </a:p>
+          <a:p>
+            <a:pPr marL="0" marR="0" lvl="0" indent="0" algn="l" rtl="0">
+              <a:lnSpc>
+                <a:spcPct val="117999"/>
+              </a:lnSpc>
+              <a:spcBef>
+                <a:spcPts val="0"/>
+              </a:spcBef>
+              <a:spcAft>
+                <a:spcPts val="0"/>
+              </a:spcAft>
+              <a:buNone/>
+            </a:pPr>
+            <a:r>
+              <a:rPr lang="en" sz="2200" b="0" i="0" u="none" strike="noStrike" cap="none">
+                <a:latin typeface="Helvetica Neue"/>
+                <a:ea typeface="Helvetica Neue"/>
+                <a:cs typeface="Helvetica Neue"/>
+                <a:sym typeface="Helvetica Neue"/>
+              </a:rPr>
+              <a:t>    w_1 \\ w_2    \\</a:t>
+            </a:r>
+            <a:endParaRPr/>
+          </a:p>
+          <a:p>
+            <a:pPr marL="0" marR="0" lvl="0" indent="0" algn="l" rtl="0">
+              <a:lnSpc>
+                <a:spcPct val="117999"/>
+              </a:lnSpc>
+              <a:spcBef>
+                <a:spcPts val="0"/>
+              </a:spcBef>
+              <a:spcAft>
+                <a:spcPts val="0"/>
+              </a:spcAft>
+              <a:buNone/>
+            </a:pPr>
+            <a:r>
+              <a:rPr lang="en" sz="2200" b="0" i="0" u="none" strike="noStrike" cap="none">
+                <a:latin typeface="Helvetica Neue"/>
+                <a:ea typeface="Helvetica Neue"/>
+                <a:cs typeface="Helvetica Neue"/>
+                <a:sym typeface="Helvetica Neue"/>
+              </a:rPr>
+              <a:t>   \end{bmatrix}</a:t>
+            </a:r>
+            <a:endParaRPr/>
+          </a:p>
+          <a:p>
+            <a:pPr marL="0" marR="0" lvl="0" indent="0" algn="l" rtl="0">
+              <a:lnSpc>
+                <a:spcPct val="117999"/>
+              </a:lnSpc>
+              <a:spcBef>
+                <a:spcPts val="0"/>
+              </a:spcBef>
+              <a:spcAft>
+                <a:spcPts val="0"/>
+              </a:spcAft>
+              <a:buNone/>
+            </a:pPr>
+            <a:r>
+              <a:rPr lang="en" sz="2200" b="0" i="0" u="none" strike="noStrike" cap="none">
+                <a:latin typeface="Helvetica Neue"/>
+                <a:ea typeface="Helvetica Neue"/>
+                <a:cs typeface="Helvetica Neue"/>
+                <a:sym typeface="Helvetica Neue"/>
+              </a:rPr>
+              <a:t>=</a:t>
+            </a:r>
+            <a:endParaRPr/>
+          </a:p>
+          <a:p>
+            <a:pPr marL="0" marR="0" lvl="0" indent="0" algn="l" rtl="0">
+              <a:lnSpc>
+                <a:spcPct val="117999"/>
+              </a:lnSpc>
+              <a:spcBef>
+                <a:spcPts val="0"/>
+              </a:spcBef>
+              <a:spcAft>
+                <a:spcPts val="0"/>
+              </a:spcAft>
+              <a:buNone/>
+            </a:pPr>
+            <a:r>
+              <a:rPr lang="en" sz="2200" b="0" i="0" u="none" strike="noStrike" cap="none">
+                <a:latin typeface="Helvetica Neue"/>
+                <a:ea typeface="Helvetica Neue"/>
+                <a:cs typeface="Helvetica Neue"/>
+                <a:sym typeface="Helvetica Neue"/>
+              </a:rPr>
+              <a:t>\begin{bmatrix}</a:t>
+            </a:r>
+            <a:endParaRPr/>
+          </a:p>
+          <a:p>
+            <a:pPr marL="0" marR="0" lvl="0" indent="0" algn="l" rtl="0">
+              <a:lnSpc>
+                <a:spcPct val="117999"/>
+              </a:lnSpc>
+              <a:spcBef>
+                <a:spcPts val="0"/>
+              </a:spcBef>
+              <a:spcAft>
+                <a:spcPts val="0"/>
+              </a:spcAft>
+              <a:buNone/>
+            </a:pPr>
+            <a:r>
+              <a:rPr lang="en" sz="2200" b="0" i="0" u="none" strike="noStrike" cap="none">
+                <a:latin typeface="Helvetica Neue"/>
+                <a:ea typeface="Helvetica Neue"/>
+                <a:cs typeface="Helvetica Neue"/>
+                <a:sym typeface="Helvetica Neue"/>
+              </a:rPr>
+              <a:t>    y_{1}       \\</a:t>
+            </a:r>
+            <a:endParaRPr/>
+          </a:p>
+          <a:p>
+            <a:pPr marL="0" marR="0" lvl="0" indent="0" algn="l" rtl="0">
+              <a:lnSpc>
+                <a:spcPct val="117999"/>
+              </a:lnSpc>
+              <a:spcBef>
+                <a:spcPts val="0"/>
+              </a:spcBef>
+              <a:spcAft>
+                <a:spcPts val="0"/>
+              </a:spcAft>
+              <a:buNone/>
+            </a:pPr>
+            <a:r>
+              <a:rPr lang="en" sz="2200" b="0" i="0" u="none" strike="noStrike" cap="none">
+                <a:latin typeface="Helvetica Neue"/>
+                <a:ea typeface="Helvetica Neue"/>
+                <a:cs typeface="Helvetica Neue"/>
+                <a:sym typeface="Helvetica Neue"/>
+              </a:rPr>
+              <a:t>    y_{2}       \\</a:t>
+            </a:r>
+            <a:endParaRPr/>
+          </a:p>
+          <a:p>
+            <a:pPr marL="0" marR="0" lvl="0" indent="0" algn="l" rtl="0">
+              <a:lnSpc>
+                <a:spcPct val="117999"/>
+              </a:lnSpc>
+              <a:spcBef>
+                <a:spcPts val="0"/>
+              </a:spcBef>
+              <a:spcAft>
+                <a:spcPts val="0"/>
+              </a:spcAft>
+              <a:buNone/>
+            </a:pPr>
+            <a:r>
+              <a:rPr lang="en" sz="2200" b="0" i="0" u="none" strike="noStrike" cap="none">
+                <a:latin typeface="Helvetica Neue"/>
+                <a:ea typeface="Helvetica Neue"/>
+                <a:cs typeface="Helvetica Neue"/>
+                <a:sym typeface="Helvetica Neue"/>
+              </a:rPr>
+              <a:t>    y_{3}       \\</a:t>
+            </a:r>
+            <a:endParaRPr/>
+          </a:p>
+          <a:p>
+            <a:pPr marL="0" marR="0" lvl="0" indent="0" algn="l" rtl="0">
+              <a:lnSpc>
+                <a:spcPct val="117999"/>
+              </a:lnSpc>
+              <a:spcBef>
+                <a:spcPts val="0"/>
+              </a:spcBef>
+              <a:spcAft>
+                <a:spcPts val="0"/>
+              </a:spcAft>
+              <a:buNone/>
+            </a:pPr>
+            <a:r>
+              <a:rPr lang="en" sz="2200" b="0" i="0" u="none" strike="noStrike" cap="none">
+                <a:latin typeface="Helvetica Neue"/>
+                <a:ea typeface="Helvetica Neue"/>
+                <a:cs typeface="Helvetica Neue"/>
+                <a:sym typeface="Helvetica Neue"/>
+              </a:rPr>
+              <a:t>    \hdotsfor{1} \\</a:t>
+            </a:r>
+            <a:endParaRPr/>
+          </a:p>
+          <a:p>
+            <a:pPr marL="0" marR="0" lvl="0" indent="0" algn="l" rtl="0">
+              <a:lnSpc>
+                <a:spcPct val="117999"/>
+              </a:lnSpc>
+              <a:spcBef>
+                <a:spcPts val="0"/>
+              </a:spcBef>
+              <a:spcAft>
+                <a:spcPts val="0"/>
+              </a:spcAft>
+              <a:buNone/>
+            </a:pPr>
+            <a:r>
+              <a:rPr lang="en" sz="2200" b="0" i="0" u="none" strike="noStrike" cap="none">
+                <a:latin typeface="Helvetica Neue"/>
+                <a:ea typeface="Helvetica Neue"/>
+                <a:cs typeface="Helvetica Neue"/>
+                <a:sym typeface="Helvetica Neue"/>
+              </a:rPr>
+              <a:t>    y_{n}    </a:t>
+            </a:r>
+            <a:endParaRPr/>
+          </a:p>
+          <a:p>
+            <a:pPr marL="0" marR="0" lvl="0" indent="0" algn="l" rtl="0">
+              <a:lnSpc>
+                <a:spcPct val="117999"/>
+              </a:lnSpc>
+              <a:spcBef>
+                <a:spcPts val="0"/>
+              </a:spcBef>
+              <a:spcAft>
+                <a:spcPts val="0"/>
+              </a:spcAft>
+              <a:buNone/>
+            </a:pPr>
+            <a:r>
+              <a:rPr lang="en" sz="2200" b="0" i="0" u="none" strike="noStrike" cap="none">
+                <a:latin typeface="Helvetica Neue"/>
+                <a:ea typeface="Helvetica Neue"/>
+                <a:cs typeface="Helvetica Neue"/>
+                <a:sym typeface="Helvetica Neue"/>
+              </a:rPr>
+              <a:t>\end{bmatrix}</a:t>
+            </a:r>
+            <a:endParaRPr/>
+          </a:p>
+        </p:txBody>
+      </p:sp>
+    </p:spTree>
+  </p:cSld>
+  <p:clrMapOvr>
+    <a:masterClrMapping/>
+  </p:clrMapOvr>
+</p:notes>
+</file>
+
+<file path=ppt/notesSlides/notesSlide29.xml><?xml version="1.0" encoding="utf-8"?>
+<p:notes xmlns:a="http://schemas.openxmlformats.org/drawingml/2006/main" xmlns:r="http://schemas.openxmlformats.org/officeDocument/2006/relationships" xmlns:p="http://schemas.openxmlformats.org/presentationml/2006/main" showMasterSp="0" showMasterPhAnim="0">
+  <p:cSld>
+    <p:spTree>
+      <p:nvGrpSpPr>
+        <p:cNvPr id="1" name="Shape 223"/>
+        <p:cNvGrpSpPr/>
+        <p:nvPr/>
+      </p:nvGrpSpPr>
+      <p:grpSpPr>
+        <a:xfrm>
+          <a:off x="0" y="0"/>
+          <a:ext cx="0" cy="0"/>
+          <a:chOff x="0" y="0"/>
+          <a:chExt cx="0" cy="0"/>
+        </a:xfrm>
+      </p:grpSpPr>
+      <p:sp>
+        <p:nvSpPr>
+          <p:cNvPr id="224" name="Google Shape;224;g26dd722406_0_41:notes"/>
+          <p:cNvSpPr>
+            <a:spLocks noGrp="1" noRot="1" noChangeAspect="1"/>
+          </p:cNvSpPr>
+          <p:nvPr>
+            <p:ph type="sldImg" idx="2"/>
+          </p:nvPr>
+        </p:nvSpPr>
+        <p:spPr>
+          <a:xfrm>
+            <a:off x="381000" y="685800"/>
+            <a:ext cx="6096000" cy="3429000"/>
+          </a:xfrm>
+          <a:custGeom>
+            <a:avLst/>
+            <a:gdLst/>
+            <a:ahLst/>
+            <a:cxnLst/>
+            <a:rect l="l" t="t" r="r" b="b"/>
+            <a:pathLst>
+              <a:path w="120000" h="120000" extrusionOk="0">
+                <a:moveTo>
+                  <a:pt x="0" y="0"/>
+                </a:moveTo>
+                <a:lnTo>
+                  <a:pt x="120000" y="0"/>
+                </a:lnTo>
+                <a:lnTo>
+                  <a:pt x="120000" y="120000"/>
+                </a:lnTo>
+                <a:lnTo>
+                  <a:pt x="0" y="120000"/>
+                </a:lnTo>
+                <a:close/>
+              </a:path>
+            </a:pathLst>
+          </a:custGeom>
+          <a:noFill/>
+          <a:ln>
+            <a:noFill/>
+          </a:ln>
+        </p:spPr>
+      </p:sp>
+      <p:sp>
+        <p:nvSpPr>
+          <p:cNvPr id="225" name="Google Shape;225;g26dd722406_0_41:notes"/>
+          <p:cNvSpPr txBox="1">
+            <a:spLocks noGrp="1"/>
+          </p:cNvSpPr>
+          <p:nvPr>
+            <p:ph type="body" idx="1"/>
+          </p:nvPr>
+        </p:nvSpPr>
+        <p:spPr>
+          <a:xfrm>
+            <a:off x="914400" y="4343400"/>
+            <a:ext cx="5029200" cy="4114800"/>
+          </a:xfrm>
+          <a:prstGeom prst="rect">
+            <a:avLst/>
+          </a:prstGeom>
+          <a:noFill/>
+          <a:ln>
+            <a:noFill/>
+          </a:ln>
+        </p:spPr>
+        <p:txBody>
+          <a:bodyPr spcFirstLastPara="1" wrap="square" lIns="91425" tIns="45700" rIns="91425" bIns="45700" anchor="t" anchorCtr="0">
+            <a:noAutofit/>
+          </a:bodyPr>
+          <a:lstStyle/>
+          <a:p>
+            <a:pPr marL="0" marR="0" lvl="0" indent="0" algn="l" rtl="0">
+              <a:lnSpc>
+                <a:spcPct val="117999"/>
+              </a:lnSpc>
+              <a:spcBef>
+                <a:spcPts val="0"/>
+              </a:spcBef>
+              <a:spcAft>
+                <a:spcPts val="0"/>
+              </a:spcAft>
+              <a:buNone/>
+            </a:pPr>
+            <a:r>
+              <a:rPr lang="en" sz="2200" b="0" i="0" u="none" strike="noStrike" cap="none">
+                <a:latin typeface="Helvetica Neue"/>
+                <a:ea typeface="Helvetica Neue"/>
+                <a:cs typeface="Helvetica Neue"/>
+                <a:sym typeface="Helvetica Neue"/>
+              </a:rPr>
+              <a:t>\begin{bmatrix}</a:t>
+            </a:r>
+            <a:endParaRPr/>
+          </a:p>
+          <a:p>
+            <a:pPr marL="0" marR="0" lvl="0" indent="0" algn="l" rtl="0">
+              <a:lnSpc>
+                <a:spcPct val="117999"/>
+              </a:lnSpc>
+              <a:spcBef>
+                <a:spcPts val="0"/>
+              </a:spcBef>
+              <a:spcAft>
+                <a:spcPts val="0"/>
+              </a:spcAft>
+              <a:buNone/>
+            </a:pPr>
+            <a:r>
+              <a:rPr lang="en" sz="2200" b="0" i="0" u="none" strike="noStrike" cap="none">
+                <a:latin typeface="Helvetica Neue"/>
+                <a:ea typeface="Helvetica Neue"/>
+                <a:cs typeface="Helvetica Neue"/>
+                <a:sym typeface="Helvetica Neue"/>
+              </a:rPr>
+              <a:t>    a_{1}       &amp; b_{1} \\</a:t>
+            </a:r>
+            <a:endParaRPr/>
+          </a:p>
+          <a:p>
+            <a:pPr marL="0" marR="0" lvl="0" indent="0" algn="l" rtl="0">
+              <a:lnSpc>
+                <a:spcPct val="117999"/>
+              </a:lnSpc>
+              <a:spcBef>
+                <a:spcPts val="0"/>
+              </a:spcBef>
+              <a:spcAft>
+                <a:spcPts val="0"/>
+              </a:spcAft>
+              <a:buNone/>
+            </a:pPr>
+            <a:r>
+              <a:rPr lang="en" sz="2200" b="0" i="0" u="none" strike="noStrike" cap="none">
+                <a:latin typeface="Helvetica Neue"/>
+                <a:ea typeface="Helvetica Neue"/>
+                <a:cs typeface="Helvetica Neue"/>
+                <a:sym typeface="Helvetica Neue"/>
+              </a:rPr>
+              <a:t>    a_{2}       &amp; b_{2} \\</a:t>
+            </a:r>
+            <a:endParaRPr/>
+          </a:p>
+          <a:p>
+            <a:pPr marL="0" marR="0" lvl="0" indent="0" algn="l" rtl="0">
+              <a:lnSpc>
+                <a:spcPct val="117999"/>
+              </a:lnSpc>
+              <a:spcBef>
+                <a:spcPts val="0"/>
+              </a:spcBef>
+              <a:spcAft>
+                <a:spcPts val="0"/>
+              </a:spcAft>
+              <a:buNone/>
+            </a:pPr>
+            <a:r>
+              <a:rPr lang="en" sz="2200" b="0" i="0" u="none" strike="noStrike" cap="none">
+                <a:latin typeface="Helvetica Neue"/>
+                <a:ea typeface="Helvetica Neue"/>
+                <a:cs typeface="Helvetica Neue"/>
+                <a:sym typeface="Helvetica Neue"/>
+              </a:rPr>
+              <a:t>    a_{3}       &amp; b_{3} \\</a:t>
+            </a:r>
+            <a:endParaRPr/>
+          </a:p>
+          <a:p>
+            <a:pPr marL="0" marR="0" lvl="0" indent="0" algn="l" rtl="0">
+              <a:lnSpc>
+                <a:spcPct val="117999"/>
+              </a:lnSpc>
+              <a:spcBef>
+                <a:spcPts val="0"/>
+              </a:spcBef>
+              <a:spcAft>
+                <a:spcPts val="0"/>
+              </a:spcAft>
+              <a:buNone/>
+            </a:pPr>
+            <a:r>
+              <a:rPr lang="en" sz="2200" b="0" i="0" u="none" strike="noStrike" cap="none">
+                <a:latin typeface="Helvetica Neue"/>
+                <a:ea typeface="Helvetica Neue"/>
+                <a:cs typeface="Helvetica Neue"/>
+                <a:sym typeface="Helvetica Neue"/>
+              </a:rPr>
+              <a:t>    \hdotsfor{2} \\</a:t>
+            </a:r>
+            <a:endParaRPr/>
+          </a:p>
+          <a:p>
+            <a:pPr marL="0" marR="0" lvl="0" indent="0" algn="l" rtl="0">
+              <a:lnSpc>
+                <a:spcPct val="117999"/>
+              </a:lnSpc>
+              <a:spcBef>
+                <a:spcPts val="0"/>
+              </a:spcBef>
+              <a:spcAft>
+                <a:spcPts val="0"/>
+              </a:spcAft>
+              <a:buNone/>
+            </a:pPr>
+            <a:r>
+              <a:rPr lang="en" sz="2200" b="0" i="0" u="none" strike="noStrike" cap="none">
+                <a:latin typeface="Helvetica Neue"/>
+                <a:ea typeface="Helvetica Neue"/>
+                <a:cs typeface="Helvetica Neue"/>
+                <a:sym typeface="Helvetica Neue"/>
+              </a:rPr>
+              <a:t>    a_{n}       &amp; b_{n} </a:t>
+            </a:r>
+            <a:endParaRPr/>
+          </a:p>
+          <a:p>
+            <a:pPr marL="0" marR="0" lvl="0" indent="0" algn="l" rtl="0">
+              <a:lnSpc>
+                <a:spcPct val="117999"/>
+              </a:lnSpc>
+              <a:spcBef>
+                <a:spcPts val="0"/>
+              </a:spcBef>
+              <a:spcAft>
+                <a:spcPts val="0"/>
+              </a:spcAft>
+              <a:buNone/>
+            </a:pPr>
+            <a:r>
+              <a:rPr lang="en" sz="2200" b="0" i="0" u="none" strike="noStrike" cap="none">
+                <a:latin typeface="Helvetica Neue"/>
+                <a:ea typeface="Helvetica Neue"/>
+                <a:cs typeface="Helvetica Neue"/>
+                <a:sym typeface="Helvetica Neue"/>
+              </a:rPr>
+              <a:t>\end{bmatrix}</a:t>
+            </a:r>
+            <a:endParaRPr/>
+          </a:p>
+          <a:p>
+            <a:pPr marL="0" marR="0" lvl="0" indent="0" algn="l" rtl="0">
+              <a:lnSpc>
+                <a:spcPct val="117999"/>
+              </a:lnSpc>
+              <a:spcBef>
+                <a:spcPts val="0"/>
+              </a:spcBef>
+              <a:spcAft>
+                <a:spcPts val="0"/>
+              </a:spcAft>
+              <a:buNone/>
+            </a:pPr>
+            <a:r>
+              <a:rPr lang="en" sz="2200" b="0" i="0" u="none" strike="noStrike" cap="none">
+                <a:latin typeface="Helvetica Neue"/>
+                <a:ea typeface="Helvetica Neue"/>
+                <a:cs typeface="Helvetica Neue"/>
+                <a:sym typeface="Helvetica Neue"/>
+              </a:rPr>
+              <a:t>\begin{bmatrix}</a:t>
+            </a:r>
+            <a:endParaRPr/>
+          </a:p>
+          <a:p>
+            <a:pPr marL="0" marR="0" lvl="0" indent="0" algn="l" rtl="0">
+              <a:lnSpc>
+                <a:spcPct val="117999"/>
+              </a:lnSpc>
+              <a:spcBef>
+                <a:spcPts val="0"/>
+              </a:spcBef>
+              <a:spcAft>
+                <a:spcPts val="0"/>
+              </a:spcAft>
+              <a:buNone/>
+            </a:pPr>
+            <a:r>
+              <a:rPr lang="en" sz="2200" b="0" i="0" u="none" strike="noStrike" cap="none">
+                <a:latin typeface="Helvetica Neue"/>
+                <a:ea typeface="Helvetica Neue"/>
+                <a:cs typeface="Helvetica Neue"/>
+                <a:sym typeface="Helvetica Neue"/>
+              </a:rPr>
+              <a:t>    w_1 \\ w_2    \\</a:t>
+            </a:r>
+            <a:endParaRPr/>
+          </a:p>
+          <a:p>
+            <a:pPr marL="0" marR="0" lvl="0" indent="0" algn="l" rtl="0">
+              <a:lnSpc>
+                <a:spcPct val="117999"/>
+              </a:lnSpc>
+              <a:spcBef>
+                <a:spcPts val="0"/>
+              </a:spcBef>
+              <a:spcAft>
+                <a:spcPts val="0"/>
+              </a:spcAft>
+              <a:buNone/>
+            </a:pPr>
+            <a:r>
+              <a:rPr lang="en" sz="2200" b="0" i="0" u="none" strike="noStrike" cap="none">
+                <a:latin typeface="Helvetica Neue"/>
+                <a:ea typeface="Helvetica Neue"/>
+                <a:cs typeface="Helvetica Neue"/>
+                <a:sym typeface="Helvetica Neue"/>
+              </a:rPr>
+              <a:t>   \end{bmatrix}</a:t>
+            </a:r>
+            <a:endParaRPr/>
+          </a:p>
+          <a:p>
+            <a:pPr marL="0" marR="0" lvl="0" indent="0" algn="l" rtl="0">
+              <a:lnSpc>
+                <a:spcPct val="117999"/>
+              </a:lnSpc>
+              <a:spcBef>
+                <a:spcPts val="0"/>
+              </a:spcBef>
+              <a:spcAft>
+                <a:spcPts val="0"/>
+              </a:spcAft>
+              <a:buNone/>
+            </a:pPr>
+            <a:r>
+              <a:rPr lang="en" sz="2200" b="0" i="0" u="none" strike="noStrike" cap="none">
+                <a:latin typeface="Helvetica Neue"/>
+                <a:ea typeface="Helvetica Neue"/>
+                <a:cs typeface="Helvetica Neue"/>
+                <a:sym typeface="Helvetica Neue"/>
+              </a:rPr>
+              <a:t>=</a:t>
+            </a:r>
+            <a:endParaRPr/>
+          </a:p>
+          <a:p>
+            <a:pPr marL="0" marR="0" lvl="0" indent="0" algn="l" rtl="0">
+              <a:lnSpc>
+                <a:spcPct val="117999"/>
+              </a:lnSpc>
+              <a:spcBef>
+                <a:spcPts val="0"/>
+              </a:spcBef>
+              <a:spcAft>
+                <a:spcPts val="0"/>
+              </a:spcAft>
+              <a:buNone/>
+            </a:pPr>
+            <a:r>
+              <a:rPr lang="en" sz="2200" b="0" i="0" u="none" strike="noStrike" cap="none">
+                <a:latin typeface="Helvetica Neue"/>
+                <a:ea typeface="Helvetica Neue"/>
+                <a:cs typeface="Helvetica Neue"/>
+                <a:sym typeface="Helvetica Neue"/>
+              </a:rPr>
+              <a:t>\begin{bmatrix}</a:t>
+            </a:r>
+            <a:endParaRPr/>
+          </a:p>
+          <a:p>
+            <a:pPr marL="0" marR="0" lvl="0" indent="0" algn="l" rtl="0">
+              <a:lnSpc>
+                <a:spcPct val="117999"/>
+              </a:lnSpc>
+              <a:spcBef>
+                <a:spcPts val="0"/>
+              </a:spcBef>
+              <a:spcAft>
+                <a:spcPts val="0"/>
+              </a:spcAft>
+              <a:buNone/>
+            </a:pPr>
+            <a:r>
+              <a:rPr lang="en" sz="2200" b="0" i="0" u="none" strike="noStrike" cap="none">
+                <a:latin typeface="Helvetica Neue"/>
+                <a:ea typeface="Helvetica Neue"/>
+                <a:cs typeface="Helvetica Neue"/>
+                <a:sym typeface="Helvetica Neue"/>
+              </a:rPr>
+              <a:t>    y_{1}       \\</a:t>
+            </a:r>
+            <a:endParaRPr/>
+          </a:p>
+          <a:p>
+            <a:pPr marL="0" marR="0" lvl="0" indent="0" algn="l" rtl="0">
+              <a:lnSpc>
+                <a:spcPct val="117999"/>
+              </a:lnSpc>
+              <a:spcBef>
+                <a:spcPts val="0"/>
+              </a:spcBef>
+              <a:spcAft>
+                <a:spcPts val="0"/>
+              </a:spcAft>
+              <a:buNone/>
+            </a:pPr>
+            <a:r>
+              <a:rPr lang="en" sz="2200" b="0" i="0" u="none" strike="noStrike" cap="none">
+                <a:latin typeface="Helvetica Neue"/>
+                <a:ea typeface="Helvetica Neue"/>
+                <a:cs typeface="Helvetica Neue"/>
+                <a:sym typeface="Helvetica Neue"/>
+              </a:rPr>
+              <a:t>    y_{2}       \\</a:t>
+            </a:r>
+            <a:endParaRPr/>
+          </a:p>
+          <a:p>
+            <a:pPr marL="0" marR="0" lvl="0" indent="0" algn="l" rtl="0">
+              <a:lnSpc>
+                <a:spcPct val="117999"/>
+              </a:lnSpc>
+              <a:spcBef>
+                <a:spcPts val="0"/>
+              </a:spcBef>
+              <a:spcAft>
+                <a:spcPts val="0"/>
+              </a:spcAft>
+              <a:buNone/>
+            </a:pPr>
+            <a:r>
+              <a:rPr lang="en" sz="2200" b="0" i="0" u="none" strike="noStrike" cap="none">
+                <a:latin typeface="Helvetica Neue"/>
+                <a:ea typeface="Helvetica Neue"/>
+                <a:cs typeface="Helvetica Neue"/>
+                <a:sym typeface="Helvetica Neue"/>
+              </a:rPr>
+              <a:t>    y_{3}       \\</a:t>
+            </a:r>
+            <a:endParaRPr/>
+          </a:p>
+          <a:p>
+            <a:pPr marL="0" marR="0" lvl="0" indent="0" algn="l" rtl="0">
+              <a:lnSpc>
+                <a:spcPct val="117999"/>
+              </a:lnSpc>
+              <a:spcBef>
+                <a:spcPts val="0"/>
+              </a:spcBef>
+              <a:spcAft>
+                <a:spcPts val="0"/>
+              </a:spcAft>
+              <a:buNone/>
+            </a:pPr>
+            <a:r>
+              <a:rPr lang="en" sz="2200" b="0" i="0" u="none" strike="noStrike" cap="none">
+                <a:latin typeface="Helvetica Neue"/>
+                <a:ea typeface="Helvetica Neue"/>
+                <a:cs typeface="Helvetica Neue"/>
+                <a:sym typeface="Helvetica Neue"/>
+              </a:rPr>
+              <a:t>    \hdotsfor{1} \\</a:t>
+            </a:r>
+            <a:endParaRPr/>
+          </a:p>
+          <a:p>
+            <a:pPr marL="0" marR="0" lvl="0" indent="0" algn="l" rtl="0">
+              <a:lnSpc>
+                <a:spcPct val="117999"/>
+              </a:lnSpc>
+              <a:spcBef>
+                <a:spcPts val="0"/>
+              </a:spcBef>
+              <a:spcAft>
+                <a:spcPts val="0"/>
+              </a:spcAft>
+              <a:buNone/>
+            </a:pPr>
+            <a:r>
+              <a:rPr lang="en" sz="2200" b="0" i="0" u="none" strike="noStrike" cap="none">
+                <a:latin typeface="Helvetica Neue"/>
+                <a:ea typeface="Helvetica Neue"/>
+                <a:cs typeface="Helvetica Neue"/>
+                <a:sym typeface="Helvetica Neue"/>
+              </a:rPr>
+              <a:t>    y_{n}    </a:t>
+            </a:r>
+            <a:endParaRPr/>
+          </a:p>
+          <a:p>
+            <a:pPr marL="0" marR="0" lvl="0" indent="0" algn="l" rtl="0">
+              <a:lnSpc>
+                <a:spcPct val="117999"/>
+              </a:lnSpc>
+              <a:spcBef>
+                <a:spcPts val="0"/>
+              </a:spcBef>
+              <a:spcAft>
+                <a:spcPts val="0"/>
+              </a:spcAft>
+              <a:buNone/>
+            </a:pPr>
+            <a:r>
+              <a:rPr lang="en" sz="2200" b="0" i="0" u="none" strike="noStrike" cap="none">
+                <a:latin typeface="Helvetica Neue"/>
+                <a:ea typeface="Helvetica Neue"/>
+                <a:cs typeface="Helvetica Neue"/>
+                <a:sym typeface="Helvetica Neue"/>
+              </a:rPr>
+              <a:t>\end{bmatrix}</a:t>
             </a:r>
             <a:endParaRPr/>
           </a:p>
@@ -22694,6 +25894,2182 @@
   <p:cSld>
     <p:spTree>
       <p:nvGrpSpPr>
+        <p:cNvPr id="1" name="Shape 208"/>
+        <p:cNvGrpSpPr/>
+        <p:nvPr/>
+      </p:nvGrpSpPr>
+      <p:grpSpPr>
+        <a:xfrm>
+          <a:off x="0" y="0"/>
+          <a:ext cx="0" cy="0"/>
+          <a:chOff x="0" y="0"/>
+          <a:chExt cx="0" cy="0"/>
+        </a:xfrm>
+      </p:grpSpPr>
+      <p:sp>
+        <p:nvSpPr>
+          <p:cNvPr id="209" name="Google Shape;209;p47"/>
+          <p:cNvSpPr txBox="1">
+            <a:spLocks noGrp="1"/>
+          </p:cNvSpPr>
+          <p:nvPr>
+            <p:ph type="title"/>
+          </p:nvPr>
+        </p:nvSpPr>
+        <p:spPr>
+          <a:xfrm>
+            <a:off x="431625" y="299221"/>
+            <a:ext cx="8280900" cy="1239000"/>
+          </a:xfrm>
+          <a:prstGeom prst="rect">
+            <a:avLst/>
+          </a:prstGeom>
+          <a:noFill/>
+          <a:ln>
+            <a:noFill/>
+          </a:ln>
+        </p:spPr>
+        <p:txBody>
+          <a:bodyPr spcFirstLastPara="1" wrap="square" lIns="20100" tIns="20100" rIns="20100" bIns="20100" anchor="ctr" anchorCtr="0">
+            <a:noAutofit/>
+          </a:bodyPr>
+          <a:lstStyle/>
+          <a:p>
+            <a:pPr marL="0" marR="0" lvl="0" indent="0" algn="ctr" rtl="0">
+              <a:lnSpc>
+                <a:spcPct val="100000"/>
+              </a:lnSpc>
+              <a:spcBef>
+                <a:spcPts val="0"/>
+              </a:spcBef>
+              <a:spcAft>
+                <a:spcPts val="0"/>
+              </a:spcAft>
+              <a:buClr>
+                <a:srgbClr val="000000"/>
+              </a:buClr>
+              <a:buFont typeface="Gill Sans"/>
+              <a:buNone/>
+            </a:pPr>
+            <a:r>
+              <a:rPr lang="en" sz="3400" b="0" i="0" u="none" strike="noStrike" cap="none">
+                <a:solidFill>
+                  <a:srgbClr val="000000"/>
+                </a:solidFill>
+                <a:latin typeface="Gill Sans"/>
+                <a:ea typeface="Gill Sans"/>
+                <a:cs typeface="Gill Sans"/>
+                <a:sym typeface="Gill Sans"/>
+              </a:rPr>
+              <a:t>GPA enough? </a:t>
+            </a:r>
+            <a:endParaRPr/>
+          </a:p>
+          <a:p>
+            <a:pPr marL="0" marR="0" lvl="0" indent="0" algn="ctr" rtl="0">
+              <a:lnSpc>
+                <a:spcPct val="100000"/>
+              </a:lnSpc>
+              <a:spcBef>
+                <a:spcPts val="0"/>
+              </a:spcBef>
+              <a:spcAft>
+                <a:spcPts val="0"/>
+              </a:spcAft>
+              <a:buClr>
+                <a:srgbClr val="000000"/>
+              </a:buClr>
+              <a:buFont typeface="Gill Sans"/>
+              <a:buNone/>
+            </a:pPr>
+            <a:r>
+              <a:rPr lang="en" sz="3400" b="0" i="0" u="none" strike="noStrike" cap="none">
+                <a:solidFill>
+                  <a:srgbClr val="000000"/>
+                </a:solidFill>
+                <a:latin typeface="Gill Sans"/>
+                <a:ea typeface="Gill Sans"/>
+                <a:cs typeface="Gill Sans"/>
+                <a:sym typeface="Gill Sans"/>
+              </a:rPr>
+              <a:t>How about experience and others?</a:t>
+            </a:r>
+            <a:endParaRPr/>
+          </a:p>
+        </p:txBody>
+      </p:sp>
+      <p:graphicFrame>
+        <p:nvGraphicFramePr>
+          <p:cNvPr id="210" name="Google Shape;210;p47"/>
+          <p:cNvGraphicFramePr/>
+          <p:nvPr/>
+        </p:nvGraphicFramePr>
+        <p:xfrm>
+          <a:off x="1630264" y="1686436"/>
+          <a:ext cx="2870850" cy="1861500"/>
+        </p:xfrm>
+        <a:graphic>
+          <a:graphicData uri="http://schemas.openxmlformats.org/drawingml/2006/table">
+            <a:tbl>
+              <a:tblPr firstRow="1" firstCol="1">
+                <a:noFill/>
+                <a:tableStyleId>{E3CE9EC6-9A32-4AC2-AFA3-ABCAA7ABF99D}</a:tableStyleId>
+              </a:tblPr>
+              <a:tblGrid>
+                <a:gridCol w="1435425"/>
+                <a:gridCol w="1435425"/>
+              </a:tblGrid>
+              <a:tr h="372300">
+                <a:tc>
+                  <a:txBody>
+                    <a:bodyPr/>
+                    <a:lstStyle/>
+                    <a:p>
+                      <a:pPr marL="0" marR="0" lvl="0" indent="0" algn="ctr" rtl="0">
+                        <a:lnSpc>
+                          <a:spcPct val="100000"/>
+                        </a:lnSpc>
+                        <a:spcBef>
+                          <a:spcPts val="0"/>
+                        </a:spcBef>
+                        <a:spcAft>
+                          <a:spcPts val="0"/>
+                        </a:spcAft>
+                        <a:buClr>
+                          <a:schemeClr val="dk1"/>
+                        </a:buClr>
+                        <a:buFont typeface="Helvetica Neue"/>
+                        <a:buNone/>
+                      </a:pPr>
+                      <a:r>
+                        <a:rPr lang="en" sz="1500" u="none" strike="noStrike" cap="none"/>
+                        <a:t>Experience (b)</a:t>
+                      </a:r>
+                      <a:endParaRPr sz="500"/>
+                    </a:p>
+                  </a:txBody>
+                  <a:tcPr marL="19050" marR="19050" marT="19050" marB="19050" anchor="ctr"/>
+                </a:tc>
+                <a:tc>
+                  <a:txBody>
+                    <a:bodyPr/>
+                    <a:lstStyle/>
+                    <a:p>
+                      <a:pPr marL="0" marR="0" lvl="0" indent="0" algn="ctr" rtl="0">
+                        <a:lnSpc>
+                          <a:spcPct val="100000"/>
+                        </a:lnSpc>
+                        <a:spcBef>
+                          <a:spcPts val="0"/>
+                        </a:spcBef>
+                        <a:spcAft>
+                          <a:spcPts val="0"/>
+                        </a:spcAft>
+                        <a:buClr>
+                          <a:srgbClr val="FFFFFF"/>
+                        </a:buClr>
+                        <a:buFont typeface="Helvetica Neue"/>
+                        <a:buNone/>
+                      </a:pPr>
+                      <a:r>
+                        <a:rPr lang="en" sz="1800" u="none" strike="noStrike" cap="none">
+                          <a:solidFill>
+                            <a:srgbClr val="FFFFFF"/>
+                          </a:solidFill>
+                        </a:rPr>
+                        <a:t>Admission?</a:t>
+                      </a:r>
+                      <a:endParaRPr sz="500"/>
+                    </a:p>
+                  </a:txBody>
+                  <a:tcPr marL="19050" marR="19050" marT="19050" marB="19050" anchor="ctr"/>
+                </a:tc>
+              </a:tr>
+              <a:tr h="372300">
+                <a:tc>
+                  <a:txBody>
+                    <a:bodyPr/>
+                    <a:lstStyle/>
+                    <a:p>
+                      <a:pPr marL="0" marR="0" lvl="0" indent="0" algn="ctr" rtl="0">
+                        <a:lnSpc>
+                          <a:spcPct val="100000"/>
+                        </a:lnSpc>
+                        <a:spcBef>
+                          <a:spcPts val="0"/>
+                        </a:spcBef>
+                        <a:spcAft>
+                          <a:spcPts val="0"/>
+                        </a:spcAft>
+                        <a:buClr>
+                          <a:srgbClr val="FFFFFF"/>
+                        </a:buClr>
+                        <a:buFont typeface="Helvetica Neue"/>
+                        <a:buNone/>
+                      </a:pPr>
+                      <a:r>
+                        <a:rPr lang="en" sz="1800" u="none" strike="noStrike" cap="none">
+                          <a:solidFill>
+                            <a:srgbClr val="FFFFFF"/>
+                          </a:solidFill>
+                        </a:rPr>
+                        <a:t>0.1</a:t>
+                      </a:r>
+                      <a:endParaRPr sz="500"/>
+                    </a:p>
+                  </a:txBody>
+                  <a:tcPr marL="19050" marR="19050" marT="19050" marB="19050" anchor="ctr"/>
+                </a:tc>
+                <a:tc>
+                  <a:txBody>
+                    <a:bodyPr/>
+                    <a:lstStyle/>
+                    <a:p>
+                      <a:pPr marL="0" marR="0" lvl="0" indent="0" algn="ctr" rtl="0">
+                        <a:lnSpc>
+                          <a:spcPct val="100000"/>
+                        </a:lnSpc>
+                        <a:spcBef>
+                          <a:spcPts val="0"/>
+                        </a:spcBef>
+                        <a:spcAft>
+                          <a:spcPts val="0"/>
+                        </a:spcAft>
+                        <a:buClr>
+                          <a:schemeClr val="dk1"/>
+                        </a:buClr>
+                        <a:buFont typeface="Helvetica Neue"/>
+                        <a:buNone/>
+                      </a:pPr>
+                      <a:r>
+                        <a:rPr lang="en" sz="1800" u="none" strike="noStrike" cap="none"/>
+                        <a:t>0</a:t>
+                      </a:r>
+                      <a:endParaRPr sz="500"/>
+                    </a:p>
+                  </a:txBody>
+                  <a:tcPr marL="19050" marR="19050" marT="19050" marB="19050" anchor="ctr">
+                    <a:lnR w="12700" cap="flat" cmpd="sng">
+                      <a:solidFill>
+                        <a:srgbClr val="5D5D5D"/>
+                      </a:solidFill>
+                      <a:prstDash val="solid"/>
+                      <a:round/>
+                      <a:headEnd type="none" w="sm" len="sm"/>
+                      <a:tailEnd type="none" w="sm" len="sm"/>
+                    </a:lnR>
+                  </a:tcPr>
+                </a:tc>
+              </a:tr>
+              <a:tr h="372300">
+                <a:tc>
+                  <a:txBody>
+                    <a:bodyPr/>
+                    <a:lstStyle/>
+                    <a:p>
+                      <a:pPr marL="0" marR="0" lvl="0" indent="0" algn="ctr" rtl="0">
+                        <a:lnSpc>
+                          <a:spcPct val="100000"/>
+                        </a:lnSpc>
+                        <a:spcBef>
+                          <a:spcPts val="0"/>
+                        </a:spcBef>
+                        <a:spcAft>
+                          <a:spcPts val="0"/>
+                        </a:spcAft>
+                        <a:buClr>
+                          <a:srgbClr val="FFFFFF"/>
+                        </a:buClr>
+                        <a:buFont typeface="Helvetica Neue"/>
+                        <a:buNone/>
+                      </a:pPr>
+                      <a:r>
+                        <a:rPr lang="en" sz="1800" u="none" strike="noStrike" cap="none">
+                          <a:solidFill>
+                            <a:srgbClr val="FFFFFF"/>
+                          </a:solidFill>
+                        </a:rPr>
+                        <a:t>0.8</a:t>
+                      </a:r>
+                      <a:endParaRPr sz="500"/>
+                    </a:p>
+                  </a:txBody>
+                  <a:tcPr marL="19050" marR="19050" marT="19050" marB="19050" anchor="ctr"/>
+                </a:tc>
+                <a:tc>
+                  <a:txBody>
+                    <a:bodyPr/>
+                    <a:lstStyle/>
+                    <a:p>
+                      <a:pPr marL="0" marR="0" lvl="0" indent="0" algn="ctr" rtl="0">
+                        <a:lnSpc>
+                          <a:spcPct val="100000"/>
+                        </a:lnSpc>
+                        <a:spcBef>
+                          <a:spcPts val="0"/>
+                        </a:spcBef>
+                        <a:spcAft>
+                          <a:spcPts val="0"/>
+                        </a:spcAft>
+                        <a:buClr>
+                          <a:schemeClr val="dk1"/>
+                        </a:buClr>
+                        <a:buFont typeface="Helvetica Neue"/>
+                        <a:buNone/>
+                      </a:pPr>
+                      <a:r>
+                        <a:rPr lang="en" sz="1800" u="none" strike="noStrike" cap="none"/>
+                        <a:t>1</a:t>
+                      </a:r>
+                      <a:endParaRPr sz="500"/>
+                    </a:p>
+                  </a:txBody>
+                  <a:tcPr marL="19050" marR="19050" marT="19050" marB="19050" anchor="ctr">
+                    <a:lnR w="12700" cap="flat" cmpd="sng">
+                      <a:solidFill>
+                        <a:srgbClr val="5D5D5D"/>
+                      </a:solidFill>
+                      <a:prstDash val="solid"/>
+                      <a:round/>
+                      <a:headEnd type="none" w="sm" len="sm"/>
+                      <a:tailEnd type="none" w="sm" len="sm"/>
+                    </a:lnR>
+                  </a:tcPr>
+                </a:tc>
+              </a:tr>
+              <a:tr h="372300">
+                <a:tc>
+                  <a:txBody>
+                    <a:bodyPr/>
+                    <a:lstStyle/>
+                    <a:p>
+                      <a:pPr marL="0" marR="0" lvl="0" indent="0" algn="ctr" rtl="0">
+                        <a:lnSpc>
+                          <a:spcPct val="100000"/>
+                        </a:lnSpc>
+                        <a:spcBef>
+                          <a:spcPts val="0"/>
+                        </a:spcBef>
+                        <a:spcAft>
+                          <a:spcPts val="0"/>
+                        </a:spcAft>
+                        <a:buClr>
+                          <a:srgbClr val="FFFFFF"/>
+                        </a:buClr>
+                        <a:buFont typeface="Helvetica Neue"/>
+                        <a:buNone/>
+                      </a:pPr>
+                      <a:r>
+                        <a:rPr lang="en" sz="1800" u="none" strike="noStrike" cap="none">
+                          <a:solidFill>
+                            <a:srgbClr val="FFFFFF"/>
+                          </a:solidFill>
+                        </a:rPr>
+                        <a:t>0.9</a:t>
+                      </a:r>
+                      <a:endParaRPr sz="500"/>
+                    </a:p>
+                  </a:txBody>
+                  <a:tcPr marL="19050" marR="19050" marT="19050" marB="19050" anchor="ctr"/>
+                </a:tc>
+                <a:tc>
+                  <a:txBody>
+                    <a:bodyPr/>
+                    <a:lstStyle/>
+                    <a:p>
+                      <a:pPr marL="0" marR="0" lvl="0" indent="0" algn="ctr" rtl="0">
+                        <a:lnSpc>
+                          <a:spcPct val="100000"/>
+                        </a:lnSpc>
+                        <a:spcBef>
+                          <a:spcPts val="0"/>
+                        </a:spcBef>
+                        <a:spcAft>
+                          <a:spcPts val="0"/>
+                        </a:spcAft>
+                        <a:buClr>
+                          <a:schemeClr val="dk1"/>
+                        </a:buClr>
+                        <a:buFont typeface="Helvetica Neue"/>
+                        <a:buNone/>
+                      </a:pPr>
+                      <a:r>
+                        <a:rPr lang="en" sz="1800" u="none" strike="noStrike" cap="none"/>
+                        <a:t>0</a:t>
+                      </a:r>
+                      <a:endParaRPr sz="500"/>
+                    </a:p>
+                  </a:txBody>
+                  <a:tcPr marL="19050" marR="19050" marT="19050" marB="19050" anchor="ctr">
+                    <a:lnR w="12700" cap="flat" cmpd="sng">
+                      <a:solidFill>
+                        <a:srgbClr val="5D5D5D"/>
+                      </a:solidFill>
+                      <a:prstDash val="solid"/>
+                      <a:round/>
+                      <a:headEnd type="none" w="sm" len="sm"/>
+                      <a:tailEnd type="none" w="sm" len="sm"/>
+                    </a:lnR>
+                  </a:tcPr>
+                </a:tc>
+              </a:tr>
+              <a:tr h="372300">
+                <a:tc>
+                  <a:txBody>
+                    <a:bodyPr/>
+                    <a:lstStyle/>
+                    <a:p>
+                      <a:pPr marL="0" marR="0" lvl="0" indent="0" algn="ctr" rtl="0">
+                        <a:lnSpc>
+                          <a:spcPct val="100000"/>
+                        </a:lnSpc>
+                        <a:spcBef>
+                          <a:spcPts val="0"/>
+                        </a:spcBef>
+                        <a:spcAft>
+                          <a:spcPts val="0"/>
+                        </a:spcAft>
+                        <a:buClr>
+                          <a:srgbClr val="FFFFFF"/>
+                        </a:buClr>
+                        <a:buFont typeface="Helvetica Neue"/>
+                        <a:buNone/>
+                      </a:pPr>
+                      <a:r>
+                        <a:rPr lang="en" sz="1800" u="none" strike="noStrike" cap="none">
+                          <a:solidFill>
+                            <a:srgbClr val="FFFFFF"/>
+                          </a:solidFill>
+                        </a:rPr>
+                        <a:t>0.2</a:t>
+                      </a:r>
+                      <a:endParaRPr sz="500"/>
+                    </a:p>
+                  </a:txBody>
+                  <a:tcPr marL="19050" marR="19050" marT="19050" marB="19050" anchor="ctr"/>
+                </a:tc>
+                <a:tc>
+                  <a:txBody>
+                    <a:bodyPr/>
+                    <a:lstStyle/>
+                    <a:p>
+                      <a:pPr marL="0" marR="0" lvl="0" indent="0" algn="ctr" rtl="0">
+                        <a:lnSpc>
+                          <a:spcPct val="100000"/>
+                        </a:lnSpc>
+                        <a:spcBef>
+                          <a:spcPts val="0"/>
+                        </a:spcBef>
+                        <a:spcAft>
+                          <a:spcPts val="0"/>
+                        </a:spcAft>
+                        <a:buClr>
+                          <a:schemeClr val="dk1"/>
+                        </a:buClr>
+                        <a:buFont typeface="Helvetica Neue"/>
+                        <a:buNone/>
+                      </a:pPr>
+                      <a:r>
+                        <a:rPr lang="en" sz="1800" u="none" strike="noStrike" cap="none"/>
+                        <a:t>1</a:t>
+                      </a:r>
+                      <a:endParaRPr sz="500"/>
+                    </a:p>
+                  </a:txBody>
+                  <a:tcPr marL="19050" marR="19050" marT="19050" marB="19050" anchor="ctr">
+                    <a:lnR w="12700" cap="flat" cmpd="sng">
+                      <a:solidFill>
+                        <a:srgbClr val="5D5D5D"/>
+                      </a:solidFill>
+                      <a:prstDash val="solid"/>
+                      <a:round/>
+                      <a:headEnd type="none" w="sm" len="sm"/>
+                      <a:tailEnd type="none" w="sm" len="sm"/>
+                    </a:lnR>
+                    <a:lnB w="12700" cap="flat" cmpd="sng">
+                      <a:solidFill>
+                        <a:srgbClr val="606060"/>
+                      </a:solidFill>
+                      <a:prstDash val="solid"/>
+                      <a:round/>
+                      <a:headEnd type="none" w="sm" len="sm"/>
+                      <a:tailEnd type="none" w="sm" len="sm"/>
+                    </a:lnB>
+                  </a:tcPr>
+                </a:tc>
+              </a:tr>
+            </a:tbl>
+          </a:graphicData>
+        </a:graphic>
+      </p:graphicFrame>
+      <p:sp>
+        <p:nvSpPr>
+          <p:cNvPr id="211" name="Google Shape;211;p47"/>
+          <p:cNvSpPr txBox="1"/>
+          <p:nvPr/>
+        </p:nvSpPr>
+        <p:spPr>
+          <a:xfrm>
+            <a:off x="463857" y="3835198"/>
+            <a:ext cx="2076900" cy="777600"/>
+          </a:xfrm>
+          <a:prstGeom prst="rect">
+            <a:avLst/>
+          </a:prstGeom>
+          <a:noFill/>
+          <a:ln>
+            <a:noFill/>
+          </a:ln>
+        </p:spPr>
+        <p:txBody>
+          <a:bodyPr spcFirstLastPara="1" wrap="square" lIns="26775" tIns="26775" rIns="26775" bIns="26775" anchor="ctr" anchorCtr="0">
+            <a:noAutofit/>
+          </a:bodyPr>
+          <a:lstStyle/>
+          <a:p>
+            <a:pPr marL="0" marR="0" lvl="0" indent="0" algn="l" rtl="0">
+              <a:lnSpc>
+                <a:spcPct val="100000"/>
+              </a:lnSpc>
+              <a:spcBef>
+                <a:spcPts val="0"/>
+              </a:spcBef>
+              <a:spcAft>
+                <a:spcPts val="0"/>
+              </a:spcAft>
+              <a:buClr>
+                <a:srgbClr val="000000"/>
+              </a:buClr>
+              <a:buFont typeface="Arial"/>
+              <a:buNone/>
+            </a:pPr>
+            <a:r>
+              <a:rPr lang="en" sz="1200" b="0" i="0" u="none" strike="noStrike" cap="none">
+                <a:solidFill>
+                  <a:srgbClr val="000000"/>
+                </a:solidFill>
+                <a:latin typeface="Arial"/>
+                <a:ea typeface="Arial"/>
+                <a:cs typeface="Arial"/>
+                <a:sym typeface="Arial"/>
+              </a:rPr>
+              <a:t>x_data =[[</a:t>
+            </a:r>
+            <a:r>
+              <a:rPr lang="en" sz="1200" b="0" i="0" u="none" strike="noStrike" cap="none">
+                <a:solidFill>
+                  <a:srgbClr val="0432FF"/>
+                </a:solidFill>
+                <a:latin typeface="Arial"/>
+                <a:ea typeface="Arial"/>
+                <a:cs typeface="Arial"/>
+                <a:sym typeface="Arial"/>
+              </a:rPr>
+              <a:t>2.1, 0.1</a:t>
+            </a:r>
+            <a:r>
+              <a:rPr lang="en" sz="1200" b="0" i="0" u="none" strike="noStrike" cap="none">
+                <a:solidFill>
+                  <a:srgbClr val="000000"/>
+                </a:solidFill>
+                <a:latin typeface="Arial"/>
+                <a:ea typeface="Arial"/>
+                <a:cs typeface="Arial"/>
+                <a:sym typeface="Arial"/>
+              </a:rPr>
+              <a:t>], </a:t>
+            </a:r>
+            <a:endParaRPr sz="500"/>
+          </a:p>
+          <a:p>
+            <a:pPr marL="0" marR="0" lvl="0" indent="0" algn="l" rtl="0">
+              <a:lnSpc>
+                <a:spcPct val="100000"/>
+              </a:lnSpc>
+              <a:spcBef>
+                <a:spcPts val="0"/>
+              </a:spcBef>
+              <a:spcAft>
+                <a:spcPts val="0"/>
+              </a:spcAft>
+              <a:buClr>
+                <a:srgbClr val="000000"/>
+              </a:buClr>
+              <a:buFont typeface="Arial"/>
+              <a:buNone/>
+            </a:pPr>
+            <a:r>
+              <a:rPr lang="en" sz="1200" b="0" i="0" u="none" strike="noStrike" cap="none">
+                <a:solidFill>
+                  <a:srgbClr val="000000"/>
+                </a:solidFill>
+                <a:latin typeface="Arial"/>
+                <a:ea typeface="Arial"/>
+                <a:cs typeface="Arial"/>
+                <a:sym typeface="Arial"/>
+              </a:rPr>
+              <a:t>         [</a:t>
+            </a:r>
+            <a:r>
+              <a:rPr lang="en" sz="1200" b="0" i="0" u="none" strike="noStrike" cap="none">
+                <a:solidFill>
+                  <a:srgbClr val="0432FF"/>
+                </a:solidFill>
+                <a:latin typeface="Arial"/>
+                <a:ea typeface="Arial"/>
+                <a:cs typeface="Arial"/>
+                <a:sym typeface="Arial"/>
+              </a:rPr>
+              <a:t>4.2, 0.8</a:t>
+            </a:r>
+            <a:r>
+              <a:rPr lang="en" sz="1200" b="0" i="0" u="none" strike="noStrike" cap="none">
+                <a:solidFill>
+                  <a:srgbClr val="000000"/>
+                </a:solidFill>
+                <a:latin typeface="Arial"/>
+                <a:ea typeface="Arial"/>
+                <a:cs typeface="Arial"/>
+                <a:sym typeface="Arial"/>
+              </a:rPr>
+              <a:t>], </a:t>
+            </a:r>
+            <a:endParaRPr sz="500"/>
+          </a:p>
+          <a:p>
+            <a:pPr marL="0" marR="0" lvl="0" indent="0" algn="l" rtl="0">
+              <a:lnSpc>
+                <a:spcPct val="100000"/>
+              </a:lnSpc>
+              <a:spcBef>
+                <a:spcPts val="0"/>
+              </a:spcBef>
+              <a:spcAft>
+                <a:spcPts val="0"/>
+              </a:spcAft>
+              <a:buClr>
+                <a:srgbClr val="000000"/>
+              </a:buClr>
+              <a:buFont typeface="Arial"/>
+              <a:buNone/>
+            </a:pPr>
+            <a:r>
+              <a:rPr lang="en" sz="1200" b="0" i="0" u="none" strike="noStrike" cap="none">
+                <a:solidFill>
+                  <a:srgbClr val="000000"/>
+                </a:solidFill>
+                <a:latin typeface="Arial"/>
+                <a:ea typeface="Arial"/>
+                <a:cs typeface="Arial"/>
+                <a:sym typeface="Arial"/>
+              </a:rPr>
+              <a:t>         [</a:t>
+            </a:r>
+            <a:r>
+              <a:rPr lang="en" sz="1200" b="0" i="0" u="none" strike="noStrike" cap="none">
+                <a:solidFill>
+                  <a:srgbClr val="0432FF"/>
+                </a:solidFill>
+                <a:latin typeface="Arial"/>
+                <a:ea typeface="Arial"/>
+                <a:cs typeface="Arial"/>
+                <a:sym typeface="Arial"/>
+              </a:rPr>
+              <a:t>3.1, 0.9</a:t>
+            </a:r>
+            <a:r>
+              <a:rPr lang="en" sz="1200" b="0" i="0" u="none" strike="noStrike" cap="none">
+                <a:solidFill>
+                  <a:srgbClr val="000000"/>
+                </a:solidFill>
+                <a:latin typeface="Arial"/>
+                <a:ea typeface="Arial"/>
+                <a:cs typeface="Arial"/>
+                <a:sym typeface="Arial"/>
+              </a:rPr>
+              <a:t>],</a:t>
+            </a:r>
+            <a:endParaRPr sz="500"/>
+          </a:p>
+          <a:p>
+            <a:pPr marL="0" marR="0" lvl="0" indent="0" algn="l" rtl="0">
+              <a:lnSpc>
+                <a:spcPct val="100000"/>
+              </a:lnSpc>
+              <a:spcBef>
+                <a:spcPts val="0"/>
+              </a:spcBef>
+              <a:spcAft>
+                <a:spcPts val="0"/>
+              </a:spcAft>
+              <a:buClr>
+                <a:srgbClr val="000000"/>
+              </a:buClr>
+              <a:buFont typeface="Arial"/>
+              <a:buNone/>
+            </a:pPr>
+            <a:r>
+              <a:rPr lang="en" sz="1200" b="0" i="0" u="none" strike="noStrike" cap="none">
+                <a:solidFill>
+                  <a:srgbClr val="000000"/>
+                </a:solidFill>
+                <a:latin typeface="Arial"/>
+                <a:ea typeface="Arial"/>
+                <a:cs typeface="Arial"/>
+                <a:sym typeface="Arial"/>
+              </a:rPr>
+              <a:t>         [</a:t>
+            </a:r>
+            <a:r>
+              <a:rPr lang="en" sz="1200" b="0" i="0" u="none" strike="noStrike" cap="none">
+                <a:solidFill>
+                  <a:srgbClr val="0432FF"/>
+                </a:solidFill>
+                <a:latin typeface="Arial"/>
+                <a:ea typeface="Arial"/>
+                <a:cs typeface="Arial"/>
+                <a:sym typeface="Arial"/>
+              </a:rPr>
+              <a:t>3.3, 0.2</a:t>
+            </a:r>
+            <a:r>
+              <a:rPr lang="en" sz="1200" b="0" i="0" u="none" strike="noStrike" cap="none">
+                <a:solidFill>
+                  <a:srgbClr val="000000"/>
+                </a:solidFill>
+                <a:latin typeface="Arial"/>
+                <a:ea typeface="Arial"/>
+                <a:cs typeface="Arial"/>
+                <a:sym typeface="Arial"/>
+              </a:rPr>
+              <a:t>]]</a:t>
+            </a:r>
+            <a:endParaRPr sz="500"/>
+          </a:p>
+        </p:txBody>
+      </p:sp>
+      <p:sp>
+        <p:nvSpPr>
+          <p:cNvPr id="212" name="Google Shape;212;p47"/>
+          <p:cNvSpPr txBox="1"/>
+          <p:nvPr/>
+        </p:nvSpPr>
+        <p:spPr>
+          <a:xfrm>
+            <a:off x="2728492" y="3835198"/>
+            <a:ext cx="1618200" cy="777600"/>
+          </a:xfrm>
+          <a:prstGeom prst="rect">
+            <a:avLst/>
+          </a:prstGeom>
+          <a:noFill/>
+          <a:ln>
+            <a:noFill/>
+          </a:ln>
+        </p:spPr>
+        <p:txBody>
+          <a:bodyPr spcFirstLastPara="1" wrap="square" lIns="26775" tIns="26775" rIns="26775" bIns="26775" anchor="ctr" anchorCtr="0">
+            <a:noAutofit/>
+          </a:bodyPr>
+          <a:lstStyle/>
+          <a:p>
+            <a:pPr marL="0" marR="0" lvl="0" indent="0" algn="l" rtl="0">
+              <a:lnSpc>
+                <a:spcPct val="100000"/>
+              </a:lnSpc>
+              <a:spcBef>
+                <a:spcPts val="0"/>
+              </a:spcBef>
+              <a:spcAft>
+                <a:spcPts val="0"/>
+              </a:spcAft>
+              <a:buClr>
+                <a:srgbClr val="000000"/>
+              </a:buClr>
+              <a:buFont typeface="Arial"/>
+              <a:buNone/>
+            </a:pPr>
+            <a:r>
+              <a:rPr lang="en" sz="1200" b="0" i="0" u="none" strike="noStrike" cap="none">
+                <a:solidFill>
+                  <a:srgbClr val="000000"/>
+                </a:solidFill>
+                <a:latin typeface="Arial"/>
+                <a:ea typeface="Arial"/>
+                <a:cs typeface="Arial"/>
+                <a:sym typeface="Arial"/>
+              </a:rPr>
+              <a:t>y_data =[[</a:t>
+            </a:r>
+            <a:r>
+              <a:rPr lang="en" sz="1200" b="0" i="0" u="none" strike="noStrike" cap="none">
+                <a:solidFill>
+                  <a:srgbClr val="0432FF"/>
+                </a:solidFill>
+                <a:latin typeface="Arial"/>
+                <a:ea typeface="Arial"/>
+                <a:cs typeface="Arial"/>
+                <a:sym typeface="Arial"/>
+              </a:rPr>
+              <a:t>0.0</a:t>
+            </a:r>
+            <a:r>
+              <a:rPr lang="en" sz="1200" b="0" i="0" u="none" strike="noStrike" cap="none">
+                <a:solidFill>
+                  <a:srgbClr val="000000"/>
+                </a:solidFill>
+                <a:latin typeface="Arial"/>
+                <a:ea typeface="Arial"/>
+                <a:cs typeface="Arial"/>
+                <a:sym typeface="Arial"/>
+              </a:rPr>
+              <a:t>], </a:t>
+            </a:r>
+            <a:endParaRPr sz="500"/>
+          </a:p>
+          <a:p>
+            <a:pPr marL="0" marR="0" lvl="0" indent="0" algn="l" rtl="0">
+              <a:lnSpc>
+                <a:spcPct val="100000"/>
+              </a:lnSpc>
+              <a:spcBef>
+                <a:spcPts val="0"/>
+              </a:spcBef>
+              <a:spcAft>
+                <a:spcPts val="0"/>
+              </a:spcAft>
+              <a:buClr>
+                <a:srgbClr val="000000"/>
+              </a:buClr>
+              <a:buFont typeface="Arial"/>
+              <a:buNone/>
+            </a:pPr>
+            <a:r>
+              <a:rPr lang="en" sz="1200" b="0" i="0" u="none" strike="noStrike" cap="none">
+                <a:solidFill>
+                  <a:srgbClr val="000000"/>
+                </a:solidFill>
+                <a:latin typeface="Arial"/>
+                <a:ea typeface="Arial"/>
+                <a:cs typeface="Arial"/>
+                <a:sym typeface="Arial"/>
+              </a:rPr>
+              <a:t>         [</a:t>
+            </a:r>
+            <a:r>
+              <a:rPr lang="en" sz="1200" b="0" i="0" u="none" strike="noStrike" cap="none">
+                <a:solidFill>
+                  <a:srgbClr val="0432FF"/>
+                </a:solidFill>
+                <a:latin typeface="Arial"/>
+                <a:ea typeface="Arial"/>
+                <a:cs typeface="Arial"/>
+                <a:sym typeface="Arial"/>
+              </a:rPr>
+              <a:t>1.0</a:t>
+            </a:r>
+            <a:r>
+              <a:rPr lang="en" sz="1200" b="0" i="0" u="none" strike="noStrike" cap="none">
+                <a:solidFill>
+                  <a:srgbClr val="000000"/>
+                </a:solidFill>
+                <a:latin typeface="Arial"/>
+                <a:ea typeface="Arial"/>
+                <a:cs typeface="Arial"/>
+                <a:sym typeface="Arial"/>
+              </a:rPr>
+              <a:t>], </a:t>
+            </a:r>
+            <a:endParaRPr sz="500"/>
+          </a:p>
+          <a:p>
+            <a:pPr marL="0" marR="0" lvl="0" indent="0" algn="l" rtl="0">
+              <a:lnSpc>
+                <a:spcPct val="100000"/>
+              </a:lnSpc>
+              <a:spcBef>
+                <a:spcPts val="0"/>
+              </a:spcBef>
+              <a:spcAft>
+                <a:spcPts val="0"/>
+              </a:spcAft>
+              <a:buClr>
+                <a:srgbClr val="000000"/>
+              </a:buClr>
+              <a:buFont typeface="Arial"/>
+              <a:buNone/>
+            </a:pPr>
+            <a:r>
+              <a:rPr lang="en" sz="1200" b="0" i="0" u="none" strike="noStrike" cap="none">
+                <a:solidFill>
+                  <a:srgbClr val="000000"/>
+                </a:solidFill>
+                <a:latin typeface="Arial"/>
+                <a:ea typeface="Arial"/>
+                <a:cs typeface="Arial"/>
+                <a:sym typeface="Arial"/>
+              </a:rPr>
+              <a:t>         [</a:t>
+            </a:r>
+            <a:r>
+              <a:rPr lang="en" sz="1200" b="0" i="0" u="none" strike="noStrike" cap="none">
+                <a:solidFill>
+                  <a:srgbClr val="0432FF"/>
+                </a:solidFill>
+                <a:latin typeface="Arial"/>
+                <a:ea typeface="Arial"/>
+                <a:cs typeface="Arial"/>
+                <a:sym typeface="Arial"/>
+              </a:rPr>
+              <a:t>0.0</a:t>
+            </a:r>
+            <a:r>
+              <a:rPr lang="en" sz="1200" b="0" i="0" u="none" strike="noStrike" cap="none">
+                <a:solidFill>
+                  <a:srgbClr val="000000"/>
+                </a:solidFill>
+                <a:latin typeface="Arial"/>
+                <a:ea typeface="Arial"/>
+                <a:cs typeface="Arial"/>
+                <a:sym typeface="Arial"/>
+              </a:rPr>
+              <a:t>],</a:t>
+            </a:r>
+            <a:endParaRPr sz="500"/>
+          </a:p>
+          <a:p>
+            <a:pPr marL="0" marR="0" lvl="0" indent="0" algn="l" rtl="0">
+              <a:lnSpc>
+                <a:spcPct val="100000"/>
+              </a:lnSpc>
+              <a:spcBef>
+                <a:spcPts val="0"/>
+              </a:spcBef>
+              <a:spcAft>
+                <a:spcPts val="0"/>
+              </a:spcAft>
+              <a:buClr>
+                <a:srgbClr val="000000"/>
+              </a:buClr>
+              <a:buFont typeface="Arial"/>
+              <a:buNone/>
+            </a:pPr>
+            <a:r>
+              <a:rPr lang="en" sz="1200" b="0" i="0" u="none" strike="noStrike" cap="none">
+                <a:solidFill>
+                  <a:srgbClr val="000000"/>
+                </a:solidFill>
+                <a:latin typeface="Arial"/>
+                <a:ea typeface="Arial"/>
+                <a:cs typeface="Arial"/>
+                <a:sym typeface="Arial"/>
+              </a:rPr>
+              <a:t>         [1.0]]</a:t>
+            </a:r>
+            <a:endParaRPr sz="500"/>
+          </a:p>
+        </p:txBody>
+      </p:sp>
+      <p:pic>
+        <p:nvPicPr>
+          <p:cNvPr id="213" name="Google Shape;213;p47" descr="Image"/>
+          <p:cNvPicPr preferRelativeResize="0"/>
+          <p:nvPr/>
+        </p:nvPicPr>
+        <p:blipFill rotWithShape="1">
+          <a:blip r:embed="rId3">
+            <a:alphaModFix/>
+          </a:blip>
+          <a:srcRect/>
+          <a:stretch/>
+        </p:blipFill>
+        <p:spPr>
+          <a:xfrm>
+            <a:off x="29487" y="1640665"/>
+            <a:ext cx="1590158" cy="1957073"/>
+          </a:xfrm>
+          <a:prstGeom prst="rect">
+            <a:avLst/>
+          </a:prstGeom>
+          <a:noFill/>
+          <a:ln>
+            <a:noFill/>
+          </a:ln>
+        </p:spPr>
+      </p:pic>
+      <p:sp>
+        <p:nvSpPr>
+          <p:cNvPr id="214" name="Google Shape;214;p47"/>
+          <p:cNvSpPr/>
+          <p:nvPr/>
+        </p:nvSpPr>
+        <p:spPr>
+          <a:xfrm>
+            <a:off x="6012278" y="2379061"/>
+            <a:ext cx="752700" cy="476100"/>
+          </a:xfrm>
+          <a:prstGeom prst="rect">
+            <a:avLst/>
+          </a:prstGeom>
+          <a:solidFill>
+            <a:schemeClr val="accent1"/>
+          </a:solidFill>
+          <a:ln>
+            <a:noFill/>
+          </a:ln>
+        </p:spPr>
+        <p:txBody>
+          <a:bodyPr spcFirstLastPara="1" wrap="square" lIns="26775" tIns="26775" rIns="26775" bIns="26775" anchor="ctr" anchorCtr="0">
+            <a:noAutofit/>
+          </a:bodyPr>
+          <a:lstStyle/>
+          <a:p>
+            <a:pPr marL="0" marR="0" lvl="0" indent="0" algn="ctr" rtl="0">
+              <a:lnSpc>
+                <a:spcPct val="100000"/>
+              </a:lnSpc>
+              <a:spcBef>
+                <a:spcPts val="0"/>
+              </a:spcBef>
+              <a:spcAft>
+                <a:spcPts val="0"/>
+              </a:spcAft>
+              <a:buClr>
+                <a:srgbClr val="FFFFFF"/>
+              </a:buClr>
+              <a:buFont typeface="Helvetica Neue"/>
+              <a:buNone/>
+            </a:pPr>
+            <a:r>
+              <a:rPr lang="en" sz="1100" b="0" i="0" u="none" strike="noStrike" cap="none">
+                <a:solidFill>
+                  <a:srgbClr val="FFFFFF"/>
+                </a:solidFill>
+                <a:latin typeface="Helvetica Neue"/>
+                <a:ea typeface="Helvetica Neue"/>
+                <a:cs typeface="Helvetica Neue"/>
+                <a:sym typeface="Helvetica Neue"/>
+              </a:rPr>
+              <a:t>Linear</a:t>
+            </a:r>
+            <a:endParaRPr sz="500"/>
+          </a:p>
+        </p:txBody>
+      </p:sp>
+      <p:pic>
+        <p:nvPicPr>
+          <p:cNvPr id="215" name="Google Shape;215;p47" descr="Image"/>
+          <p:cNvPicPr preferRelativeResize="0"/>
+          <p:nvPr/>
+        </p:nvPicPr>
+        <p:blipFill rotWithShape="1">
+          <a:blip r:embed="rId4">
+            <a:alphaModFix/>
+          </a:blip>
+          <a:srcRect/>
+          <a:stretch/>
+        </p:blipFill>
+        <p:spPr>
+          <a:xfrm>
+            <a:off x="8290567" y="2401464"/>
+            <a:ext cx="291196" cy="431444"/>
+          </a:xfrm>
+          <a:prstGeom prst="rect">
+            <a:avLst/>
+          </a:prstGeom>
+          <a:noFill/>
+          <a:ln>
+            <a:noFill/>
+          </a:ln>
+        </p:spPr>
+      </p:pic>
+      <p:cxnSp>
+        <p:nvCxnSpPr>
+          <p:cNvPr id="216" name="Google Shape;216;p47"/>
+          <p:cNvCxnSpPr/>
+          <p:nvPr/>
+        </p:nvCxnSpPr>
+        <p:spPr>
+          <a:xfrm>
+            <a:off x="5558915" y="2479074"/>
+            <a:ext cx="413400" cy="0"/>
+          </a:xfrm>
+          <a:prstGeom prst="straightConnector1">
+            <a:avLst/>
+          </a:prstGeom>
+          <a:noFill/>
+          <a:ln w="25400" cap="flat" cmpd="sng">
+            <a:solidFill>
+              <a:srgbClr val="000000"/>
+            </a:solidFill>
+            <a:prstDash val="solid"/>
+            <a:miter lim="400000"/>
+            <a:headEnd type="none" w="sm" len="sm"/>
+            <a:tailEnd type="triangle" w="med" len="med"/>
+          </a:ln>
+        </p:spPr>
+      </p:cxnSp>
+      <p:cxnSp>
+        <p:nvCxnSpPr>
+          <p:cNvPr id="217" name="Google Shape;217;p47"/>
+          <p:cNvCxnSpPr/>
+          <p:nvPr/>
+        </p:nvCxnSpPr>
+        <p:spPr>
+          <a:xfrm>
+            <a:off x="6795362" y="2617186"/>
+            <a:ext cx="413400" cy="0"/>
+          </a:xfrm>
+          <a:prstGeom prst="straightConnector1">
+            <a:avLst/>
+          </a:prstGeom>
+          <a:noFill/>
+          <a:ln w="25400" cap="flat" cmpd="sng">
+            <a:solidFill>
+              <a:srgbClr val="000000"/>
+            </a:solidFill>
+            <a:prstDash val="solid"/>
+            <a:miter lim="400000"/>
+            <a:headEnd type="none" w="sm" len="sm"/>
+            <a:tailEnd type="triangle" w="med" len="med"/>
+          </a:ln>
+        </p:spPr>
+      </p:cxnSp>
+      <p:sp>
+        <p:nvSpPr>
+          <p:cNvPr id="218" name="Google Shape;218;p47"/>
+          <p:cNvSpPr/>
+          <p:nvPr/>
+        </p:nvSpPr>
+        <p:spPr>
+          <a:xfrm>
+            <a:off x="7235173" y="2379061"/>
+            <a:ext cx="623400" cy="476100"/>
+          </a:xfrm>
+          <a:prstGeom prst="rect">
+            <a:avLst/>
+          </a:prstGeom>
+          <a:solidFill>
+            <a:srgbClr val="F3B802"/>
+          </a:solidFill>
+          <a:ln>
+            <a:noFill/>
+          </a:ln>
+        </p:spPr>
+        <p:txBody>
+          <a:bodyPr spcFirstLastPara="1" wrap="square" lIns="26775" tIns="26775" rIns="26775" bIns="26775" anchor="ctr" anchorCtr="0">
+            <a:noAutofit/>
+          </a:bodyPr>
+          <a:lstStyle/>
+          <a:p>
+            <a:pPr marL="0" marR="0" lvl="0" indent="0" algn="ctr" rtl="0">
+              <a:lnSpc>
+                <a:spcPct val="100000"/>
+              </a:lnSpc>
+              <a:spcBef>
+                <a:spcPts val="0"/>
+              </a:spcBef>
+              <a:spcAft>
+                <a:spcPts val="0"/>
+              </a:spcAft>
+              <a:buClr>
+                <a:srgbClr val="FFFFFF"/>
+              </a:buClr>
+              <a:buFont typeface="Helvetica Neue"/>
+              <a:buNone/>
+            </a:pPr>
+            <a:r>
+              <a:rPr lang="en" sz="1100" b="0" i="0" u="none" strike="noStrike" cap="none">
+                <a:solidFill>
+                  <a:srgbClr val="FFFFFF"/>
+                </a:solidFill>
+                <a:latin typeface="Helvetica Neue"/>
+                <a:ea typeface="Helvetica Neue"/>
+                <a:cs typeface="Helvetica Neue"/>
+                <a:sym typeface="Helvetica Neue"/>
+              </a:rPr>
+              <a:t>Sigmoid</a:t>
+            </a:r>
+            <a:endParaRPr sz="500"/>
+          </a:p>
+        </p:txBody>
+      </p:sp>
+      <p:cxnSp>
+        <p:nvCxnSpPr>
+          <p:cNvPr id="219" name="Google Shape;219;p47"/>
+          <p:cNvCxnSpPr/>
+          <p:nvPr/>
+        </p:nvCxnSpPr>
+        <p:spPr>
+          <a:xfrm>
+            <a:off x="7886733" y="2617186"/>
+            <a:ext cx="413400" cy="0"/>
+          </a:xfrm>
+          <a:prstGeom prst="straightConnector1">
+            <a:avLst/>
+          </a:prstGeom>
+          <a:noFill/>
+          <a:ln w="25400" cap="flat" cmpd="sng">
+            <a:solidFill>
+              <a:srgbClr val="000000"/>
+            </a:solidFill>
+            <a:prstDash val="solid"/>
+            <a:miter lim="400000"/>
+            <a:headEnd type="none" w="sm" len="sm"/>
+            <a:tailEnd type="triangle" w="med" len="med"/>
+          </a:ln>
+        </p:spPr>
+      </p:cxnSp>
+      <p:cxnSp>
+        <p:nvCxnSpPr>
+          <p:cNvPr id="220" name="Google Shape;220;p47"/>
+          <p:cNvCxnSpPr/>
+          <p:nvPr/>
+        </p:nvCxnSpPr>
+        <p:spPr>
+          <a:xfrm>
+            <a:off x="5554153" y="2764824"/>
+            <a:ext cx="413400" cy="0"/>
+          </a:xfrm>
+          <a:prstGeom prst="straightConnector1">
+            <a:avLst/>
+          </a:prstGeom>
+          <a:noFill/>
+          <a:ln w="25400" cap="flat" cmpd="sng">
+            <a:solidFill>
+              <a:srgbClr val="000000"/>
+            </a:solidFill>
+            <a:prstDash val="solid"/>
+            <a:miter lim="400000"/>
+            <a:headEnd type="none" w="sm" len="sm"/>
+            <a:tailEnd type="triangle" w="med" len="med"/>
+          </a:ln>
+        </p:spPr>
+      </p:cxnSp>
+      <p:pic>
+        <p:nvPicPr>
+          <p:cNvPr id="221" name="Google Shape;221;p47" descr="Image"/>
+          <p:cNvPicPr preferRelativeResize="0"/>
+          <p:nvPr/>
+        </p:nvPicPr>
+        <p:blipFill rotWithShape="1">
+          <a:blip r:embed="rId5">
+            <a:alphaModFix/>
+          </a:blip>
+          <a:srcRect/>
+          <a:stretch/>
+        </p:blipFill>
+        <p:spPr>
+          <a:xfrm>
+            <a:off x="5349598" y="2415650"/>
+            <a:ext cx="132766" cy="132766"/>
+          </a:xfrm>
+          <a:prstGeom prst="rect">
+            <a:avLst/>
+          </a:prstGeom>
+          <a:noFill/>
+          <a:ln>
+            <a:noFill/>
+          </a:ln>
+        </p:spPr>
+      </p:pic>
+      <p:pic>
+        <p:nvPicPr>
+          <p:cNvPr id="222" name="Google Shape;222;p47" descr="Image"/>
+          <p:cNvPicPr preferRelativeResize="0"/>
+          <p:nvPr/>
+        </p:nvPicPr>
+        <p:blipFill rotWithShape="1">
+          <a:blip r:embed="rId6">
+            <a:alphaModFix/>
+          </a:blip>
+          <a:srcRect/>
+          <a:stretch/>
+        </p:blipFill>
+        <p:spPr>
+          <a:xfrm>
+            <a:off x="5365676" y="2643683"/>
+            <a:ext cx="112168" cy="208304"/>
+          </a:xfrm>
+          <a:prstGeom prst="rect">
+            <a:avLst/>
+          </a:prstGeom>
+          <a:noFill/>
+          <a:ln>
+            <a:noFill/>
+          </a:ln>
+        </p:spPr>
+      </p:pic>
+    </p:spTree>
+  </p:cSld>
+  <p:clrMapOvr>
+    <a:masterClrMapping/>
+  </p:clrMapOvr>
+</p:sld>
+</file>
+
+<file path=ppt/slides/slide11.xml><?xml version="1.0" encoding="utf-8"?>
+<p:sld xmlns:a="http://schemas.openxmlformats.org/drawingml/2006/main" xmlns:r="http://schemas.openxmlformats.org/officeDocument/2006/relationships" xmlns:p="http://schemas.openxmlformats.org/presentationml/2006/main">
+  <p:cSld>
+    <p:spTree>
+      <p:nvGrpSpPr>
+        <p:cNvPr id="1" name="Shape 226"/>
+        <p:cNvGrpSpPr/>
+        <p:nvPr/>
+      </p:nvGrpSpPr>
+      <p:grpSpPr>
+        <a:xfrm>
+          <a:off x="0" y="0"/>
+          <a:ext cx="0" cy="0"/>
+          <a:chOff x="0" y="0"/>
+          <a:chExt cx="0" cy="0"/>
+        </a:xfrm>
+      </p:grpSpPr>
+      <p:sp>
+        <p:nvSpPr>
+          <p:cNvPr id="227" name="Google Shape;227;p48"/>
+          <p:cNvSpPr txBox="1">
+            <a:spLocks noGrp="1"/>
+          </p:cNvSpPr>
+          <p:nvPr>
+            <p:ph type="title"/>
+          </p:nvPr>
+        </p:nvSpPr>
+        <p:spPr>
+          <a:xfrm>
+            <a:off x="431625" y="299221"/>
+            <a:ext cx="8280900" cy="1239000"/>
+          </a:xfrm>
+          <a:prstGeom prst="rect">
+            <a:avLst/>
+          </a:prstGeom>
+          <a:noFill/>
+          <a:ln>
+            <a:noFill/>
+          </a:ln>
+        </p:spPr>
+        <p:txBody>
+          <a:bodyPr spcFirstLastPara="1" wrap="square" lIns="20100" tIns="20100" rIns="20100" bIns="20100" anchor="ctr" anchorCtr="0">
+            <a:noAutofit/>
+          </a:bodyPr>
+          <a:lstStyle/>
+          <a:p>
+            <a:pPr marL="0" marR="0" lvl="0" indent="0" algn="ctr" rtl="0">
+              <a:lnSpc>
+                <a:spcPct val="100000"/>
+              </a:lnSpc>
+              <a:spcBef>
+                <a:spcPts val="0"/>
+              </a:spcBef>
+              <a:spcAft>
+                <a:spcPts val="0"/>
+              </a:spcAft>
+              <a:buClr>
+                <a:srgbClr val="000000"/>
+              </a:buClr>
+              <a:buFont typeface="Gill Sans"/>
+              <a:buNone/>
+            </a:pPr>
+            <a:r>
+              <a:rPr lang="en" sz="3400" b="0" i="0" u="none" strike="noStrike" cap="none">
+                <a:solidFill>
+                  <a:srgbClr val="000000"/>
+                </a:solidFill>
+                <a:latin typeface="Gill Sans"/>
+                <a:ea typeface="Gill Sans"/>
+                <a:cs typeface="Gill Sans"/>
+                <a:sym typeface="Gill Sans"/>
+              </a:rPr>
+              <a:t>Matrix Multiplication</a:t>
+            </a:r>
+            <a:endParaRPr/>
+          </a:p>
+        </p:txBody>
+      </p:sp>
+      <p:sp>
+        <p:nvSpPr>
+          <p:cNvPr id="228" name="Google Shape;228;p48"/>
+          <p:cNvSpPr/>
+          <p:nvPr/>
+        </p:nvSpPr>
+        <p:spPr>
+          <a:xfrm>
+            <a:off x="5990914" y="1871662"/>
+            <a:ext cx="752700" cy="476100"/>
+          </a:xfrm>
+          <a:prstGeom prst="rect">
+            <a:avLst/>
+          </a:prstGeom>
+          <a:solidFill>
+            <a:schemeClr val="accent1"/>
+          </a:solidFill>
+          <a:ln>
+            <a:noFill/>
+          </a:ln>
+        </p:spPr>
+        <p:txBody>
+          <a:bodyPr spcFirstLastPara="1" wrap="square" lIns="26775" tIns="26775" rIns="26775" bIns="26775" anchor="ctr" anchorCtr="0">
+            <a:noAutofit/>
+          </a:bodyPr>
+          <a:lstStyle/>
+          <a:p>
+            <a:pPr marL="0" marR="0" lvl="0" indent="0" algn="ctr" rtl="0">
+              <a:lnSpc>
+                <a:spcPct val="100000"/>
+              </a:lnSpc>
+              <a:spcBef>
+                <a:spcPts val="0"/>
+              </a:spcBef>
+              <a:spcAft>
+                <a:spcPts val="0"/>
+              </a:spcAft>
+              <a:buClr>
+                <a:srgbClr val="FFFFFF"/>
+              </a:buClr>
+              <a:buFont typeface="Helvetica Neue"/>
+              <a:buNone/>
+            </a:pPr>
+            <a:r>
+              <a:rPr lang="en" sz="1100" b="0" i="0" u="none" strike="noStrike" cap="none">
+                <a:solidFill>
+                  <a:srgbClr val="FFFFFF"/>
+                </a:solidFill>
+                <a:latin typeface="Helvetica Neue"/>
+                <a:ea typeface="Helvetica Neue"/>
+                <a:cs typeface="Helvetica Neue"/>
+                <a:sym typeface="Helvetica Neue"/>
+              </a:rPr>
+              <a:t>Linear</a:t>
+            </a:r>
+            <a:endParaRPr sz="500"/>
+          </a:p>
+        </p:txBody>
+      </p:sp>
+      <p:pic>
+        <p:nvPicPr>
+          <p:cNvPr id="229" name="Google Shape;229;p48" descr="Image"/>
+          <p:cNvPicPr preferRelativeResize="0"/>
+          <p:nvPr/>
+        </p:nvPicPr>
+        <p:blipFill rotWithShape="1">
+          <a:blip r:embed="rId3">
+            <a:alphaModFix/>
+          </a:blip>
+          <a:srcRect/>
+          <a:stretch/>
+        </p:blipFill>
+        <p:spPr>
+          <a:xfrm>
+            <a:off x="8269204" y="1894065"/>
+            <a:ext cx="291196" cy="431444"/>
+          </a:xfrm>
+          <a:prstGeom prst="rect">
+            <a:avLst/>
+          </a:prstGeom>
+          <a:noFill/>
+          <a:ln>
+            <a:noFill/>
+          </a:ln>
+        </p:spPr>
+      </p:pic>
+      <p:cxnSp>
+        <p:nvCxnSpPr>
+          <p:cNvPr id="230" name="Google Shape;230;p48"/>
+          <p:cNvCxnSpPr/>
+          <p:nvPr/>
+        </p:nvCxnSpPr>
+        <p:spPr>
+          <a:xfrm>
+            <a:off x="5537551" y="1971675"/>
+            <a:ext cx="413400" cy="0"/>
+          </a:xfrm>
+          <a:prstGeom prst="straightConnector1">
+            <a:avLst/>
+          </a:prstGeom>
+          <a:noFill/>
+          <a:ln w="25400" cap="flat" cmpd="sng">
+            <a:solidFill>
+              <a:srgbClr val="000000"/>
+            </a:solidFill>
+            <a:prstDash val="solid"/>
+            <a:miter lim="400000"/>
+            <a:headEnd type="none" w="sm" len="sm"/>
+            <a:tailEnd type="triangle" w="med" len="med"/>
+          </a:ln>
+        </p:spPr>
+      </p:cxnSp>
+      <p:cxnSp>
+        <p:nvCxnSpPr>
+          <p:cNvPr id="231" name="Google Shape;231;p48"/>
+          <p:cNvCxnSpPr/>
+          <p:nvPr/>
+        </p:nvCxnSpPr>
+        <p:spPr>
+          <a:xfrm>
+            <a:off x="6773998" y="2109787"/>
+            <a:ext cx="413400" cy="0"/>
+          </a:xfrm>
+          <a:prstGeom prst="straightConnector1">
+            <a:avLst/>
+          </a:prstGeom>
+          <a:noFill/>
+          <a:ln w="25400" cap="flat" cmpd="sng">
+            <a:solidFill>
+              <a:srgbClr val="000000"/>
+            </a:solidFill>
+            <a:prstDash val="solid"/>
+            <a:miter lim="400000"/>
+            <a:headEnd type="none" w="sm" len="sm"/>
+            <a:tailEnd type="triangle" w="med" len="med"/>
+          </a:ln>
+        </p:spPr>
+      </p:cxnSp>
+      <p:sp>
+        <p:nvSpPr>
+          <p:cNvPr id="232" name="Google Shape;232;p48"/>
+          <p:cNvSpPr/>
+          <p:nvPr/>
+        </p:nvSpPr>
+        <p:spPr>
+          <a:xfrm>
+            <a:off x="7213808" y="1871662"/>
+            <a:ext cx="623400" cy="476100"/>
+          </a:xfrm>
+          <a:prstGeom prst="rect">
+            <a:avLst/>
+          </a:prstGeom>
+          <a:solidFill>
+            <a:srgbClr val="F3B802"/>
+          </a:solidFill>
+          <a:ln>
+            <a:noFill/>
+          </a:ln>
+        </p:spPr>
+        <p:txBody>
+          <a:bodyPr spcFirstLastPara="1" wrap="square" lIns="26775" tIns="26775" rIns="26775" bIns="26775" anchor="ctr" anchorCtr="0">
+            <a:noAutofit/>
+          </a:bodyPr>
+          <a:lstStyle/>
+          <a:p>
+            <a:pPr marL="0" marR="0" lvl="0" indent="0" algn="ctr" rtl="0">
+              <a:lnSpc>
+                <a:spcPct val="100000"/>
+              </a:lnSpc>
+              <a:spcBef>
+                <a:spcPts val="0"/>
+              </a:spcBef>
+              <a:spcAft>
+                <a:spcPts val="0"/>
+              </a:spcAft>
+              <a:buClr>
+                <a:srgbClr val="FFFFFF"/>
+              </a:buClr>
+              <a:buFont typeface="Helvetica Neue"/>
+              <a:buNone/>
+            </a:pPr>
+            <a:r>
+              <a:rPr lang="en" sz="1100" b="0" i="0" u="none" strike="noStrike" cap="none">
+                <a:solidFill>
+                  <a:srgbClr val="FFFFFF"/>
+                </a:solidFill>
+                <a:latin typeface="Helvetica Neue"/>
+                <a:ea typeface="Helvetica Neue"/>
+                <a:cs typeface="Helvetica Neue"/>
+                <a:sym typeface="Helvetica Neue"/>
+              </a:rPr>
+              <a:t>Sigmoid</a:t>
+            </a:r>
+            <a:endParaRPr sz="500"/>
+          </a:p>
+        </p:txBody>
+      </p:sp>
+      <p:cxnSp>
+        <p:nvCxnSpPr>
+          <p:cNvPr id="233" name="Google Shape;233;p48"/>
+          <p:cNvCxnSpPr/>
+          <p:nvPr/>
+        </p:nvCxnSpPr>
+        <p:spPr>
+          <a:xfrm>
+            <a:off x="7865370" y="2109787"/>
+            <a:ext cx="413400" cy="0"/>
+          </a:xfrm>
+          <a:prstGeom prst="straightConnector1">
+            <a:avLst/>
+          </a:prstGeom>
+          <a:noFill/>
+          <a:ln w="25400" cap="flat" cmpd="sng">
+            <a:solidFill>
+              <a:srgbClr val="000000"/>
+            </a:solidFill>
+            <a:prstDash val="solid"/>
+            <a:miter lim="400000"/>
+            <a:headEnd type="none" w="sm" len="sm"/>
+            <a:tailEnd type="triangle" w="med" len="med"/>
+          </a:ln>
+        </p:spPr>
+      </p:cxnSp>
+      <p:cxnSp>
+        <p:nvCxnSpPr>
+          <p:cNvPr id="234" name="Google Shape;234;p48"/>
+          <p:cNvCxnSpPr/>
+          <p:nvPr/>
+        </p:nvCxnSpPr>
+        <p:spPr>
+          <a:xfrm>
+            <a:off x="5532788" y="2257425"/>
+            <a:ext cx="413400" cy="0"/>
+          </a:xfrm>
+          <a:prstGeom prst="straightConnector1">
+            <a:avLst/>
+          </a:prstGeom>
+          <a:noFill/>
+          <a:ln w="25400" cap="flat" cmpd="sng">
+            <a:solidFill>
+              <a:srgbClr val="000000"/>
+            </a:solidFill>
+            <a:prstDash val="solid"/>
+            <a:miter lim="400000"/>
+            <a:headEnd type="none" w="sm" len="sm"/>
+            <a:tailEnd type="triangle" w="med" len="med"/>
+          </a:ln>
+        </p:spPr>
+      </p:cxnSp>
+      <p:sp>
+        <p:nvSpPr>
+          <p:cNvPr id="235" name="Google Shape;235;p48"/>
+          <p:cNvSpPr txBox="1"/>
+          <p:nvPr/>
+        </p:nvSpPr>
+        <p:spPr>
+          <a:xfrm>
+            <a:off x="391932" y="1721048"/>
+            <a:ext cx="2076900" cy="777600"/>
+          </a:xfrm>
+          <a:prstGeom prst="rect">
+            <a:avLst/>
+          </a:prstGeom>
+          <a:noFill/>
+          <a:ln>
+            <a:noFill/>
+          </a:ln>
+        </p:spPr>
+        <p:txBody>
+          <a:bodyPr spcFirstLastPara="1" wrap="square" lIns="26775" tIns="26775" rIns="26775" bIns="26775" anchor="ctr" anchorCtr="0">
+            <a:noAutofit/>
+          </a:bodyPr>
+          <a:lstStyle/>
+          <a:p>
+            <a:pPr marL="0" marR="0" lvl="0" indent="0" algn="l" rtl="0">
+              <a:lnSpc>
+                <a:spcPct val="100000"/>
+              </a:lnSpc>
+              <a:spcBef>
+                <a:spcPts val="0"/>
+              </a:spcBef>
+              <a:spcAft>
+                <a:spcPts val="0"/>
+              </a:spcAft>
+              <a:buClr>
+                <a:srgbClr val="000000"/>
+              </a:buClr>
+              <a:buFont typeface="Arial"/>
+              <a:buNone/>
+            </a:pPr>
+            <a:r>
+              <a:rPr lang="en" sz="1200" b="0" i="0" u="none" strike="noStrike" cap="none">
+                <a:solidFill>
+                  <a:srgbClr val="000000"/>
+                </a:solidFill>
+                <a:latin typeface="Arial"/>
+                <a:ea typeface="Arial"/>
+                <a:cs typeface="Arial"/>
+                <a:sym typeface="Arial"/>
+              </a:rPr>
+              <a:t>x_data =[[</a:t>
+            </a:r>
+            <a:r>
+              <a:rPr lang="en" sz="1200" b="0" i="0" u="none" strike="noStrike" cap="none">
+                <a:solidFill>
+                  <a:srgbClr val="0432FF"/>
+                </a:solidFill>
+                <a:latin typeface="Arial"/>
+                <a:ea typeface="Arial"/>
+                <a:cs typeface="Arial"/>
+                <a:sym typeface="Arial"/>
+              </a:rPr>
+              <a:t>2.1, 0.1</a:t>
+            </a:r>
+            <a:r>
+              <a:rPr lang="en" sz="1200" b="0" i="0" u="none" strike="noStrike" cap="none">
+                <a:solidFill>
+                  <a:srgbClr val="000000"/>
+                </a:solidFill>
+                <a:latin typeface="Arial"/>
+                <a:ea typeface="Arial"/>
+                <a:cs typeface="Arial"/>
+                <a:sym typeface="Arial"/>
+              </a:rPr>
+              <a:t>], </a:t>
+            </a:r>
+            <a:endParaRPr sz="500"/>
+          </a:p>
+          <a:p>
+            <a:pPr marL="0" marR="0" lvl="0" indent="0" algn="l" rtl="0">
+              <a:lnSpc>
+                <a:spcPct val="100000"/>
+              </a:lnSpc>
+              <a:spcBef>
+                <a:spcPts val="0"/>
+              </a:spcBef>
+              <a:spcAft>
+                <a:spcPts val="0"/>
+              </a:spcAft>
+              <a:buClr>
+                <a:srgbClr val="000000"/>
+              </a:buClr>
+              <a:buFont typeface="Arial"/>
+              <a:buNone/>
+            </a:pPr>
+            <a:r>
+              <a:rPr lang="en" sz="1200" b="0" i="0" u="none" strike="noStrike" cap="none">
+                <a:solidFill>
+                  <a:srgbClr val="000000"/>
+                </a:solidFill>
+                <a:latin typeface="Arial"/>
+                <a:ea typeface="Arial"/>
+                <a:cs typeface="Arial"/>
+                <a:sym typeface="Arial"/>
+              </a:rPr>
+              <a:t>         [</a:t>
+            </a:r>
+            <a:r>
+              <a:rPr lang="en" sz="1200" b="0" i="0" u="none" strike="noStrike" cap="none">
+                <a:solidFill>
+                  <a:srgbClr val="0432FF"/>
+                </a:solidFill>
+                <a:latin typeface="Arial"/>
+                <a:ea typeface="Arial"/>
+                <a:cs typeface="Arial"/>
+                <a:sym typeface="Arial"/>
+              </a:rPr>
+              <a:t>4.2, 0.8</a:t>
+            </a:r>
+            <a:r>
+              <a:rPr lang="en" sz="1200" b="0" i="0" u="none" strike="noStrike" cap="none">
+                <a:solidFill>
+                  <a:srgbClr val="000000"/>
+                </a:solidFill>
+                <a:latin typeface="Arial"/>
+                <a:ea typeface="Arial"/>
+                <a:cs typeface="Arial"/>
+                <a:sym typeface="Arial"/>
+              </a:rPr>
+              <a:t>], </a:t>
+            </a:r>
+            <a:endParaRPr sz="500"/>
+          </a:p>
+          <a:p>
+            <a:pPr marL="0" marR="0" lvl="0" indent="0" algn="l" rtl="0">
+              <a:lnSpc>
+                <a:spcPct val="100000"/>
+              </a:lnSpc>
+              <a:spcBef>
+                <a:spcPts val="0"/>
+              </a:spcBef>
+              <a:spcAft>
+                <a:spcPts val="0"/>
+              </a:spcAft>
+              <a:buClr>
+                <a:srgbClr val="000000"/>
+              </a:buClr>
+              <a:buFont typeface="Arial"/>
+              <a:buNone/>
+            </a:pPr>
+            <a:r>
+              <a:rPr lang="en" sz="1200" b="0" i="0" u="none" strike="noStrike" cap="none">
+                <a:solidFill>
+                  <a:srgbClr val="000000"/>
+                </a:solidFill>
+                <a:latin typeface="Arial"/>
+                <a:ea typeface="Arial"/>
+                <a:cs typeface="Arial"/>
+                <a:sym typeface="Arial"/>
+              </a:rPr>
+              <a:t>         [</a:t>
+            </a:r>
+            <a:r>
+              <a:rPr lang="en" sz="1200" b="0" i="0" u="none" strike="noStrike" cap="none">
+                <a:solidFill>
+                  <a:srgbClr val="0432FF"/>
+                </a:solidFill>
+                <a:latin typeface="Arial"/>
+                <a:ea typeface="Arial"/>
+                <a:cs typeface="Arial"/>
+                <a:sym typeface="Arial"/>
+              </a:rPr>
+              <a:t>3.1, 0.9</a:t>
+            </a:r>
+            <a:r>
+              <a:rPr lang="en" sz="1200" b="0" i="0" u="none" strike="noStrike" cap="none">
+                <a:solidFill>
+                  <a:srgbClr val="000000"/>
+                </a:solidFill>
+                <a:latin typeface="Arial"/>
+                <a:ea typeface="Arial"/>
+                <a:cs typeface="Arial"/>
+                <a:sym typeface="Arial"/>
+              </a:rPr>
+              <a:t>],</a:t>
+            </a:r>
+            <a:endParaRPr sz="500"/>
+          </a:p>
+          <a:p>
+            <a:pPr marL="0" marR="0" lvl="0" indent="0" algn="l" rtl="0">
+              <a:lnSpc>
+                <a:spcPct val="100000"/>
+              </a:lnSpc>
+              <a:spcBef>
+                <a:spcPts val="0"/>
+              </a:spcBef>
+              <a:spcAft>
+                <a:spcPts val="0"/>
+              </a:spcAft>
+              <a:buClr>
+                <a:srgbClr val="000000"/>
+              </a:buClr>
+              <a:buFont typeface="Arial"/>
+              <a:buNone/>
+            </a:pPr>
+            <a:r>
+              <a:rPr lang="en" sz="1200" b="0" i="0" u="none" strike="noStrike" cap="none">
+                <a:solidFill>
+                  <a:srgbClr val="000000"/>
+                </a:solidFill>
+                <a:latin typeface="Arial"/>
+                <a:ea typeface="Arial"/>
+                <a:cs typeface="Arial"/>
+                <a:sym typeface="Arial"/>
+              </a:rPr>
+              <a:t>         [</a:t>
+            </a:r>
+            <a:r>
+              <a:rPr lang="en" sz="1200" b="0" i="0" u="none" strike="noStrike" cap="none">
+                <a:solidFill>
+                  <a:srgbClr val="0432FF"/>
+                </a:solidFill>
+                <a:latin typeface="Arial"/>
+                <a:ea typeface="Arial"/>
+                <a:cs typeface="Arial"/>
+                <a:sym typeface="Arial"/>
+              </a:rPr>
+              <a:t>3.3, 0.2</a:t>
+            </a:r>
+            <a:r>
+              <a:rPr lang="en" sz="1200" b="0" i="0" u="none" strike="noStrike" cap="none">
+                <a:solidFill>
+                  <a:srgbClr val="000000"/>
+                </a:solidFill>
+                <a:latin typeface="Arial"/>
+                <a:ea typeface="Arial"/>
+                <a:cs typeface="Arial"/>
+                <a:sym typeface="Arial"/>
+              </a:rPr>
+              <a:t>]]</a:t>
+            </a:r>
+            <a:endParaRPr sz="500"/>
+          </a:p>
+        </p:txBody>
+      </p:sp>
+      <p:sp>
+        <p:nvSpPr>
+          <p:cNvPr id="236" name="Google Shape;236;p48"/>
+          <p:cNvSpPr txBox="1"/>
+          <p:nvPr/>
+        </p:nvSpPr>
+        <p:spPr>
+          <a:xfrm>
+            <a:off x="2656568" y="1721048"/>
+            <a:ext cx="1618200" cy="777600"/>
+          </a:xfrm>
+          <a:prstGeom prst="rect">
+            <a:avLst/>
+          </a:prstGeom>
+          <a:noFill/>
+          <a:ln>
+            <a:noFill/>
+          </a:ln>
+        </p:spPr>
+        <p:txBody>
+          <a:bodyPr spcFirstLastPara="1" wrap="square" lIns="26775" tIns="26775" rIns="26775" bIns="26775" anchor="ctr" anchorCtr="0">
+            <a:noAutofit/>
+          </a:bodyPr>
+          <a:lstStyle/>
+          <a:p>
+            <a:pPr marL="0" marR="0" lvl="0" indent="0" algn="l" rtl="0">
+              <a:lnSpc>
+                <a:spcPct val="100000"/>
+              </a:lnSpc>
+              <a:spcBef>
+                <a:spcPts val="0"/>
+              </a:spcBef>
+              <a:spcAft>
+                <a:spcPts val="0"/>
+              </a:spcAft>
+              <a:buClr>
+                <a:srgbClr val="000000"/>
+              </a:buClr>
+              <a:buFont typeface="Arial"/>
+              <a:buNone/>
+            </a:pPr>
+            <a:r>
+              <a:rPr lang="en" sz="1200" b="0" i="0" u="none" strike="noStrike" cap="none">
+                <a:solidFill>
+                  <a:srgbClr val="000000"/>
+                </a:solidFill>
+                <a:latin typeface="Arial"/>
+                <a:ea typeface="Arial"/>
+                <a:cs typeface="Arial"/>
+                <a:sym typeface="Arial"/>
+              </a:rPr>
+              <a:t>y_data =[[</a:t>
+            </a:r>
+            <a:r>
+              <a:rPr lang="en" sz="1200" b="0" i="0" u="none" strike="noStrike" cap="none">
+                <a:solidFill>
+                  <a:srgbClr val="0432FF"/>
+                </a:solidFill>
+                <a:latin typeface="Arial"/>
+                <a:ea typeface="Arial"/>
+                <a:cs typeface="Arial"/>
+                <a:sym typeface="Arial"/>
+              </a:rPr>
+              <a:t>0.0</a:t>
+            </a:r>
+            <a:r>
+              <a:rPr lang="en" sz="1200" b="0" i="0" u="none" strike="noStrike" cap="none">
+                <a:solidFill>
+                  <a:srgbClr val="000000"/>
+                </a:solidFill>
+                <a:latin typeface="Arial"/>
+                <a:ea typeface="Arial"/>
+                <a:cs typeface="Arial"/>
+                <a:sym typeface="Arial"/>
+              </a:rPr>
+              <a:t>], </a:t>
+            </a:r>
+            <a:endParaRPr sz="500"/>
+          </a:p>
+          <a:p>
+            <a:pPr marL="0" marR="0" lvl="0" indent="0" algn="l" rtl="0">
+              <a:lnSpc>
+                <a:spcPct val="100000"/>
+              </a:lnSpc>
+              <a:spcBef>
+                <a:spcPts val="0"/>
+              </a:spcBef>
+              <a:spcAft>
+                <a:spcPts val="0"/>
+              </a:spcAft>
+              <a:buClr>
+                <a:srgbClr val="000000"/>
+              </a:buClr>
+              <a:buFont typeface="Arial"/>
+              <a:buNone/>
+            </a:pPr>
+            <a:r>
+              <a:rPr lang="en" sz="1200" b="0" i="0" u="none" strike="noStrike" cap="none">
+                <a:solidFill>
+                  <a:srgbClr val="000000"/>
+                </a:solidFill>
+                <a:latin typeface="Arial"/>
+                <a:ea typeface="Arial"/>
+                <a:cs typeface="Arial"/>
+                <a:sym typeface="Arial"/>
+              </a:rPr>
+              <a:t>         [</a:t>
+            </a:r>
+            <a:r>
+              <a:rPr lang="en" sz="1200" b="0" i="0" u="none" strike="noStrike" cap="none">
+                <a:solidFill>
+                  <a:srgbClr val="0432FF"/>
+                </a:solidFill>
+                <a:latin typeface="Arial"/>
+                <a:ea typeface="Arial"/>
+                <a:cs typeface="Arial"/>
+                <a:sym typeface="Arial"/>
+              </a:rPr>
+              <a:t>1.0</a:t>
+            </a:r>
+            <a:r>
+              <a:rPr lang="en" sz="1200" b="0" i="0" u="none" strike="noStrike" cap="none">
+                <a:solidFill>
+                  <a:srgbClr val="000000"/>
+                </a:solidFill>
+                <a:latin typeface="Arial"/>
+                <a:ea typeface="Arial"/>
+                <a:cs typeface="Arial"/>
+                <a:sym typeface="Arial"/>
+              </a:rPr>
+              <a:t>], </a:t>
+            </a:r>
+            <a:endParaRPr sz="500"/>
+          </a:p>
+          <a:p>
+            <a:pPr marL="0" marR="0" lvl="0" indent="0" algn="l" rtl="0">
+              <a:lnSpc>
+                <a:spcPct val="100000"/>
+              </a:lnSpc>
+              <a:spcBef>
+                <a:spcPts val="0"/>
+              </a:spcBef>
+              <a:spcAft>
+                <a:spcPts val="0"/>
+              </a:spcAft>
+              <a:buClr>
+                <a:srgbClr val="000000"/>
+              </a:buClr>
+              <a:buFont typeface="Arial"/>
+              <a:buNone/>
+            </a:pPr>
+            <a:r>
+              <a:rPr lang="en" sz="1200" b="0" i="0" u="none" strike="noStrike" cap="none">
+                <a:solidFill>
+                  <a:srgbClr val="000000"/>
+                </a:solidFill>
+                <a:latin typeface="Arial"/>
+                <a:ea typeface="Arial"/>
+                <a:cs typeface="Arial"/>
+                <a:sym typeface="Arial"/>
+              </a:rPr>
+              <a:t>         [</a:t>
+            </a:r>
+            <a:r>
+              <a:rPr lang="en" sz="1200" b="0" i="0" u="none" strike="noStrike" cap="none">
+                <a:solidFill>
+                  <a:srgbClr val="0432FF"/>
+                </a:solidFill>
+                <a:latin typeface="Arial"/>
+                <a:ea typeface="Arial"/>
+                <a:cs typeface="Arial"/>
+                <a:sym typeface="Arial"/>
+              </a:rPr>
+              <a:t>0.0</a:t>
+            </a:r>
+            <a:r>
+              <a:rPr lang="en" sz="1200" b="0" i="0" u="none" strike="noStrike" cap="none">
+                <a:solidFill>
+                  <a:srgbClr val="000000"/>
+                </a:solidFill>
+                <a:latin typeface="Arial"/>
+                <a:ea typeface="Arial"/>
+                <a:cs typeface="Arial"/>
+                <a:sym typeface="Arial"/>
+              </a:rPr>
+              <a:t>],</a:t>
+            </a:r>
+            <a:endParaRPr sz="500"/>
+          </a:p>
+          <a:p>
+            <a:pPr marL="0" marR="0" lvl="0" indent="0" algn="l" rtl="0">
+              <a:lnSpc>
+                <a:spcPct val="100000"/>
+              </a:lnSpc>
+              <a:spcBef>
+                <a:spcPts val="0"/>
+              </a:spcBef>
+              <a:spcAft>
+                <a:spcPts val="0"/>
+              </a:spcAft>
+              <a:buClr>
+                <a:srgbClr val="000000"/>
+              </a:buClr>
+              <a:buFont typeface="Arial"/>
+              <a:buNone/>
+            </a:pPr>
+            <a:r>
+              <a:rPr lang="en" sz="1200" b="0" i="0" u="none" strike="noStrike" cap="none">
+                <a:solidFill>
+                  <a:srgbClr val="000000"/>
+                </a:solidFill>
+                <a:latin typeface="Arial"/>
+                <a:ea typeface="Arial"/>
+                <a:cs typeface="Arial"/>
+                <a:sym typeface="Arial"/>
+              </a:rPr>
+              <a:t>         [1.0]]</a:t>
+            </a:r>
+            <a:endParaRPr sz="500"/>
+          </a:p>
+        </p:txBody>
+      </p:sp>
+      <p:pic>
+        <p:nvPicPr>
+          <p:cNvPr id="237" name="Google Shape;237;p48" descr="Image"/>
+          <p:cNvPicPr preferRelativeResize="0"/>
+          <p:nvPr/>
+        </p:nvPicPr>
+        <p:blipFill rotWithShape="1">
+          <a:blip r:embed="rId4">
+            <a:alphaModFix/>
+          </a:blip>
+          <a:srcRect/>
+          <a:stretch/>
+        </p:blipFill>
+        <p:spPr>
+          <a:xfrm>
+            <a:off x="5328234" y="1908251"/>
+            <a:ext cx="132765" cy="132765"/>
+          </a:xfrm>
+          <a:prstGeom prst="rect">
+            <a:avLst/>
+          </a:prstGeom>
+          <a:noFill/>
+          <a:ln>
+            <a:noFill/>
+          </a:ln>
+        </p:spPr>
+      </p:pic>
+      <p:pic>
+        <p:nvPicPr>
+          <p:cNvPr id="238" name="Google Shape;238;p48" descr="Image"/>
+          <p:cNvPicPr preferRelativeResize="0"/>
+          <p:nvPr/>
+        </p:nvPicPr>
+        <p:blipFill rotWithShape="1">
+          <a:blip r:embed="rId5">
+            <a:alphaModFix/>
+          </a:blip>
+          <a:srcRect/>
+          <a:stretch/>
+        </p:blipFill>
+        <p:spPr>
+          <a:xfrm>
+            <a:off x="5344312" y="2136283"/>
+            <a:ext cx="112167" cy="208304"/>
+          </a:xfrm>
+          <a:prstGeom prst="rect">
+            <a:avLst/>
+          </a:prstGeom>
+          <a:noFill/>
+          <a:ln>
+            <a:noFill/>
+          </a:ln>
+        </p:spPr>
+      </p:pic>
+    </p:spTree>
+  </p:cSld>
+  <p:clrMapOvr>
+    <a:masterClrMapping/>
+  </p:clrMapOvr>
+</p:sld>
+</file>
+
+<file path=ppt/slides/slide12.xml><?xml version="1.0" encoding="utf-8"?>
+<p:sld xmlns:a="http://schemas.openxmlformats.org/drawingml/2006/main" xmlns:r="http://schemas.openxmlformats.org/officeDocument/2006/relationships" xmlns:p="http://schemas.openxmlformats.org/presentationml/2006/main">
+  <p:cSld>
+    <p:spTree>
+      <p:nvGrpSpPr>
         <p:cNvPr id="1" name="Shape 242"/>
         <p:cNvGrpSpPr/>
         <p:nvPr/>
@@ -23710,7 +29086,7 @@
 </p:sld>
 </file>
 
-<file path=ppt/slides/slide11.xml><?xml version="1.0" encoding="utf-8"?>
+<file path=ppt/slides/slide13.xml><?xml version="1.0" encoding="utf-8"?>
 <p:sld xmlns:a="http://schemas.openxmlformats.org/drawingml/2006/main" xmlns:r="http://schemas.openxmlformats.org/officeDocument/2006/relationships" xmlns:p="http://schemas.openxmlformats.org/presentationml/2006/main">
   <p:cSld>
     <p:spTree>
@@ -24785,7 +30161,7 @@
 </p:sld>
 </file>
 
-<file path=ppt/slides/slide12.xml><?xml version="1.0" encoding="utf-8"?>
+<file path=ppt/slides/slide14.xml><?xml version="1.0" encoding="utf-8"?>
 <p:sld xmlns:a="http://schemas.openxmlformats.org/drawingml/2006/main" xmlns:r="http://schemas.openxmlformats.org/officeDocument/2006/relationships" xmlns:p="http://schemas.openxmlformats.org/presentationml/2006/main">
   <p:cSld>
     <p:spTree>
@@ -26002,7 +31378,7 @@
 </p:sld>
 </file>
 
-<file path=ppt/slides/slide13.xml><?xml version="1.0" encoding="utf-8"?>
+<file path=ppt/slides/slide15.xml><?xml version="1.0" encoding="utf-8"?>
 <p:sld xmlns:a="http://schemas.openxmlformats.org/drawingml/2006/main" xmlns:r="http://schemas.openxmlformats.org/officeDocument/2006/relationships" xmlns:p="http://schemas.openxmlformats.org/presentationml/2006/main">
   <p:cSld>
     <p:spTree>
@@ -26749,7 +32125,7 @@
 </p:sld>
 </file>
 
-<file path=ppt/slides/slide14.xml><?xml version="1.0" encoding="utf-8"?>
+<file path=ppt/slides/slide16.xml><?xml version="1.0" encoding="utf-8"?>
 <p:sld xmlns:a="http://schemas.openxmlformats.org/drawingml/2006/main" xmlns:r="http://schemas.openxmlformats.org/officeDocument/2006/relationships" xmlns:p="http://schemas.openxmlformats.org/presentationml/2006/main">
   <p:cSld>
     <p:spTree>
@@ -27085,7 +32461,7 @@
 </p:sld>
 </file>
 
-<file path=ppt/slides/slide15.xml><?xml version="1.0" encoding="utf-8"?>
+<file path=ppt/slides/slide17.xml><?xml version="1.0" encoding="utf-8"?>
 <p:sld xmlns:a="http://schemas.openxmlformats.org/drawingml/2006/main" xmlns:r="http://schemas.openxmlformats.org/officeDocument/2006/relationships" xmlns:p="http://schemas.openxmlformats.org/presentationml/2006/main">
   <p:cSld>
     <p:spTree>
@@ -28396,7 +33772,7 @@
 </p:sld>
 </file>
 
-<file path=ppt/slides/slide16.xml><?xml version="1.0" encoding="utf-8"?>
+<file path=ppt/slides/slide18.xml><?xml version="1.0" encoding="utf-8"?>
 <p:sld xmlns:a="http://schemas.openxmlformats.org/drawingml/2006/main" xmlns:r="http://schemas.openxmlformats.org/officeDocument/2006/relationships" xmlns:p="http://schemas.openxmlformats.org/presentationml/2006/main">
   <p:cSld>
     <p:spTree>
@@ -28791,7 +34167,7 @@
 </p:sld>
 </file>
 
-<file path=ppt/slides/slide17.xml><?xml version="1.0" encoding="utf-8"?>
+<file path=ppt/slides/slide19.xml><?xml version="1.0" encoding="utf-8"?>
 <p:sld xmlns:a="http://schemas.openxmlformats.org/drawingml/2006/main" xmlns:r="http://schemas.openxmlformats.org/officeDocument/2006/relationships" xmlns:p="http://schemas.openxmlformats.org/presentationml/2006/main">
   <p:cSld>
     <p:spTree>
@@ -29281,7 +34657,148 @@
 </p:sld>
 </file>
 
-<file path=ppt/slides/slide18.xml><?xml version="1.0" encoding="utf-8"?>
+<file path=ppt/slides/slide2.xml><?xml version="1.0" encoding="utf-8"?>
+<p:sld xmlns:a="http://schemas.openxmlformats.org/drawingml/2006/main" xmlns:r="http://schemas.openxmlformats.org/officeDocument/2006/relationships" xmlns:p="http://schemas.openxmlformats.org/presentationml/2006/main">
+  <p:cSld>
+    <p:spTree>
+      <p:nvGrpSpPr>
+        <p:cNvPr id="1" name="Shape 226"/>
+        <p:cNvGrpSpPr/>
+        <p:nvPr/>
+      </p:nvGrpSpPr>
+      <p:grpSpPr>
+        <a:xfrm>
+          <a:off x="0" y="0"/>
+          <a:ext cx="0" cy="0"/>
+          <a:chOff x="0" y="0"/>
+          <a:chExt cx="0" cy="0"/>
+        </a:xfrm>
+      </p:grpSpPr>
+      <p:sp>
+        <p:nvSpPr>
+          <p:cNvPr id="227" name="Google Shape;227;p48"/>
+          <p:cNvSpPr txBox="1">
+            <a:spLocks noGrp="1"/>
+          </p:cNvSpPr>
+          <p:nvPr>
+            <p:ph type="title"/>
+          </p:nvPr>
+        </p:nvSpPr>
+        <p:spPr>
+          <a:xfrm>
+            <a:off x="431625" y="299221"/>
+            <a:ext cx="8280900" cy="1239000"/>
+          </a:xfrm>
+          <a:prstGeom prst="rect">
+            <a:avLst/>
+          </a:prstGeom>
+          <a:noFill/>
+          <a:ln>
+            <a:noFill/>
+          </a:ln>
+        </p:spPr>
+        <p:txBody>
+          <a:bodyPr spcFirstLastPara="1" wrap="square" lIns="20100" tIns="20100" rIns="20100" bIns="20100" anchor="ctr" anchorCtr="0">
+            <a:noAutofit/>
+          </a:bodyPr>
+          <a:lstStyle/>
+          <a:p>
+            <a:pPr marL="0" marR="0" lvl="0" indent="0" algn="ctr" rtl="0">
+              <a:lnSpc>
+                <a:spcPct val="100000"/>
+              </a:lnSpc>
+              <a:spcBef>
+                <a:spcPts val="0"/>
+              </a:spcBef>
+              <a:spcAft>
+                <a:spcPts val="0"/>
+              </a:spcAft>
+              <a:buClr>
+                <a:srgbClr val="000000"/>
+              </a:buClr>
+              <a:buFont typeface="Gill Sans"/>
+              <a:buNone/>
+            </a:pPr>
+            <a:r>
+              <a:rPr lang="en" sz="3400" b="0" i="0" u="none" strike="noStrike" cap="none" dirty="0" smtClean="0">
+                <a:solidFill>
+                  <a:srgbClr val="000000"/>
+                </a:solidFill>
+                <a:latin typeface="Gill Sans"/>
+                <a:ea typeface="Gill Sans"/>
+                <a:cs typeface="Gill Sans"/>
+                <a:sym typeface="Gill Sans"/>
+              </a:rPr>
+              <a:t>Toward Deep Learning</a:t>
+            </a:r>
+            <a:br>
+              <a:rPr lang="en" sz="3400" b="0" i="0" u="none" strike="noStrike" cap="none" dirty="0" smtClean="0">
+                <a:solidFill>
+                  <a:srgbClr val="000000"/>
+                </a:solidFill>
+                <a:latin typeface="Gill Sans"/>
+                <a:ea typeface="Gill Sans"/>
+                <a:cs typeface="Gill Sans"/>
+                <a:sym typeface="Gill Sans"/>
+              </a:rPr>
+            </a:br>
+            <a:r>
+              <a:rPr lang="en" dirty="0" smtClean="0">
+                <a:solidFill>
+                  <a:srgbClr val="0070C0"/>
+                </a:solidFill>
+              </a:rPr>
+              <a:t>Face recognization</a:t>
+            </a:r>
+            <a:endParaRPr dirty="0">
+              <a:solidFill>
+                <a:srgbClr val="0070C0"/>
+              </a:solidFill>
+            </a:endParaRPr>
+          </a:p>
+        </p:txBody>
+      </p:sp>
+      <p:pic>
+        <p:nvPicPr>
+          <p:cNvPr id="1026" name="Picture 2"/>
+          <p:cNvPicPr>
+            <a:picLocks noChangeAspect="1" noChangeArrowheads="1"/>
+          </p:cNvPicPr>
+          <p:nvPr/>
+        </p:nvPicPr>
+        <p:blipFill>
+          <a:blip r:embed="rId3"/>
+          <a:srcRect/>
+          <a:stretch>
+            <a:fillRect/>
+          </a:stretch>
+        </p:blipFill>
+        <p:spPr bwMode="auto">
+          <a:xfrm>
+            <a:off x="1691680" y="2067694"/>
+            <a:ext cx="5727700" cy="1946275"/>
+          </a:xfrm>
+          <a:prstGeom prst="rect">
+            <a:avLst/>
+          </a:prstGeom>
+          <a:noFill/>
+          <a:ln w="9525">
+            <a:noFill/>
+            <a:miter lim="800000"/>
+            <a:headEnd/>
+            <a:tailEnd/>
+          </a:ln>
+        </p:spPr>
+      </p:pic>
+    </p:spTree>
+  </p:cSld>
+  <p:clrMapOvr>
+    <a:masterClrMapping/>
+  </p:clrMapOvr>
+</p:sld>
+</file>
+
+<file path=ppt/slides/slide20.xml><?xml version="1.0" encoding="utf-8"?>
 <p:sld xmlns:a="http://schemas.openxmlformats.org/drawingml/2006/main" xmlns:r="http://schemas.openxmlformats.org/officeDocument/2006/relationships" xmlns:p="http://schemas.openxmlformats.org/presentationml/2006/main">
   <p:cSld>
     <p:spTree>
@@ -29703,7 +35220,7 @@
 </p:sld>
 </file>
 
-<file path=ppt/slides/slide19.xml><?xml version="1.0" encoding="utf-8"?>
+<file path=ppt/slides/slide21.xml><?xml version="1.0" encoding="utf-8"?>
 <p:sld xmlns:a="http://schemas.openxmlformats.org/drawingml/2006/main" xmlns:r="http://schemas.openxmlformats.org/officeDocument/2006/relationships" xmlns:p="http://schemas.openxmlformats.org/presentationml/2006/main">
   <p:cSld>
     <p:spTree>
@@ -30194,148 +35711,7 @@
 </p:sld>
 </file>
 
-<file path=ppt/slides/slide2.xml><?xml version="1.0" encoding="utf-8"?>
-<p:sld xmlns:a="http://schemas.openxmlformats.org/drawingml/2006/main" xmlns:r="http://schemas.openxmlformats.org/officeDocument/2006/relationships" xmlns:p="http://schemas.openxmlformats.org/presentationml/2006/main">
-  <p:cSld>
-    <p:spTree>
-      <p:nvGrpSpPr>
-        <p:cNvPr id="1" name="Shape 226"/>
-        <p:cNvGrpSpPr/>
-        <p:nvPr/>
-      </p:nvGrpSpPr>
-      <p:grpSpPr>
-        <a:xfrm>
-          <a:off x="0" y="0"/>
-          <a:ext cx="0" cy="0"/>
-          <a:chOff x="0" y="0"/>
-          <a:chExt cx="0" cy="0"/>
-        </a:xfrm>
-      </p:grpSpPr>
-      <p:sp>
-        <p:nvSpPr>
-          <p:cNvPr id="227" name="Google Shape;227;p48"/>
-          <p:cNvSpPr txBox="1">
-            <a:spLocks noGrp="1"/>
-          </p:cNvSpPr>
-          <p:nvPr>
-            <p:ph type="title"/>
-          </p:nvPr>
-        </p:nvSpPr>
-        <p:spPr>
-          <a:xfrm>
-            <a:off x="431625" y="299221"/>
-            <a:ext cx="8280900" cy="1239000"/>
-          </a:xfrm>
-          <a:prstGeom prst="rect">
-            <a:avLst/>
-          </a:prstGeom>
-          <a:noFill/>
-          <a:ln>
-            <a:noFill/>
-          </a:ln>
-        </p:spPr>
-        <p:txBody>
-          <a:bodyPr spcFirstLastPara="1" wrap="square" lIns="20100" tIns="20100" rIns="20100" bIns="20100" anchor="ctr" anchorCtr="0">
-            <a:noAutofit/>
-          </a:bodyPr>
-          <a:lstStyle/>
-          <a:p>
-            <a:pPr marL="0" marR="0" lvl="0" indent="0" algn="ctr" rtl="0">
-              <a:lnSpc>
-                <a:spcPct val="100000"/>
-              </a:lnSpc>
-              <a:spcBef>
-                <a:spcPts val="0"/>
-              </a:spcBef>
-              <a:spcAft>
-                <a:spcPts val="0"/>
-              </a:spcAft>
-              <a:buClr>
-                <a:srgbClr val="000000"/>
-              </a:buClr>
-              <a:buFont typeface="Gill Sans"/>
-              <a:buNone/>
-            </a:pPr>
-            <a:r>
-              <a:rPr lang="en" sz="3400" b="0" i="0" u="none" strike="noStrike" cap="none" dirty="0" smtClean="0">
-                <a:solidFill>
-                  <a:srgbClr val="000000"/>
-                </a:solidFill>
-                <a:latin typeface="Gill Sans"/>
-                <a:ea typeface="Gill Sans"/>
-                <a:cs typeface="Gill Sans"/>
-                <a:sym typeface="Gill Sans"/>
-              </a:rPr>
-              <a:t>Toward Deep Learning</a:t>
-            </a:r>
-            <a:br>
-              <a:rPr lang="en" sz="3400" b="0" i="0" u="none" strike="noStrike" cap="none" dirty="0" smtClean="0">
-                <a:solidFill>
-                  <a:srgbClr val="000000"/>
-                </a:solidFill>
-                <a:latin typeface="Gill Sans"/>
-                <a:ea typeface="Gill Sans"/>
-                <a:cs typeface="Gill Sans"/>
-                <a:sym typeface="Gill Sans"/>
-              </a:rPr>
-            </a:br>
-            <a:r>
-              <a:rPr lang="en" dirty="0" smtClean="0">
-                <a:solidFill>
-                  <a:srgbClr val="0070C0"/>
-                </a:solidFill>
-              </a:rPr>
-              <a:t>Face recognization</a:t>
-            </a:r>
-            <a:endParaRPr dirty="0">
-              <a:solidFill>
-                <a:srgbClr val="0070C0"/>
-              </a:solidFill>
-            </a:endParaRPr>
-          </a:p>
-        </p:txBody>
-      </p:sp>
-      <p:pic>
-        <p:nvPicPr>
-          <p:cNvPr id="1026" name="Picture 2"/>
-          <p:cNvPicPr>
-            <a:picLocks noChangeAspect="1" noChangeArrowheads="1"/>
-          </p:cNvPicPr>
-          <p:nvPr/>
-        </p:nvPicPr>
-        <p:blipFill>
-          <a:blip r:embed="rId3"/>
-          <a:srcRect/>
-          <a:stretch>
-            <a:fillRect/>
-          </a:stretch>
-        </p:blipFill>
-        <p:spPr bwMode="auto">
-          <a:xfrm>
-            <a:off x="1691680" y="2067694"/>
-            <a:ext cx="5727700" cy="1946275"/>
-          </a:xfrm>
-          <a:prstGeom prst="rect">
-            <a:avLst/>
-          </a:prstGeom>
-          <a:noFill/>
-          <a:ln w="9525">
-            <a:noFill/>
-            <a:miter lim="800000"/>
-            <a:headEnd/>
-            <a:tailEnd/>
-          </a:ln>
-        </p:spPr>
-      </p:pic>
-    </p:spTree>
-  </p:cSld>
-  <p:clrMapOvr>
-    <a:masterClrMapping/>
-  </p:clrMapOvr>
-</p:sld>
-</file>
-
-<file path=ppt/slides/slide20.xml><?xml version="1.0" encoding="utf-8"?>
+<file path=ppt/slides/slide22.xml><?xml version="1.0" encoding="utf-8"?>
 <p:sld xmlns:a="http://schemas.openxmlformats.org/drawingml/2006/main" xmlns:r="http://schemas.openxmlformats.org/officeDocument/2006/relationships" xmlns:p="http://schemas.openxmlformats.org/presentationml/2006/main">
   <p:cSld>
     <p:spTree>
@@ -30493,7 +35869,7 @@
 </p:sld>
 </file>
 
-<file path=ppt/slides/slide21.xml><?xml version="1.0" encoding="utf-8"?>
+<file path=ppt/slides/slide23.xml><?xml version="1.0" encoding="utf-8"?>
 <p:sld xmlns:a="http://schemas.openxmlformats.org/drawingml/2006/main" xmlns:r="http://schemas.openxmlformats.org/officeDocument/2006/relationships" xmlns:p="http://schemas.openxmlformats.org/presentationml/2006/main">
   <p:cSld>
     <p:spTree>
@@ -31101,7 +36477,7 @@
 </p:sld>
 </file>
 
-<file path=ppt/slides/slide22.xml><?xml version="1.0" encoding="utf-8"?>
+<file path=ppt/slides/slide24.xml><?xml version="1.0" encoding="utf-8"?>
 <p:sld xmlns:a="http://schemas.openxmlformats.org/drawingml/2006/main" xmlns:r="http://schemas.openxmlformats.org/officeDocument/2006/relationships" xmlns:p="http://schemas.openxmlformats.org/presentationml/2006/main">
   <p:cSld>
     <p:spTree>
@@ -32719,7 +38095,7 @@
 </p:sld>
 </file>
 
-<file path=ppt/slides/slide23.xml><?xml version="1.0" encoding="utf-8"?>
+<file path=ppt/slides/slide25.xml><?xml version="1.0" encoding="utf-8"?>
 <p:sld xmlns:a="http://schemas.openxmlformats.org/drawingml/2006/main" xmlns:r="http://schemas.openxmlformats.org/officeDocument/2006/relationships" xmlns:p="http://schemas.openxmlformats.org/presentationml/2006/main">
   <p:cSld>
     <p:spTree>
@@ -35974,6 +41350,584 @@
 </p:sld>
 </file>
 
+<file path=ppt/slides/slide26.xml><?xml version="1.0" encoding="utf-8"?>
+<p:sld xmlns:a="http://schemas.openxmlformats.org/drawingml/2006/main" xmlns:r="http://schemas.openxmlformats.org/officeDocument/2006/relationships" xmlns:p="http://schemas.openxmlformats.org/presentationml/2006/main">
+  <p:cSld>
+    <p:spTree>
+      <p:nvGrpSpPr>
+        <p:cNvPr id="1" name="Shape 226"/>
+        <p:cNvGrpSpPr/>
+        <p:nvPr/>
+      </p:nvGrpSpPr>
+      <p:grpSpPr>
+        <a:xfrm>
+          <a:off x="0" y="0"/>
+          <a:ext cx="0" cy="0"/>
+          <a:chOff x="0" y="0"/>
+          <a:chExt cx="0" cy="0"/>
+        </a:xfrm>
+      </p:grpSpPr>
+      <p:sp>
+        <p:nvSpPr>
+          <p:cNvPr id="227" name="Google Shape;227;p48"/>
+          <p:cNvSpPr txBox="1">
+            <a:spLocks noGrp="1"/>
+          </p:cNvSpPr>
+          <p:nvPr>
+            <p:ph type="title"/>
+          </p:nvPr>
+        </p:nvSpPr>
+        <p:spPr>
+          <a:xfrm>
+            <a:off x="431625" y="299221"/>
+            <a:ext cx="8280900" cy="1239000"/>
+          </a:xfrm>
+          <a:prstGeom prst="rect">
+            <a:avLst/>
+          </a:prstGeom>
+          <a:noFill/>
+          <a:ln>
+            <a:noFill/>
+          </a:ln>
+        </p:spPr>
+        <p:txBody>
+          <a:bodyPr spcFirstLastPara="1" wrap="square" lIns="20100" tIns="20100" rIns="20100" bIns="20100" anchor="ctr" anchorCtr="0">
+            <a:noAutofit/>
+          </a:bodyPr>
+          <a:lstStyle/>
+          <a:p>
+            <a:pPr marL="0" marR="0" lvl="0" indent="0" algn="ctr" rtl="0">
+              <a:lnSpc>
+                <a:spcPct val="100000"/>
+              </a:lnSpc>
+              <a:spcBef>
+                <a:spcPts val="0"/>
+              </a:spcBef>
+              <a:spcAft>
+                <a:spcPts val="0"/>
+              </a:spcAft>
+              <a:buClr>
+                <a:srgbClr val="000000"/>
+              </a:buClr>
+              <a:buFont typeface="Gill Sans"/>
+              <a:buNone/>
+            </a:pPr>
+            <a:r>
+              <a:rPr lang="en" sz="3400" b="0" i="0" u="none" strike="noStrike" cap="none" dirty="0" smtClean="0">
+                <a:solidFill>
+                  <a:srgbClr val="000000"/>
+                </a:solidFill>
+                <a:latin typeface="Gill Sans"/>
+                <a:ea typeface="Gill Sans"/>
+                <a:cs typeface="Gill Sans"/>
+                <a:sym typeface="Gill Sans"/>
+              </a:rPr>
+              <a:t>MNIST dataset size</a:t>
+            </a:r>
+            <a:endParaRPr dirty="0">
+              <a:solidFill>
+                <a:srgbClr val="0070C0"/>
+              </a:solidFill>
+            </a:endParaRPr>
+          </a:p>
+        </p:txBody>
+      </p:sp>
+      <p:sp>
+        <p:nvSpPr>
+          <p:cNvPr id="4" name="文字方塊 3"/>
+          <p:cNvSpPr txBox="1"/>
+          <p:nvPr/>
+        </p:nvSpPr>
+        <p:spPr>
+          <a:xfrm>
+            <a:off x="1907704" y="1851670"/>
+            <a:ext cx="4896544" cy="1938992"/>
+          </a:xfrm>
+          <a:prstGeom prst="rect">
+            <a:avLst/>
+          </a:prstGeom>
+          <a:noFill/>
+        </p:spPr>
+        <p:txBody>
+          <a:bodyPr wrap="square" rtlCol="0">
+            <a:spAutoFit/>
+          </a:bodyPr>
+          <a:lstStyle/>
+          <a:p>
+            <a:pPr marL="342900" indent="-342900">
+              <a:buFont typeface="+mj-lt"/>
+              <a:buAutoNum type="arabicPeriod"/>
+            </a:pPr>
+            <a:r>
+              <a:rPr lang="en-US" altLang="zh-TW" sz="2000" dirty="0" smtClean="0"/>
+              <a:t>60,000 training data images</a:t>
+            </a:r>
+          </a:p>
+          <a:p>
+            <a:pPr marL="342900" indent="-342900">
+              <a:buFont typeface="+mj-lt"/>
+              <a:buAutoNum type="arabicPeriod"/>
+            </a:pPr>
+            <a:r>
+              <a:rPr lang="en-US" altLang="zh-TW" sz="2000" dirty="0" smtClean="0"/>
+              <a:t>10,000 test </a:t>
+            </a:r>
+            <a:r>
+              <a:rPr lang="en-US" altLang="zh-TW" sz="2000" dirty="0" smtClean="0"/>
+              <a:t>data images</a:t>
+            </a:r>
+          </a:p>
+          <a:p>
+            <a:pPr marL="342900" indent="-342900">
+              <a:buFont typeface="+mj-lt"/>
+              <a:buAutoNum type="arabicPeriod"/>
+            </a:pPr>
+            <a:r>
+              <a:rPr lang="en-US" altLang="zh-TW" sz="2000" dirty="0" smtClean="0"/>
+              <a:t>28 x 28 grayscale image</a:t>
+            </a:r>
+          </a:p>
+          <a:p>
+            <a:pPr marL="342900" indent="-342900">
+              <a:buFont typeface="+mj-lt"/>
+              <a:buAutoNum type="arabicPeriod"/>
+            </a:pPr>
+            <a:r>
+              <a:rPr lang="en-US" altLang="zh-TW" sz="2000" dirty="0" smtClean="0"/>
+              <a:t>With labeled </a:t>
+            </a:r>
+          </a:p>
+          <a:p>
+            <a:pPr marL="342900" indent="-342900">
+              <a:buFont typeface="+mj-lt"/>
+              <a:buAutoNum type="arabicPeriod"/>
+            </a:pPr>
+            <a:r>
+              <a:rPr lang="en-US" altLang="zh-TW" sz="2000" dirty="0" smtClean="0"/>
+              <a:t>Very old-school format to download</a:t>
+            </a:r>
+          </a:p>
+          <a:p>
+            <a:pPr marL="342900" indent="-342900">
+              <a:buFont typeface="+mj-lt"/>
+              <a:buAutoNum type="arabicPeriod"/>
+            </a:pPr>
+            <a:r>
+              <a:rPr lang="en-US" altLang="zh-TW" sz="2000" dirty="0" smtClean="0"/>
+              <a:t>Most of the frameworks include it</a:t>
+            </a:r>
+            <a:endParaRPr lang="zh-TW" altLang="en-US" sz="2000" dirty="0"/>
+          </a:p>
+        </p:txBody>
+      </p:sp>
+    </p:spTree>
+  </p:cSld>
+  <p:clrMapOvr>
+    <a:masterClrMapping/>
+  </p:clrMapOvr>
+</p:sld>
+</file>
+
+<file path=ppt/slides/slide27.xml><?xml version="1.0" encoding="utf-8"?>
+<p:sld xmlns:a="http://schemas.openxmlformats.org/drawingml/2006/main" xmlns:r="http://schemas.openxmlformats.org/officeDocument/2006/relationships" xmlns:p="http://schemas.openxmlformats.org/presentationml/2006/main">
+  <p:cSld>
+    <p:spTree>
+      <p:nvGrpSpPr>
+        <p:cNvPr id="1" name="Shape 226"/>
+        <p:cNvGrpSpPr/>
+        <p:nvPr/>
+      </p:nvGrpSpPr>
+      <p:grpSpPr>
+        <a:xfrm>
+          <a:off x="0" y="0"/>
+          <a:ext cx="0" cy="0"/>
+          <a:chOff x="0" y="0"/>
+          <a:chExt cx="0" cy="0"/>
+        </a:xfrm>
+      </p:grpSpPr>
+      <p:sp>
+        <p:nvSpPr>
+          <p:cNvPr id="227" name="Google Shape;227;p48"/>
+          <p:cNvSpPr txBox="1">
+            <a:spLocks noGrp="1"/>
+          </p:cNvSpPr>
+          <p:nvPr>
+            <p:ph type="title"/>
+          </p:nvPr>
+        </p:nvSpPr>
+        <p:spPr>
+          <a:xfrm>
+            <a:off x="431625" y="299221"/>
+            <a:ext cx="8280900" cy="1239000"/>
+          </a:xfrm>
+          <a:prstGeom prst="rect">
+            <a:avLst/>
+          </a:prstGeom>
+          <a:noFill/>
+          <a:ln>
+            <a:noFill/>
+          </a:ln>
+        </p:spPr>
+        <p:txBody>
+          <a:bodyPr spcFirstLastPara="1" wrap="square" lIns="20100" tIns="20100" rIns="20100" bIns="20100" anchor="ctr" anchorCtr="0">
+            <a:noAutofit/>
+          </a:bodyPr>
+          <a:lstStyle/>
+          <a:p>
+            <a:pPr marL="0" marR="0" lvl="0" indent="0" algn="ctr" rtl="0">
+              <a:lnSpc>
+                <a:spcPct val="100000"/>
+              </a:lnSpc>
+              <a:spcBef>
+                <a:spcPts val="0"/>
+              </a:spcBef>
+              <a:spcAft>
+                <a:spcPts val="0"/>
+              </a:spcAft>
+              <a:buClr>
+                <a:srgbClr val="000000"/>
+              </a:buClr>
+              <a:buFont typeface="Gill Sans"/>
+              <a:buNone/>
+            </a:pPr>
+            <a:r>
+              <a:rPr lang="en" sz="3400" b="0" i="0" u="none" strike="noStrike" cap="none" dirty="0" smtClean="0">
+                <a:solidFill>
+                  <a:srgbClr val="000000"/>
+                </a:solidFill>
+                <a:latin typeface="Gill Sans"/>
+                <a:ea typeface="Gill Sans"/>
+                <a:cs typeface="Gill Sans"/>
+                <a:sym typeface="Gill Sans"/>
+              </a:rPr>
+              <a:t>Hand-written digits</a:t>
+            </a:r>
+            <a:br>
+              <a:rPr lang="en" sz="3400" b="0" i="0" u="none" strike="noStrike" cap="none" dirty="0" smtClean="0">
+                <a:solidFill>
+                  <a:srgbClr val="000000"/>
+                </a:solidFill>
+                <a:latin typeface="Gill Sans"/>
+                <a:ea typeface="Gill Sans"/>
+                <a:cs typeface="Gill Sans"/>
+                <a:sym typeface="Gill Sans"/>
+              </a:rPr>
+            </a:br>
+            <a:r>
+              <a:rPr lang="en" dirty="0" smtClean="0">
+                <a:solidFill>
+                  <a:srgbClr val="0070C0"/>
+                </a:solidFill>
+              </a:rPr>
+              <a:t>Hello world of AI</a:t>
+            </a:r>
+            <a:endParaRPr dirty="0">
+              <a:solidFill>
+                <a:srgbClr val="0070C0"/>
+              </a:solidFill>
+            </a:endParaRPr>
+          </a:p>
+        </p:txBody>
+      </p:sp>
+      <p:pic>
+        <p:nvPicPr>
+          <p:cNvPr id="2" name="Picture 2"/>
+          <p:cNvPicPr>
+            <a:picLocks noChangeAspect="1" noChangeArrowheads="1"/>
+          </p:cNvPicPr>
+          <p:nvPr/>
+        </p:nvPicPr>
+        <p:blipFill>
+          <a:blip r:embed="rId3"/>
+          <a:srcRect/>
+          <a:stretch>
+            <a:fillRect/>
+          </a:stretch>
+        </p:blipFill>
+        <p:spPr bwMode="auto">
+          <a:xfrm>
+            <a:off x="1115616" y="1563638"/>
+            <a:ext cx="6796087" cy="2925763"/>
+          </a:xfrm>
+          <a:prstGeom prst="rect">
+            <a:avLst/>
+          </a:prstGeom>
+          <a:noFill/>
+          <a:ln w="9525">
+            <a:noFill/>
+            <a:miter lim="800000"/>
+            <a:headEnd/>
+            <a:tailEnd/>
+          </a:ln>
+        </p:spPr>
+      </p:pic>
+    </p:spTree>
+  </p:cSld>
+  <p:clrMapOvr>
+    <a:masterClrMapping/>
+  </p:clrMapOvr>
+</p:sld>
+</file>
+
+<file path=ppt/slides/slide28.xml><?xml version="1.0" encoding="utf-8"?>
+<p:sld xmlns:a="http://schemas.openxmlformats.org/drawingml/2006/main" xmlns:r="http://schemas.openxmlformats.org/officeDocument/2006/relationships" xmlns:p="http://schemas.openxmlformats.org/presentationml/2006/main">
+  <p:cSld>
+    <p:spTree>
+      <p:nvGrpSpPr>
+        <p:cNvPr id="1" name="Shape 226"/>
+        <p:cNvGrpSpPr/>
+        <p:nvPr/>
+      </p:nvGrpSpPr>
+      <p:grpSpPr>
+        <a:xfrm>
+          <a:off x="0" y="0"/>
+          <a:ext cx="0" cy="0"/>
+          <a:chOff x="0" y="0"/>
+          <a:chExt cx="0" cy="0"/>
+        </a:xfrm>
+      </p:grpSpPr>
+      <p:sp>
+        <p:nvSpPr>
+          <p:cNvPr id="227" name="Google Shape;227;p48"/>
+          <p:cNvSpPr txBox="1">
+            <a:spLocks noGrp="1"/>
+          </p:cNvSpPr>
+          <p:nvPr>
+            <p:ph type="title"/>
+          </p:nvPr>
+        </p:nvSpPr>
+        <p:spPr>
+          <a:xfrm>
+            <a:off x="431625" y="299221"/>
+            <a:ext cx="8280900" cy="1239000"/>
+          </a:xfrm>
+          <a:prstGeom prst="rect">
+            <a:avLst/>
+          </a:prstGeom>
+          <a:noFill/>
+          <a:ln>
+            <a:noFill/>
+          </a:ln>
+        </p:spPr>
+        <p:txBody>
+          <a:bodyPr spcFirstLastPara="1" wrap="square" lIns="20100" tIns="20100" rIns="20100" bIns="20100" anchor="ctr" anchorCtr="0">
+            <a:noAutofit/>
+          </a:bodyPr>
+          <a:lstStyle/>
+          <a:p>
+            <a:pPr marL="0" marR="0" lvl="0" indent="0" algn="ctr" rtl="0">
+              <a:lnSpc>
+                <a:spcPct val="100000"/>
+              </a:lnSpc>
+              <a:spcBef>
+                <a:spcPts val="0"/>
+              </a:spcBef>
+              <a:spcAft>
+                <a:spcPts val="0"/>
+              </a:spcAft>
+              <a:buClr>
+                <a:srgbClr val="000000"/>
+              </a:buClr>
+              <a:buFont typeface="Gill Sans"/>
+              <a:buNone/>
+            </a:pPr>
+            <a:r>
+              <a:rPr lang="en" sz="3400" b="0" i="0" u="none" strike="noStrike" cap="none" dirty="0" smtClean="0">
+                <a:solidFill>
+                  <a:srgbClr val="000000"/>
+                </a:solidFill>
+                <a:latin typeface="Gill Sans"/>
+                <a:ea typeface="Gill Sans"/>
+                <a:cs typeface="Gill Sans"/>
+                <a:sym typeface="Gill Sans"/>
+              </a:rPr>
+              <a:t>Flatten the 28 x 28 image to </a:t>
+            </a:r>
+            <a:br>
+              <a:rPr lang="en" sz="3400" b="0" i="0" u="none" strike="noStrike" cap="none" dirty="0" smtClean="0">
+                <a:solidFill>
+                  <a:srgbClr val="000000"/>
+                </a:solidFill>
+                <a:latin typeface="Gill Sans"/>
+                <a:ea typeface="Gill Sans"/>
+                <a:cs typeface="Gill Sans"/>
+                <a:sym typeface="Gill Sans"/>
+              </a:rPr>
+            </a:br>
+            <a:r>
+              <a:rPr lang="en" dirty="0" smtClean="0"/>
+              <a:t>a 784 x 1 tensor</a:t>
+            </a:r>
+            <a:endParaRPr dirty="0">
+              <a:solidFill>
+                <a:srgbClr val="0070C0"/>
+              </a:solidFill>
+            </a:endParaRPr>
+          </a:p>
+        </p:txBody>
+      </p:sp>
+      <p:pic>
+        <p:nvPicPr>
+          <p:cNvPr id="2" name="Picture 2"/>
+          <p:cNvPicPr>
+            <a:picLocks noChangeAspect="1" noChangeArrowheads="1"/>
+          </p:cNvPicPr>
+          <p:nvPr/>
+        </p:nvPicPr>
+        <p:blipFill>
+          <a:blip r:embed="rId3"/>
+          <a:srcRect/>
+          <a:stretch>
+            <a:fillRect/>
+          </a:stretch>
+        </p:blipFill>
+        <p:spPr bwMode="auto">
+          <a:xfrm>
+            <a:off x="1403648" y="1707654"/>
+            <a:ext cx="6552728" cy="3106067"/>
+          </a:xfrm>
+          <a:prstGeom prst="rect">
+            <a:avLst/>
+          </a:prstGeom>
+          <a:noFill/>
+          <a:ln w="9525">
+            <a:noFill/>
+            <a:miter lim="800000"/>
+            <a:headEnd/>
+            <a:tailEnd/>
+          </a:ln>
+        </p:spPr>
+      </p:pic>
+    </p:spTree>
+  </p:cSld>
+  <p:clrMapOvr>
+    <a:masterClrMapping/>
+  </p:clrMapOvr>
+</p:sld>
+</file>
+
+<file path=ppt/slides/slide29.xml><?xml version="1.0" encoding="utf-8"?>
+<p:sld xmlns:a="http://schemas.openxmlformats.org/drawingml/2006/main" xmlns:r="http://schemas.openxmlformats.org/officeDocument/2006/relationships" xmlns:p="http://schemas.openxmlformats.org/presentationml/2006/main">
+  <p:cSld>
+    <p:spTree>
+      <p:nvGrpSpPr>
+        <p:cNvPr id="1" name="Shape 226"/>
+        <p:cNvGrpSpPr/>
+        <p:nvPr/>
+      </p:nvGrpSpPr>
+      <p:grpSpPr>
+        <a:xfrm>
+          <a:off x="0" y="0"/>
+          <a:ext cx="0" cy="0"/>
+          <a:chOff x="0" y="0"/>
+          <a:chExt cx="0" cy="0"/>
+        </a:xfrm>
+      </p:grpSpPr>
+      <p:sp>
+        <p:nvSpPr>
+          <p:cNvPr id="227" name="Google Shape;227;p48"/>
+          <p:cNvSpPr txBox="1">
+            <a:spLocks noGrp="1"/>
+          </p:cNvSpPr>
+          <p:nvPr>
+            <p:ph type="title"/>
+          </p:nvPr>
+        </p:nvSpPr>
+        <p:spPr>
+          <a:xfrm>
+            <a:off x="431625" y="299221"/>
+            <a:ext cx="8280900" cy="1239000"/>
+          </a:xfrm>
+          <a:prstGeom prst="rect">
+            <a:avLst/>
+          </a:prstGeom>
+          <a:noFill/>
+          <a:ln>
+            <a:noFill/>
+          </a:ln>
+        </p:spPr>
+        <p:txBody>
+          <a:bodyPr spcFirstLastPara="1" wrap="square" lIns="20100" tIns="20100" rIns="20100" bIns="20100" anchor="ctr" anchorCtr="0">
+            <a:noAutofit/>
+          </a:bodyPr>
+          <a:lstStyle/>
+          <a:p>
+            <a:pPr marL="0" marR="0" lvl="0" indent="0" algn="ctr" rtl="0">
+              <a:lnSpc>
+                <a:spcPct val="100000"/>
+              </a:lnSpc>
+              <a:spcBef>
+                <a:spcPts val="0"/>
+              </a:spcBef>
+              <a:spcAft>
+                <a:spcPts val="0"/>
+              </a:spcAft>
+              <a:buClr>
+                <a:srgbClr val="000000"/>
+              </a:buClr>
+              <a:buFont typeface="Gill Sans"/>
+              <a:buNone/>
+            </a:pPr>
+            <a:r>
+              <a:rPr lang="en" sz="3400" b="0" i="0" u="none" strike="noStrike" cap="none" dirty="0" smtClean="0">
+                <a:solidFill>
+                  <a:srgbClr val="000000"/>
+                </a:solidFill>
+                <a:latin typeface="Gill Sans"/>
+                <a:ea typeface="Gill Sans"/>
+                <a:cs typeface="Gill Sans"/>
+                <a:sym typeface="Gill Sans"/>
+              </a:rPr>
+              <a:t>Could be more layers</a:t>
+            </a:r>
+            <a:endParaRPr dirty="0">
+              <a:solidFill>
+                <a:srgbClr val="0070C0"/>
+              </a:solidFill>
+            </a:endParaRPr>
+          </a:p>
+        </p:txBody>
+      </p:sp>
+      <p:pic>
+        <p:nvPicPr>
+          <p:cNvPr id="3074" name="Picture 2"/>
+          <p:cNvPicPr>
+            <a:picLocks noChangeAspect="1" noChangeArrowheads="1"/>
+          </p:cNvPicPr>
+          <p:nvPr/>
+        </p:nvPicPr>
+        <p:blipFill>
+          <a:blip r:embed="rId3"/>
+          <a:srcRect/>
+          <a:stretch>
+            <a:fillRect/>
+          </a:stretch>
+        </p:blipFill>
+        <p:spPr bwMode="auto">
+          <a:xfrm>
+            <a:off x="2051720" y="1347614"/>
+            <a:ext cx="5383758" cy="3426913"/>
+          </a:xfrm>
+          <a:prstGeom prst="rect">
+            <a:avLst/>
+          </a:prstGeom>
+          <a:noFill/>
+          <a:ln w="9525">
+            <a:noFill/>
+            <a:miter lim="800000"/>
+            <a:headEnd/>
+            <a:tailEnd/>
+          </a:ln>
+        </p:spPr>
+      </p:pic>
+    </p:spTree>
+  </p:cSld>
+  <p:clrMapOvr>
+    <a:masterClrMapping/>
+  </p:clrMapOvr>
+</p:sld>
+</file>
+
 <file path=ppt/slides/slide3.xml><?xml version="1.0" encoding="utf-8"?>
 <p:sld xmlns:a="http://schemas.openxmlformats.org/drawingml/2006/main" xmlns:r="http://schemas.openxmlformats.org/officeDocument/2006/relationships" xmlns:p="http://schemas.openxmlformats.org/presentationml/2006/main">
   <p:cSld>
@@ -36094,6 +42048,250 @@
           <a:xfrm>
             <a:off x="2267744" y="1635646"/>
             <a:ext cx="4782393" cy="3153707"/>
+          </a:xfrm>
+          <a:prstGeom prst="rect">
+            <a:avLst/>
+          </a:prstGeom>
+          <a:noFill/>
+          <a:ln w="9525">
+            <a:noFill/>
+            <a:miter lim="800000"/>
+            <a:headEnd/>
+            <a:tailEnd/>
+          </a:ln>
+        </p:spPr>
+      </p:pic>
+    </p:spTree>
+  </p:cSld>
+  <p:clrMapOvr>
+    <a:masterClrMapping/>
+  </p:clrMapOvr>
+</p:sld>
+</file>
+
+<file path=ppt/slides/slide30.xml><?xml version="1.0" encoding="utf-8"?>
+<p:sld xmlns:a="http://schemas.openxmlformats.org/drawingml/2006/main" xmlns:r="http://schemas.openxmlformats.org/officeDocument/2006/relationships" xmlns:p="http://schemas.openxmlformats.org/presentationml/2006/main">
+  <p:cSld>
+    <p:spTree>
+      <p:nvGrpSpPr>
+        <p:cNvPr id="1" name="Shape 226"/>
+        <p:cNvGrpSpPr/>
+        <p:nvPr/>
+      </p:nvGrpSpPr>
+      <p:grpSpPr>
+        <a:xfrm>
+          <a:off x="0" y="0"/>
+          <a:ext cx="0" cy="0"/>
+          <a:chOff x="0" y="0"/>
+          <a:chExt cx="0" cy="0"/>
+        </a:xfrm>
+      </p:grpSpPr>
+      <p:sp>
+        <p:nvSpPr>
+          <p:cNvPr id="227" name="Google Shape;227;p48"/>
+          <p:cNvSpPr txBox="1">
+            <a:spLocks noGrp="1"/>
+          </p:cNvSpPr>
+          <p:nvPr>
+            <p:ph type="title"/>
+          </p:nvPr>
+        </p:nvSpPr>
+        <p:spPr>
+          <a:xfrm>
+            <a:off x="395536" y="0"/>
+            <a:ext cx="8280900" cy="1239000"/>
+          </a:xfrm>
+          <a:prstGeom prst="rect">
+            <a:avLst/>
+          </a:prstGeom>
+          <a:noFill/>
+          <a:ln>
+            <a:noFill/>
+          </a:ln>
+        </p:spPr>
+        <p:txBody>
+          <a:bodyPr spcFirstLastPara="1" wrap="square" lIns="20100" tIns="20100" rIns="20100" bIns="20100" anchor="ctr" anchorCtr="0">
+            <a:noAutofit/>
+          </a:bodyPr>
+          <a:lstStyle/>
+          <a:p>
+            <a:pPr marL="0" marR="0" lvl="0" indent="0" algn="ctr" rtl="0">
+              <a:lnSpc>
+                <a:spcPct val="100000"/>
+              </a:lnSpc>
+              <a:spcBef>
+                <a:spcPts val="0"/>
+              </a:spcBef>
+              <a:spcAft>
+                <a:spcPts val="0"/>
+              </a:spcAft>
+              <a:buClr>
+                <a:srgbClr val="000000"/>
+              </a:buClr>
+              <a:buFont typeface="Gill Sans"/>
+              <a:buNone/>
+            </a:pPr>
+            <a:r>
+              <a:rPr lang="en" sz="3400" b="0" i="0" u="none" strike="noStrike" cap="none" dirty="0" smtClean="0">
+                <a:solidFill>
+                  <a:srgbClr val="000000"/>
+                </a:solidFill>
+                <a:latin typeface="Gill Sans"/>
+                <a:ea typeface="Gill Sans"/>
+                <a:cs typeface="Gill Sans"/>
+                <a:sym typeface="Gill Sans"/>
+              </a:rPr>
+              <a:t>So many weights and biases</a:t>
+            </a:r>
+            <a:endParaRPr dirty="0">
+              <a:solidFill>
+                <a:srgbClr val="0070C0"/>
+              </a:solidFill>
+            </a:endParaRPr>
+          </a:p>
+        </p:txBody>
+      </p:sp>
+      <p:pic>
+        <p:nvPicPr>
+          <p:cNvPr id="4098" name="Picture 2"/>
+          <p:cNvPicPr>
+            <a:picLocks noChangeAspect="1" noChangeArrowheads="1"/>
+          </p:cNvPicPr>
+          <p:nvPr/>
+        </p:nvPicPr>
+        <p:blipFill>
+          <a:blip r:embed="rId3"/>
+          <a:srcRect/>
+          <a:stretch>
+            <a:fillRect/>
+          </a:stretch>
+        </p:blipFill>
+        <p:spPr bwMode="auto">
+          <a:xfrm>
+            <a:off x="2843808" y="1203598"/>
+            <a:ext cx="3744416" cy="3735972"/>
+          </a:xfrm>
+          <a:prstGeom prst="rect">
+            <a:avLst/>
+          </a:prstGeom>
+          <a:noFill/>
+          <a:ln w="9525">
+            <a:noFill/>
+            <a:miter lim="800000"/>
+            <a:headEnd/>
+            <a:tailEnd/>
+          </a:ln>
+        </p:spPr>
+      </p:pic>
+    </p:spTree>
+  </p:cSld>
+  <p:clrMapOvr>
+    <a:masterClrMapping/>
+  </p:clrMapOvr>
+</p:sld>
+</file>
+
+<file path=ppt/slides/slide31.xml><?xml version="1.0" encoding="utf-8"?>
+<p:sld xmlns:a="http://schemas.openxmlformats.org/drawingml/2006/main" xmlns:r="http://schemas.openxmlformats.org/officeDocument/2006/relationships" xmlns:p="http://schemas.openxmlformats.org/presentationml/2006/main">
+  <p:cSld>
+    <p:spTree>
+      <p:nvGrpSpPr>
+        <p:cNvPr id="1" name="Shape 226"/>
+        <p:cNvGrpSpPr/>
+        <p:nvPr/>
+      </p:nvGrpSpPr>
+      <p:grpSpPr>
+        <a:xfrm>
+          <a:off x="0" y="0"/>
+          <a:ext cx="0" cy="0"/>
+          <a:chOff x="0" y="0"/>
+          <a:chExt cx="0" cy="0"/>
+        </a:xfrm>
+      </p:grpSpPr>
+      <p:sp>
+        <p:nvSpPr>
+          <p:cNvPr id="227" name="Google Shape;227;p48"/>
+          <p:cNvSpPr txBox="1">
+            <a:spLocks noGrp="1"/>
+          </p:cNvSpPr>
+          <p:nvPr>
+            <p:ph type="title"/>
+          </p:nvPr>
+        </p:nvSpPr>
+        <p:spPr>
+          <a:xfrm>
+            <a:off x="395536" y="0"/>
+            <a:ext cx="8280900" cy="1239000"/>
+          </a:xfrm>
+          <a:prstGeom prst="rect">
+            <a:avLst/>
+          </a:prstGeom>
+          <a:noFill/>
+          <a:ln>
+            <a:noFill/>
+          </a:ln>
+        </p:spPr>
+        <p:txBody>
+          <a:bodyPr spcFirstLastPara="1" wrap="square" lIns="20100" tIns="20100" rIns="20100" bIns="20100" anchor="ctr" anchorCtr="0">
+            <a:noAutofit/>
+          </a:bodyPr>
+          <a:lstStyle/>
+          <a:p>
+            <a:pPr marL="0" marR="0" lvl="0" indent="0" algn="ctr" rtl="0">
+              <a:lnSpc>
+                <a:spcPct val="100000"/>
+              </a:lnSpc>
+              <a:spcBef>
+                <a:spcPts val="0"/>
+              </a:spcBef>
+              <a:spcAft>
+                <a:spcPts val="0"/>
+              </a:spcAft>
+              <a:buClr>
+                <a:srgbClr val="000000"/>
+              </a:buClr>
+              <a:buFont typeface="Gill Sans"/>
+              <a:buNone/>
+            </a:pPr>
+            <a:r>
+              <a:rPr lang="en" sz="3400" b="0" i="0" u="none" strike="noStrike" cap="none" dirty="0" smtClean="0">
+                <a:solidFill>
+                  <a:srgbClr val="000000"/>
+                </a:solidFill>
+                <a:latin typeface="Gill Sans"/>
+                <a:ea typeface="Gill Sans"/>
+                <a:cs typeface="Gill Sans"/>
+                <a:sym typeface="Gill Sans"/>
+              </a:rPr>
+              <a:t>So many graidents to calculate</a:t>
+            </a:r>
+            <a:endParaRPr dirty="0">
+              <a:solidFill>
+                <a:srgbClr val="0070C0"/>
+              </a:solidFill>
+            </a:endParaRPr>
+          </a:p>
+        </p:txBody>
+      </p:sp>
+      <p:pic>
+        <p:nvPicPr>
+          <p:cNvPr id="5122" name="Picture 2"/>
+          <p:cNvPicPr>
+            <a:picLocks noChangeAspect="1" noChangeArrowheads="1"/>
+          </p:cNvPicPr>
+          <p:nvPr/>
+        </p:nvPicPr>
+        <p:blipFill>
+          <a:blip r:embed="rId3"/>
+          <a:srcRect/>
+          <a:stretch>
+            <a:fillRect/>
+          </a:stretch>
+        </p:blipFill>
+        <p:spPr bwMode="auto">
+          <a:xfrm>
+            <a:off x="2195736" y="1563638"/>
+            <a:ext cx="4476750" cy="2978150"/>
           </a:xfrm>
           <a:prstGeom prst="rect">
             <a:avLst/>
@@ -36983,6 +43181,180 @@
 </file>
 
 <file path=ppt/slides/slide7.xml><?xml version="1.0" encoding="utf-8"?>
+<p:sld xmlns:a="http://schemas.openxmlformats.org/drawingml/2006/main" xmlns:r="http://schemas.openxmlformats.org/officeDocument/2006/relationships" xmlns:p="http://schemas.openxmlformats.org/presentationml/2006/main">
+  <p:cSld>
+    <p:spTree>
+      <p:nvGrpSpPr>
+        <p:cNvPr id="1" name=""/>
+        <p:cNvGrpSpPr/>
+        <p:nvPr/>
+      </p:nvGrpSpPr>
+      <p:grpSpPr>
+        <a:xfrm>
+          <a:off x="0" y="0"/>
+          <a:ext cx="0" cy="0"/>
+          <a:chOff x="0" y="0"/>
+          <a:chExt cx="0" cy="0"/>
+        </a:xfrm>
+      </p:grpSpPr>
+      <p:sp>
+        <p:nvSpPr>
+          <p:cNvPr id="2" name="標題 1"/>
+          <p:cNvSpPr>
+            <a:spLocks noGrp="1"/>
+          </p:cNvSpPr>
+          <p:nvPr>
+            <p:ph type="title"/>
+          </p:nvPr>
+        </p:nvSpPr>
+        <p:spPr>
+          <a:xfrm>
+            <a:off x="467544" y="195486"/>
+            <a:ext cx="8280900" cy="964500"/>
+          </a:xfrm>
+        </p:spPr>
+        <p:txBody>
+          <a:bodyPr/>
+          <a:lstStyle/>
+          <a:p>
+            <a:r>
+              <a:rPr lang="en-US" altLang="zh-TW" dirty="0" smtClean="0"/>
+              <a:t>Structure of a deep </a:t>
+            </a:r>
+            <a:r>
+              <a:rPr lang="en-US" altLang="zh-TW" dirty="0" err="1" smtClean="0"/>
+              <a:t>nn</a:t>
+            </a:r>
+            <a:endParaRPr lang="zh-TW" altLang="en-US" dirty="0"/>
+          </a:p>
+        </p:txBody>
+      </p:sp>
+      <p:pic>
+        <p:nvPicPr>
+          <p:cNvPr id="1026" name="Picture 2"/>
+          <p:cNvPicPr>
+            <a:picLocks noChangeAspect="1" noChangeArrowheads="1"/>
+          </p:cNvPicPr>
+          <p:nvPr/>
+        </p:nvPicPr>
+        <p:blipFill>
+          <a:blip r:embed="rId2"/>
+          <a:srcRect/>
+          <a:stretch>
+            <a:fillRect/>
+          </a:stretch>
+        </p:blipFill>
+        <p:spPr bwMode="auto">
+          <a:xfrm>
+            <a:off x="1403648" y="1419622"/>
+            <a:ext cx="6189663" cy="3211513"/>
+          </a:xfrm>
+          <a:prstGeom prst="rect">
+            <a:avLst/>
+          </a:prstGeom>
+          <a:noFill/>
+          <a:ln w="9525">
+            <a:noFill/>
+            <a:miter lim="800000"/>
+            <a:headEnd/>
+            <a:tailEnd/>
+          </a:ln>
+        </p:spPr>
+      </p:pic>
+    </p:spTree>
+  </p:cSld>
+  <p:clrMapOvr>
+    <a:masterClrMapping/>
+  </p:clrMapOvr>
+</p:sld>
+</file>
+
+<file path=ppt/slides/slide8.xml><?xml version="1.0" encoding="utf-8"?>
+<p:sld xmlns:a="http://schemas.openxmlformats.org/drawingml/2006/main" xmlns:r="http://schemas.openxmlformats.org/officeDocument/2006/relationships" xmlns:p="http://schemas.openxmlformats.org/presentationml/2006/main">
+  <p:cSld>
+    <p:spTree>
+      <p:nvGrpSpPr>
+        <p:cNvPr id="1" name=""/>
+        <p:cNvGrpSpPr/>
+        <p:nvPr/>
+      </p:nvGrpSpPr>
+      <p:grpSpPr>
+        <a:xfrm>
+          <a:off x="0" y="0"/>
+          <a:ext cx="0" cy="0"/>
+          <a:chOff x="0" y="0"/>
+          <a:chExt cx="0" cy="0"/>
+        </a:xfrm>
+      </p:grpSpPr>
+      <p:sp>
+        <p:nvSpPr>
+          <p:cNvPr id="2" name="標題 1"/>
+          <p:cNvSpPr>
+            <a:spLocks noGrp="1"/>
+          </p:cNvSpPr>
+          <p:nvPr>
+            <p:ph type="title"/>
+          </p:nvPr>
+        </p:nvSpPr>
+        <p:spPr>
+          <a:xfrm>
+            <a:off x="467544" y="195486"/>
+            <a:ext cx="8280900" cy="964500"/>
+          </a:xfrm>
+        </p:spPr>
+        <p:txBody>
+          <a:bodyPr/>
+          <a:lstStyle/>
+          <a:p>
+            <a:r>
+              <a:rPr lang="en-US" altLang="zh-TW" dirty="0" smtClean="0"/>
+              <a:t>For every neuron</a:t>
+            </a:r>
+            <a:endParaRPr lang="zh-TW" altLang="en-US" dirty="0"/>
+          </a:p>
+        </p:txBody>
+      </p:sp>
+      <p:pic>
+        <p:nvPicPr>
+          <p:cNvPr id="2050" name="Picture 2"/>
+          <p:cNvPicPr>
+            <a:picLocks noChangeAspect="1" noChangeArrowheads="1"/>
+          </p:cNvPicPr>
+          <p:nvPr/>
+        </p:nvPicPr>
+        <p:blipFill>
+          <a:blip r:embed="rId2"/>
+          <a:srcRect/>
+          <a:stretch>
+            <a:fillRect/>
+          </a:stretch>
+        </p:blipFill>
+        <p:spPr bwMode="auto">
+          <a:xfrm>
+            <a:off x="2051720" y="1635646"/>
+            <a:ext cx="5677767" cy="2474317"/>
+          </a:xfrm>
+          <a:prstGeom prst="rect">
+            <a:avLst/>
+          </a:prstGeom>
+          <a:noFill/>
+          <a:ln w="9525">
+            <a:noFill/>
+            <a:miter lim="800000"/>
+            <a:headEnd/>
+            <a:tailEnd/>
+          </a:ln>
+        </p:spPr>
+      </p:pic>
+    </p:spTree>
+  </p:cSld>
+  <p:clrMapOvr>
+    <a:masterClrMapping/>
+  </p:clrMapOvr>
+</p:sld>
+</file>
+
+<file path=ppt/slides/slide9.xml><?xml version="1.0" encoding="utf-8"?>
 <p:sld xmlns:a="http://schemas.openxmlformats.org/drawingml/2006/main" xmlns:r="http://schemas.openxmlformats.org/officeDocument/2006/relationships" xmlns:p="http://schemas.openxmlformats.org/presentationml/2006/main">
   <p:cSld>
     <p:spTree>
@@ -38188,2182 +44560,6 @@
           <a:xfrm>
             <a:off x="5349598" y="2415650"/>
             <a:ext cx="132766" cy="132766"/>
-          </a:xfrm>
-          <a:prstGeom prst="rect">
-            <a:avLst/>
-          </a:prstGeom>
-          <a:noFill/>
-          <a:ln>
-            <a:noFill/>
-          </a:ln>
-        </p:spPr>
-      </p:pic>
-    </p:spTree>
-  </p:cSld>
-  <p:clrMapOvr>
-    <a:masterClrMapping/>
-  </p:clrMapOvr>
-</p:sld>
-</file>
-
-<file path=ppt/slides/slide8.xml><?xml version="1.0" encoding="utf-8"?>
-<p:sld xmlns:a="http://schemas.openxmlformats.org/drawingml/2006/main" xmlns:r="http://schemas.openxmlformats.org/officeDocument/2006/relationships" xmlns:p="http://schemas.openxmlformats.org/presentationml/2006/main">
-  <p:cSld>
-    <p:spTree>
-      <p:nvGrpSpPr>
-        <p:cNvPr id="1" name="Shape 208"/>
-        <p:cNvGrpSpPr/>
-        <p:nvPr/>
-      </p:nvGrpSpPr>
-      <p:grpSpPr>
-        <a:xfrm>
-          <a:off x="0" y="0"/>
-          <a:ext cx="0" cy="0"/>
-          <a:chOff x="0" y="0"/>
-          <a:chExt cx="0" cy="0"/>
-        </a:xfrm>
-      </p:grpSpPr>
-      <p:sp>
-        <p:nvSpPr>
-          <p:cNvPr id="209" name="Google Shape;209;p47"/>
-          <p:cNvSpPr txBox="1">
-            <a:spLocks noGrp="1"/>
-          </p:cNvSpPr>
-          <p:nvPr>
-            <p:ph type="title"/>
-          </p:nvPr>
-        </p:nvSpPr>
-        <p:spPr>
-          <a:xfrm>
-            <a:off x="431625" y="299221"/>
-            <a:ext cx="8280900" cy="1239000"/>
-          </a:xfrm>
-          <a:prstGeom prst="rect">
-            <a:avLst/>
-          </a:prstGeom>
-          <a:noFill/>
-          <a:ln>
-            <a:noFill/>
-          </a:ln>
-        </p:spPr>
-        <p:txBody>
-          <a:bodyPr spcFirstLastPara="1" wrap="square" lIns="20100" tIns="20100" rIns="20100" bIns="20100" anchor="ctr" anchorCtr="0">
-            <a:noAutofit/>
-          </a:bodyPr>
-          <a:lstStyle/>
-          <a:p>
-            <a:pPr marL="0" marR="0" lvl="0" indent="0" algn="ctr" rtl="0">
-              <a:lnSpc>
-                <a:spcPct val="100000"/>
-              </a:lnSpc>
-              <a:spcBef>
-                <a:spcPts val="0"/>
-              </a:spcBef>
-              <a:spcAft>
-                <a:spcPts val="0"/>
-              </a:spcAft>
-              <a:buClr>
-                <a:srgbClr val="000000"/>
-              </a:buClr>
-              <a:buFont typeface="Gill Sans"/>
-              <a:buNone/>
-            </a:pPr>
-            <a:r>
-              <a:rPr lang="en" sz="3400" b="0" i="0" u="none" strike="noStrike" cap="none">
-                <a:solidFill>
-                  <a:srgbClr val="000000"/>
-                </a:solidFill>
-                <a:latin typeface="Gill Sans"/>
-                <a:ea typeface="Gill Sans"/>
-                <a:cs typeface="Gill Sans"/>
-                <a:sym typeface="Gill Sans"/>
-              </a:rPr>
-              <a:t>GPA enough? </a:t>
-            </a:r>
-            <a:endParaRPr/>
-          </a:p>
-          <a:p>
-            <a:pPr marL="0" marR="0" lvl="0" indent="0" algn="ctr" rtl="0">
-              <a:lnSpc>
-                <a:spcPct val="100000"/>
-              </a:lnSpc>
-              <a:spcBef>
-                <a:spcPts val="0"/>
-              </a:spcBef>
-              <a:spcAft>
-                <a:spcPts val="0"/>
-              </a:spcAft>
-              <a:buClr>
-                <a:srgbClr val="000000"/>
-              </a:buClr>
-              <a:buFont typeface="Gill Sans"/>
-              <a:buNone/>
-            </a:pPr>
-            <a:r>
-              <a:rPr lang="en" sz="3400" b="0" i="0" u="none" strike="noStrike" cap="none">
-                <a:solidFill>
-                  <a:srgbClr val="000000"/>
-                </a:solidFill>
-                <a:latin typeface="Gill Sans"/>
-                <a:ea typeface="Gill Sans"/>
-                <a:cs typeface="Gill Sans"/>
-                <a:sym typeface="Gill Sans"/>
-              </a:rPr>
-              <a:t>How about experience and others?</a:t>
-            </a:r>
-            <a:endParaRPr/>
-          </a:p>
-        </p:txBody>
-      </p:sp>
-      <p:graphicFrame>
-        <p:nvGraphicFramePr>
-          <p:cNvPr id="210" name="Google Shape;210;p47"/>
-          <p:cNvGraphicFramePr/>
-          <p:nvPr/>
-        </p:nvGraphicFramePr>
-        <p:xfrm>
-          <a:off x="1630264" y="1686436"/>
-          <a:ext cx="2870850" cy="1861500"/>
-        </p:xfrm>
-        <a:graphic>
-          <a:graphicData uri="http://schemas.openxmlformats.org/drawingml/2006/table">
-            <a:tbl>
-              <a:tblPr firstRow="1" firstCol="1">
-                <a:noFill/>
-                <a:tableStyleId>{E3CE9EC6-9A32-4AC2-AFA3-ABCAA7ABF99D}</a:tableStyleId>
-              </a:tblPr>
-              <a:tblGrid>
-                <a:gridCol w="1435425"/>
-                <a:gridCol w="1435425"/>
-              </a:tblGrid>
-              <a:tr h="372300">
-                <a:tc>
-                  <a:txBody>
-                    <a:bodyPr/>
-                    <a:lstStyle/>
-                    <a:p>
-                      <a:pPr marL="0" marR="0" lvl="0" indent="0" algn="ctr" rtl="0">
-                        <a:lnSpc>
-                          <a:spcPct val="100000"/>
-                        </a:lnSpc>
-                        <a:spcBef>
-                          <a:spcPts val="0"/>
-                        </a:spcBef>
-                        <a:spcAft>
-                          <a:spcPts val="0"/>
-                        </a:spcAft>
-                        <a:buClr>
-                          <a:schemeClr val="dk1"/>
-                        </a:buClr>
-                        <a:buFont typeface="Helvetica Neue"/>
-                        <a:buNone/>
-                      </a:pPr>
-                      <a:r>
-                        <a:rPr lang="en" sz="1500" u="none" strike="noStrike" cap="none"/>
-                        <a:t>Experience (b)</a:t>
-                      </a:r>
-                      <a:endParaRPr sz="500"/>
-                    </a:p>
-                  </a:txBody>
-                  <a:tcPr marL="19050" marR="19050" marT="19050" marB="19050" anchor="ctr"/>
-                </a:tc>
-                <a:tc>
-                  <a:txBody>
-                    <a:bodyPr/>
-                    <a:lstStyle/>
-                    <a:p>
-                      <a:pPr marL="0" marR="0" lvl="0" indent="0" algn="ctr" rtl="0">
-                        <a:lnSpc>
-                          <a:spcPct val="100000"/>
-                        </a:lnSpc>
-                        <a:spcBef>
-                          <a:spcPts val="0"/>
-                        </a:spcBef>
-                        <a:spcAft>
-                          <a:spcPts val="0"/>
-                        </a:spcAft>
-                        <a:buClr>
-                          <a:srgbClr val="FFFFFF"/>
-                        </a:buClr>
-                        <a:buFont typeface="Helvetica Neue"/>
-                        <a:buNone/>
-                      </a:pPr>
-                      <a:r>
-                        <a:rPr lang="en" sz="1800" u="none" strike="noStrike" cap="none">
-                          <a:solidFill>
-                            <a:srgbClr val="FFFFFF"/>
-                          </a:solidFill>
-                        </a:rPr>
-                        <a:t>Admission?</a:t>
-                      </a:r>
-                      <a:endParaRPr sz="500"/>
-                    </a:p>
-                  </a:txBody>
-                  <a:tcPr marL="19050" marR="19050" marT="19050" marB="19050" anchor="ctr"/>
-                </a:tc>
-              </a:tr>
-              <a:tr h="372300">
-                <a:tc>
-                  <a:txBody>
-                    <a:bodyPr/>
-                    <a:lstStyle/>
-                    <a:p>
-                      <a:pPr marL="0" marR="0" lvl="0" indent="0" algn="ctr" rtl="0">
-                        <a:lnSpc>
-                          <a:spcPct val="100000"/>
-                        </a:lnSpc>
-                        <a:spcBef>
-                          <a:spcPts val="0"/>
-                        </a:spcBef>
-                        <a:spcAft>
-                          <a:spcPts val="0"/>
-                        </a:spcAft>
-                        <a:buClr>
-                          <a:srgbClr val="FFFFFF"/>
-                        </a:buClr>
-                        <a:buFont typeface="Helvetica Neue"/>
-                        <a:buNone/>
-                      </a:pPr>
-                      <a:r>
-                        <a:rPr lang="en" sz="1800" u="none" strike="noStrike" cap="none">
-                          <a:solidFill>
-                            <a:srgbClr val="FFFFFF"/>
-                          </a:solidFill>
-                        </a:rPr>
-                        <a:t>0.1</a:t>
-                      </a:r>
-                      <a:endParaRPr sz="500"/>
-                    </a:p>
-                  </a:txBody>
-                  <a:tcPr marL="19050" marR="19050" marT="19050" marB="19050" anchor="ctr"/>
-                </a:tc>
-                <a:tc>
-                  <a:txBody>
-                    <a:bodyPr/>
-                    <a:lstStyle/>
-                    <a:p>
-                      <a:pPr marL="0" marR="0" lvl="0" indent="0" algn="ctr" rtl="0">
-                        <a:lnSpc>
-                          <a:spcPct val="100000"/>
-                        </a:lnSpc>
-                        <a:spcBef>
-                          <a:spcPts val="0"/>
-                        </a:spcBef>
-                        <a:spcAft>
-                          <a:spcPts val="0"/>
-                        </a:spcAft>
-                        <a:buClr>
-                          <a:schemeClr val="dk1"/>
-                        </a:buClr>
-                        <a:buFont typeface="Helvetica Neue"/>
-                        <a:buNone/>
-                      </a:pPr>
-                      <a:r>
-                        <a:rPr lang="en" sz="1800" u="none" strike="noStrike" cap="none"/>
-                        <a:t>0</a:t>
-                      </a:r>
-                      <a:endParaRPr sz="500"/>
-                    </a:p>
-                  </a:txBody>
-                  <a:tcPr marL="19050" marR="19050" marT="19050" marB="19050" anchor="ctr">
-                    <a:lnR w="12700" cap="flat" cmpd="sng">
-                      <a:solidFill>
-                        <a:srgbClr val="5D5D5D"/>
-                      </a:solidFill>
-                      <a:prstDash val="solid"/>
-                      <a:round/>
-                      <a:headEnd type="none" w="sm" len="sm"/>
-                      <a:tailEnd type="none" w="sm" len="sm"/>
-                    </a:lnR>
-                  </a:tcPr>
-                </a:tc>
-              </a:tr>
-              <a:tr h="372300">
-                <a:tc>
-                  <a:txBody>
-                    <a:bodyPr/>
-                    <a:lstStyle/>
-                    <a:p>
-                      <a:pPr marL="0" marR="0" lvl="0" indent="0" algn="ctr" rtl="0">
-                        <a:lnSpc>
-                          <a:spcPct val="100000"/>
-                        </a:lnSpc>
-                        <a:spcBef>
-                          <a:spcPts val="0"/>
-                        </a:spcBef>
-                        <a:spcAft>
-                          <a:spcPts val="0"/>
-                        </a:spcAft>
-                        <a:buClr>
-                          <a:srgbClr val="FFFFFF"/>
-                        </a:buClr>
-                        <a:buFont typeface="Helvetica Neue"/>
-                        <a:buNone/>
-                      </a:pPr>
-                      <a:r>
-                        <a:rPr lang="en" sz="1800" u="none" strike="noStrike" cap="none">
-                          <a:solidFill>
-                            <a:srgbClr val="FFFFFF"/>
-                          </a:solidFill>
-                        </a:rPr>
-                        <a:t>0.8</a:t>
-                      </a:r>
-                      <a:endParaRPr sz="500"/>
-                    </a:p>
-                  </a:txBody>
-                  <a:tcPr marL="19050" marR="19050" marT="19050" marB="19050" anchor="ctr"/>
-                </a:tc>
-                <a:tc>
-                  <a:txBody>
-                    <a:bodyPr/>
-                    <a:lstStyle/>
-                    <a:p>
-                      <a:pPr marL="0" marR="0" lvl="0" indent="0" algn="ctr" rtl="0">
-                        <a:lnSpc>
-                          <a:spcPct val="100000"/>
-                        </a:lnSpc>
-                        <a:spcBef>
-                          <a:spcPts val="0"/>
-                        </a:spcBef>
-                        <a:spcAft>
-                          <a:spcPts val="0"/>
-                        </a:spcAft>
-                        <a:buClr>
-                          <a:schemeClr val="dk1"/>
-                        </a:buClr>
-                        <a:buFont typeface="Helvetica Neue"/>
-                        <a:buNone/>
-                      </a:pPr>
-                      <a:r>
-                        <a:rPr lang="en" sz="1800" u="none" strike="noStrike" cap="none"/>
-                        <a:t>1</a:t>
-                      </a:r>
-                      <a:endParaRPr sz="500"/>
-                    </a:p>
-                  </a:txBody>
-                  <a:tcPr marL="19050" marR="19050" marT="19050" marB="19050" anchor="ctr">
-                    <a:lnR w="12700" cap="flat" cmpd="sng">
-                      <a:solidFill>
-                        <a:srgbClr val="5D5D5D"/>
-                      </a:solidFill>
-                      <a:prstDash val="solid"/>
-                      <a:round/>
-                      <a:headEnd type="none" w="sm" len="sm"/>
-                      <a:tailEnd type="none" w="sm" len="sm"/>
-                    </a:lnR>
-                  </a:tcPr>
-                </a:tc>
-              </a:tr>
-              <a:tr h="372300">
-                <a:tc>
-                  <a:txBody>
-                    <a:bodyPr/>
-                    <a:lstStyle/>
-                    <a:p>
-                      <a:pPr marL="0" marR="0" lvl="0" indent="0" algn="ctr" rtl="0">
-                        <a:lnSpc>
-                          <a:spcPct val="100000"/>
-                        </a:lnSpc>
-                        <a:spcBef>
-                          <a:spcPts val="0"/>
-                        </a:spcBef>
-                        <a:spcAft>
-                          <a:spcPts val="0"/>
-                        </a:spcAft>
-                        <a:buClr>
-                          <a:srgbClr val="FFFFFF"/>
-                        </a:buClr>
-                        <a:buFont typeface="Helvetica Neue"/>
-                        <a:buNone/>
-                      </a:pPr>
-                      <a:r>
-                        <a:rPr lang="en" sz="1800" u="none" strike="noStrike" cap="none">
-                          <a:solidFill>
-                            <a:srgbClr val="FFFFFF"/>
-                          </a:solidFill>
-                        </a:rPr>
-                        <a:t>0.9</a:t>
-                      </a:r>
-                      <a:endParaRPr sz="500"/>
-                    </a:p>
-                  </a:txBody>
-                  <a:tcPr marL="19050" marR="19050" marT="19050" marB="19050" anchor="ctr"/>
-                </a:tc>
-                <a:tc>
-                  <a:txBody>
-                    <a:bodyPr/>
-                    <a:lstStyle/>
-                    <a:p>
-                      <a:pPr marL="0" marR="0" lvl="0" indent="0" algn="ctr" rtl="0">
-                        <a:lnSpc>
-                          <a:spcPct val="100000"/>
-                        </a:lnSpc>
-                        <a:spcBef>
-                          <a:spcPts val="0"/>
-                        </a:spcBef>
-                        <a:spcAft>
-                          <a:spcPts val="0"/>
-                        </a:spcAft>
-                        <a:buClr>
-                          <a:schemeClr val="dk1"/>
-                        </a:buClr>
-                        <a:buFont typeface="Helvetica Neue"/>
-                        <a:buNone/>
-                      </a:pPr>
-                      <a:r>
-                        <a:rPr lang="en" sz="1800" u="none" strike="noStrike" cap="none"/>
-                        <a:t>0</a:t>
-                      </a:r>
-                      <a:endParaRPr sz="500"/>
-                    </a:p>
-                  </a:txBody>
-                  <a:tcPr marL="19050" marR="19050" marT="19050" marB="19050" anchor="ctr">
-                    <a:lnR w="12700" cap="flat" cmpd="sng">
-                      <a:solidFill>
-                        <a:srgbClr val="5D5D5D"/>
-                      </a:solidFill>
-                      <a:prstDash val="solid"/>
-                      <a:round/>
-                      <a:headEnd type="none" w="sm" len="sm"/>
-                      <a:tailEnd type="none" w="sm" len="sm"/>
-                    </a:lnR>
-                  </a:tcPr>
-                </a:tc>
-              </a:tr>
-              <a:tr h="372300">
-                <a:tc>
-                  <a:txBody>
-                    <a:bodyPr/>
-                    <a:lstStyle/>
-                    <a:p>
-                      <a:pPr marL="0" marR="0" lvl="0" indent="0" algn="ctr" rtl="0">
-                        <a:lnSpc>
-                          <a:spcPct val="100000"/>
-                        </a:lnSpc>
-                        <a:spcBef>
-                          <a:spcPts val="0"/>
-                        </a:spcBef>
-                        <a:spcAft>
-                          <a:spcPts val="0"/>
-                        </a:spcAft>
-                        <a:buClr>
-                          <a:srgbClr val="FFFFFF"/>
-                        </a:buClr>
-                        <a:buFont typeface="Helvetica Neue"/>
-                        <a:buNone/>
-                      </a:pPr>
-                      <a:r>
-                        <a:rPr lang="en" sz="1800" u="none" strike="noStrike" cap="none">
-                          <a:solidFill>
-                            <a:srgbClr val="FFFFFF"/>
-                          </a:solidFill>
-                        </a:rPr>
-                        <a:t>0.2</a:t>
-                      </a:r>
-                      <a:endParaRPr sz="500"/>
-                    </a:p>
-                  </a:txBody>
-                  <a:tcPr marL="19050" marR="19050" marT="19050" marB="19050" anchor="ctr"/>
-                </a:tc>
-                <a:tc>
-                  <a:txBody>
-                    <a:bodyPr/>
-                    <a:lstStyle/>
-                    <a:p>
-                      <a:pPr marL="0" marR="0" lvl="0" indent="0" algn="ctr" rtl="0">
-                        <a:lnSpc>
-                          <a:spcPct val="100000"/>
-                        </a:lnSpc>
-                        <a:spcBef>
-                          <a:spcPts val="0"/>
-                        </a:spcBef>
-                        <a:spcAft>
-                          <a:spcPts val="0"/>
-                        </a:spcAft>
-                        <a:buClr>
-                          <a:schemeClr val="dk1"/>
-                        </a:buClr>
-                        <a:buFont typeface="Helvetica Neue"/>
-                        <a:buNone/>
-                      </a:pPr>
-                      <a:r>
-                        <a:rPr lang="en" sz="1800" u="none" strike="noStrike" cap="none"/>
-                        <a:t>1</a:t>
-                      </a:r>
-                      <a:endParaRPr sz="500"/>
-                    </a:p>
-                  </a:txBody>
-                  <a:tcPr marL="19050" marR="19050" marT="19050" marB="19050" anchor="ctr">
-                    <a:lnR w="12700" cap="flat" cmpd="sng">
-                      <a:solidFill>
-                        <a:srgbClr val="5D5D5D"/>
-                      </a:solidFill>
-                      <a:prstDash val="solid"/>
-                      <a:round/>
-                      <a:headEnd type="none" w="sm" len="sm"/>
-                      <a:tailEnd type="none" w="sm" len="sm"/>
-                    </a:lnR>
-                    <a:lnB w="12700" cap="flat" cmpd="sng">
-                      <a:solidFill>
-                        <a:srgbClr val="606060"/>
-                      </a:solidFill>
-                      <a:prstDash val="solid"/>
-                      <a:round/>
-                      <a:headEnd type="none" w="sm" len="sm"/>
-                      <a:tailEnd type="none" w="sm" len="sm"/>
-                    </a:lnB>
-                  </a:tcPr>
-                </a:tc>
-              </a:tr>
-            </a:tbl>
-          </a:graphicData>
-        </a:graphic>
-      </p:graphicFrame>
-      <p:sp>
-        <p:nvSpPr>
-          <p:cNvPr id="211" name="Google Shape;211;p47"/>
-          <p:cNvSpPr txBox="1"/>
-          <p:nvPr/>
-        </p:nvSpPr>
-        <p:spPr>
-          <a:xfrm>
-            <a:off x="463857" y="3835198"/>
-            <a:ext cx="2076900" cy="777600"/>
-          </a:xfrm>
-          <a:prstGeom prst="rect">
-            <a:avLst/>
-          </a:prstGeom>
-          <a:noFill/>
-          <a:ln>
-            <a:noFill/>
-          </a:ln>
-        </p:spPr>
-        <p:txBody>
-          <a:bodyPr spcFirstLastPara="1" wrap="square" lIns="26775" tIns="26775" rIns="26775" bIns="26775" anchor="ctr" anchorCtr="0">
-            <a:noAutofit/>
-          </a:bodyPr>
-          <a:lstStyle/>
-          <a:p>
-            <a:pPr marL="0" marR="0" lvl="0" indent="0" algn="l" rtl="0">
-              <a:lnSpc>
-                <a:spcPct val="100000"/>
-              </a:lnSpc>
-              <a:spcBef>
-                <a:spcPts val="0"/>
-              </a:spcBef>
-              <a:spcAft>
-                <a:spcPts val="0"/>
-              </a:spcAft>
-              <a:buClr>
-                <a:srgbClr val="000000"/>
-              </a:buClr>
-              <a:buFont typeface="Arial"/>
-              <a:buNone/>
-            </a:pPr>
-            <a:r>
-              <a:rPr lang="en" sz="1200" b="0" i="0" u="none" strike="noStrike" cap="none">
-                <a:solidFill>
-                  <a:srgbClr val="000000"/>
-                </a:solidFill>
-                <a:latin typeface="Arial"/>
-                <a:ea typeface="Arial"/>
-                <a:cs typeface="Arial"/>
-                <a:sym typeface="Arial"/>
-              </a:rPr>
-              <a:t>x_data =[[</a:t>
-            </a:r>
-            <a:r>
-              <a:rPr lang="en" sz="1200" b="0" i="0" u="none" strike="noStrike" cap="none">
-                <a:solidFill>
-                  <a:srgbClr val="0432FF"/>
-                </a:solidFill>
-                <a:latin typeface="Arial"/>
-                <a:ea typeface="Arial"/>
-                <a:cs typeface="Arial"/>
-                <a:sym typeface="Arial"/>
-              </a:rPr>
-              <a:t>2.1, 0.1</a:t>
-            </a:r>
-            <a:r>
-              <a:rPr lang="en" sz="1200" b="0" i="0" u="none" strike="noStrike" cap="none">
-                <a:solidFill>
-                  <a:srgbClr val="000000"/>
-                </a:solidFill>
-                <a:latin typeface="Arial"/>
-                <a:ea typeface="Arial"/>
-                <a:cs typeface="Arial"/>
-                <a:sym typeface="Arial"/>
-              </a:rPr>
-              <a:t>], </a:t>
-            </a:r>
-            <a:endParaRPr sz="500"/>
-          </a:p>
-          <a:p>
-            <a:pPr marL="0" marR="0" lvl="0" indent="0" algn="l" rtl="0">
-              <a:lnSpc>
-                <a:spcPct val="100000"/>
-              </a:lnSpc>
-              <a:spcBef>
-                <a:spcPts val="0"/>
-              </a:spcBef>
-              <a:spcAft>
-                <a:spcPts val="0"/>
-              </a:spcAft>
-              <a:buClr>
-                <a:srgbClr val="000000"/>
-              </a:buClr>
-              <a:buFont typeface="Arial"/>
-              <a:buNone/>
-            </a:pPr>
-            <a:r>
-              <a:rPr lang="en" sz="1200" b="0" i="0" u="none" strike="noStrike" cap="none">
-                <a:solidFill>
-                  <a:srgbClr val="000000"/>
-                </a:solidFill>
-                <a:latin typeface="Arial"/>
-                <a:ea typeface="Arial"/>
-                <a:cs typeface="Arial"/>
-                <a:sym typeface="Arial"/>
-              </a:rPr>
-              <a:t>         [</a:t>
-            </a:r>
-            <a:r>
-              <a:rPr lang="en" sz="1200" b="0" i="0" u="none" strike="noStrike" cap="none">
-                <a:solidFill>
-                  <a:srgbClr val="0432FF"/>
-                </a:solidFill>
-                <a:latin typeface="Arial"/>
-                <a:ea typeface="Arial"/>
-                <a:cs typeface="Arial"/>
-                <a:sym typeface="Arial"/>
-              </a:rPr>
-              <a:t>4.2, 0.8</a:t>
-            </a:r>
-            <a:r>
-              <a:rPr lang="en" sz="1200" b="0" i="0" u="none" strike="noStrike" cap="none">
-                <a:solidFill>
-                  <a:srgbClr val="000000"/>
-                </a:solidFill>
-                <a:latin typeface="Arial"/>
-                <a:ea typeface="Arial"/>
-                <a:cs typeface="Arial"/>
-                <a:sym typeface="Arial"/>
-              </a:rPr>
-              <a:t>], </a:t>
-            </a:r>
-            <a:endParaRPr sz="500"/>
-          </a:p>
-          <a:p>
-            <a:pPr marL="0" marR="0" lvl="0" indent="0" algn="l" rtl="0">
-              <a:lnSpc>
-                <a:spcPct val="100000"/>
-              </a:lnSpc>
-              <a:spcBef>
-                <a:spcPts val="0"/>
-              </a:spcBef>
-              <a:spcAft>
-                <a:spcPts val="0"/>
-              </a:spcAft>
-              <a:buClr>
-                <a:srgbClr val="000000"/>
-              </a:buClr>
-              <a:buFont typeface="Arial"/>
-              <a:buNone/>
-            </a:pPr>
-            <a:r>
-              <a:rPr lang="en" sz="1200" b="0" i="0" u="none" strike="noStrike" cap="none">
-                <a:solidFill>
-                  <a:srgbClr val="000000"/>
-                </a:solidFill>
-                <a:latin typeface="Arial"/>
-                <a:ea typeface="Arial"/>
-                <a:cs typeface="Arial"/>
-                <a:sym typeface="Arial"/>
-              </a:rPr>
-              <a:t>         [</a:t>
-            </a:r>
-            <a:r>
-              <a:rPr lang="en" sz="1200" b="0" i="0" u="none" strike="noStrike" cap="none">
-                <a:solidFill>
-                  <a:srgbClr val="0432FF"/>
-                </a:solidFill>
-                <a:latin typeface="Arial"/>
-                <a:ea typeface="Arial"/>
-                <a:cs typeface="Arial"/>
-                <a:sym typeface="Arial"/>
-              </a:rPr>
-              <a:t>3.1, 0.9</a:t>
-            </a:r>
-            <a:r>
-              <a:rPr lang="en" sz="1200" b="0" i="0" u="none" strike="noStrike" cap="none">
-                <a:solidFill>
-                  <a:srgbClr val="000000"/>
-                </a:solidFill>
-                <a:latin typeface="Arial"/>
-                <a:ea typeface="Arial"/>
-                <a:cs typeface="Arial"/>
-                <a:sym typeface="Arial"/>
-              </a:rPr>
-              <a:t>],</a:t>
-            </a:r>
-            <a:endParaRPr sz="500"/>
-          </a:p>
-          <a:p>
-            <a:pPr marL="0" marR="0" lvl="0" indent="0" algn="l" rtl="0">
-              <a:lnSpc>
-                <a:spcPct val="100000"/>
-              </a:lnSpc>
-              <a:spcBef>
-                <a:spcPts val="0"/>
-              </a:spcBef>
-              <a:spcAft>
-                <a:spcPts val="0"/>
-              </a:spcAft>
-              <a:buClr>
-                <a:srgbClr val="000000"/>
-              </a:buClr>
-              <a:buFont typeface="Arial"/>
-              <a:buNone/>
-            </a:pPr>
-            <a:r>
-              <a:rPr lang="en" sz="1200" b="0" i="0" u="none" strike="noStrike" cap="none">
-                <a:solidFill>
-                  <a:srgbClr val="000000"/>
-                </a:solidFill>
-                <a:latin typeface="Arial"/>
-                <a:ea typeface="Arial"/>
-                <a:cs typeface="Arial"/>
-                <a:sym typeface="Arial"/>
-              </a:rPr>
-              <a:t>         [</a:t>
-            </a:r>
-            <a:r>
-              <a:rPr lang="en" sz="1200" b="0" i="0" u="none" strike="noStrike" cap="none">
-                <a:solidFill>
-                  <a:srgbClr val="0432FF"/>
-                </a:solidFill>
-                <a:latin typeface="Arial"/>
-                <a:ea typeface="Arial"/>
-                <a:cs typeface="Arial"/>
-                <a:sym typeface="Arial"/>
-              </a:rPr>
-              <a:t>3.3, 0.2</a:t>
-            </a:r>
-            <a:r>
-              <a:rPr lang="en" sz="1200" b="0" i="0" u="none" strike="noStrike" cap="none">
-                <a:solidFill>
-                  <a:srgbClr val="000000"/>
-                </a:solidFill>
-                <a:latin typeface="Arial"/>
-                <a:ea typeface="Arial"/>
-                <a:cs typeface="Arial"/>
-                <a:sym typeface="Arial"/>
-              </a:rPr>
-              <a:t>]]</a:t>
-            </a:r>
-            <a:endParaRPr sz="500"/>
-          </a:p>
-        </p:txBody>
-      </p:sp>
-      <p:sp>
-        <p:nvSpPr>
-          <p:cNvPr id="212" name="Google Shape;212;p47"/>
-          <p:cNvSpPr txBox="1"/>
-          <p:nvPr/>
-        </p:nvSpPr>
-        <p:spPr>
-          <a:xfrm>
-            <a:off x="2728492" y="3835198"/>
-            <a:ext cx="1618200" cy="777600"/>
-          </a:xfrm>
-          <a:prstGeom prst="rect">
-            <a:avLst/>
-          </a:prstGeom>
-          <a:noFill/>
-          <a:ln>
-            <a:noFill/>
-          </a:ln>
-        </p:spPr>
-        <p:txBody>
-          <a:bodyPr spcFirstLastPara="1" wrap="square" lIns="26775" tIns="26775" rIns="26775" bIns="26775" anchor="ctr" anchorCtr="0">
-            <a:noAutofit/>
-          </a:bodyPr>
-          <a:lstStyle/>
-          <a:p>
-            <a:pPr marL="0" marR="0" lvl="0" indent="0" algn="l" rtl="0">
-              <a:lnSpc>
-                <a:spcPct val="100000"/>
-              </a:lnSpc>
-              <a:spcBef>
-                <a:spcPts val="0"/>
-              </a:spcBef>
-              <a:spcAft>
-                <a:spcPts val="0"/>
-              </a:spcAft>
-              <a:buClr>
-                <a:srgbClr val="000000"/>
-              </a:buClr>
-              <a:buFont typeface="Arial"/>
-              <a:buNone/>
-            </a:pPr>
-            <a:r>
-              <a:rPr lang="en" sz="1200" b="0" i="0" u="none" strike="noStrike" cap="none">
-                <a:solidFill>
-                  <a:srgbClr val="000000"/>
-                </a:solidFill>
-                <a:latin typeface="Arial"/>
-                <a:ea typeface="Arial"/>
-                <a:cs typeface="Arial"/>
-                <a:sym typeface="Arial"/>
-              </a:rPr>
-              <a:t>y_data =[[</a:t>
-            </a:r>
-            <a:r>
-              <a:rPr lang="en" sz="1200" b="0" i="0" u="none" strike="noStrike" cap="none">
-                <a:solidFill>
-                  <a:srgbClr val="0432FF"/>
-                </a:solidFill>
-                <a:latin typeface="Arial"/>
-                <a:ea typeface="Arial"/>
-                <a:cs typeface="Arial"/>
-                <a:sym typeface="Arial"/>
-              </a:rPr>
-              <a:t>0.0</a:t>
-            </a:r>
-            <a:r>
-              <a:rPr lang="en" sz="1200" b="0" i="0" u="none" strike="noStrike" cap="none">
-                <a:solidFill>
-                  <a:srgbClr val="000000"/>
-                </a:solidFill>
-                <a:latin typeface="Arial"/>
-                <a:ea typeface="Arial"/>
-                <a:cs typeface="Arial"/>
-                <a:sym typeface="Arial"/>
-              </a:rPr>
-              <a:t>], </a:t>
-            </a:r>
-            <a:endParaRPr sz="500"/>
-          </a:p>
-          <a:p>
-            <a:pPr marL="0" marR="0" lvl="0" indent="0" algn="l" rtl="0">
-              <a:lnSpc>
-                <a:spcPct val="100000"/>
-              </a:lnSpc>
-              <a:spcBef>
-                <a:spcPts val="0"/>
-              </a:spcBef>
-              <a:spcAft>
-                <a:spcPts val="0"/>
-              </a:spcAft>
-              <a:buClr>
-                <a:srgbClr val="000000"/>
-              </a:buClr>
-              <a:buFont typeface="Arial"/>
-              <a:buNone/>
-            </a:pPr>
-            <a:r>
-              <a:rPr lang="en" sz="1200" b="0" i="0" u="none" strike="noStrike" cap="none">
-                <a:solidFill>
-                  <a:srgbClr val="000000"/>
-                </a:solidFill>
-                <a:latin typeface="Arial"/>
-                <a:ea typeface="Arial"/>
-                <a:cs typeface="Arial"/>
-                <a:sym typeface="Arial"/>
-              </a:rPr>
-              <a:t>         [</a:t>
-            </a:r>
-            <a:r>
-              <a:rPr lang="en" sz="1200" b="0" i="0" u="none" strike="noStrike" cap="none">
-                <a:solidFill>
-                  <a:srgbClr val="0432FF"/>
-                </a:solidFill>
-                <a:latin typeface="Arial"/>
-                <a:ea typeface="Arial"/>
-                <a:cs typeface="Arial"/>
-                <a:sym typeface="Arial"/>
-              </a:rPr>
-              <a:t>1.0</a:t>
-            </a:r>
-            <a:r>
-              <a:rPr lang="en" sz="1200" b="0" i="0" u="none" strike="noStrike" cap="none">
-                <a:solidFill>
-                  <a:srgbClr val="000000"/>
-                </a:solidFill>
-                <a:latin typeface="Arial"/>
-                <a:ea typeface="Arial"/>
-                <a:cs typeface="Arial"/>
-                <a:sym typeface="Arial"/>
-              </a:rPr>
-              <a:t>], </a:t>
-            </a:r>
-            <a:endParaRPr sz="500"/>
-          </a:p>
-          <a:p>
-            <a:pPr marL="0" marR="0" lvl="0" indent="0" algn="l" rtl="0">
-              <a:lnSpc>
-                <a:spcPct val="100000"/>
-              </a:lnSpc>
-              <a:spcBef>
-                <a:spcPts val="0"/>
-              </a:spcBef>
-              <a:spcAft>
-                <a:spcPts val="0"/>
-              </a:spcAft>
-              <a:buClr>
-                <a:srgbClr val="000000"/>
-              </a:buClr>
-              <a:buFont typeface="Arial"/>
-              <a:buNone/>
-            </a:pPr>
-            <a:r>
-              <a:rPr lang="en" sz="1200" b="0" i="0" u="none" strike="noStrike" cap="none">
-                <a:solidFill>
-                  <a:srgbClr val="000000"/>
-                </a:solidFill>
-                <a:latin typeface="Arial"/>
-                <a:ea typeface="Arial"/>
-                <a:cs typeface="Arial"/>
-                <a:sym typeface="Arial"/>
-              </a:rPr>
-              <a:t>         [</a:t>
-            </a:r>
-            <a:r>
-              <a:rPr lang="en" sz="1200" b="0" i="0" u="none" strike="noStrike" cap="none">
-                <a:solidFill>
-                  <a:srgbClr val="0432FF"/>
-                </a:solidFill>
-                <a:latin typeface="Arial"/>
-                <a:ea typeface="Arial"/>
-                <a:cs typeface="Arial"/>
-                <a:sym typeface="Arial"/>
-              </a:rPr>
-              <a:t>0.0</a:t>
-            </a:r>
-            <a:r>
-              <a:rPr lang="en" sz="1200" b="0" i="0" u="none" strike="noStrike" cap="none">
-                <a:solidFill>
-                  <a:srgbClr val="000000"/>
-                </a:solidFill>
-                <a:latin typeface="Arial"/>
-                <a:ea typeface="Arial"/>
-                <a:cs typeface="Arial"/>
-                <a:sym typeface="Arial"/>
-              </a:rPr>
-              <a:t>],</a:t>
-            </a:r>
-            <a:endParaRPr sz="500"/>
-          </a:p>
-          <a:p>
-            <a:pPr marL="0" marR="0" lvl="0" indent="0" algn="l" rtl="0">
-              <a:lnSpc>
-                <a:spcPct val="100000"/>
-              </a:lnSpc>
-              <a:spcBef>
-                <a:spcPts val="0"/>
-              </a:spcBef>
-              <a:spcAft>
-                <a:spcPts val="0"/>
-              </a:spcAft>
-              <a:buClr>
-                <a:srgbClr val="000000"/>
-              </a:buClr>
-              <a:buFont typeface="Arial"/>
-              <a:buNone/>
-            </a:pPr>
-            <a:r>
-              <a:rPr lang="en" sz="1200" b="0" i="0" u="none" strike="noStrike" cap="none">
-                <a:solidFill>
-                  <a:srgbClr val="000000"/>
-                </a:solidFill>
-                <a:latin typeface="Arial"/>
-                <a:ea typeface="Arial"/>
-                <a:cs typeface="Arial"/>
-                <a:sym typeface="Arial"/>
-              </a:rPr>
-              <a:t>         [1.0]]</a:t>
-            </a:r>
-            <a:endParaRPr sz="500"/>
-          </a:p>
-        </p:txBody>
-      </p:sp>
-      <p:pic>
-        <p:nvPicPr>
-          <p:cNvPr id="213" name="Google Shape;213;p47" descr="Image"/>
-          <p:cNvPicPr preferRelativeResize="0"/>
-          <p:nvPr/>
-        </p:nvPicPr>
-        <p:blipFill rotWithShape="1">
-          <a:blip r:embed="rId3">
-            <a:alphaModFix/>
-          </a:blip>
-          <a:srcRect/>
-          <a:stretch/>
-        </p:blipFill>
-        <p:spPr>
-          <a:xfrm>
-            <a:off x="29487" y="1640665"/>
-            <a:ext cx="1590158" cy="1957073"/>
-          </a:xfrm>
-          <a:prstGeom prst="rect">
-            <a:avLst/>
-          </a:prstGeom>
-          <a:noFill/>
-          <a:ln>
-            <a:noFill/>
-          </a:ln>
-        </p:spPr>
-      </p:pic>
-      <p:sp>
-        <p:nvSpPr>
-          <p:cNvPr id="214" name="Google Shape;214;p47"/>
-          <p:cNvSpPr/>
-          <p:nvPr/>
-        </p:nvSpPr>
-        <p:spPr>
-          <a:xfrm>
-            <a:off x="6012278" y="2379061"/>
-            <a:ext cx="752700" cy="476100"/>
-          </a:xfrm>
-          <a:prstGeom prst="rect">
-            <a:avLst/>
-          </a:prstGeom>
-          <a:solidFill>
-            <a:schemeClr val="accent1"/>
-          </a:solidFill>
-          <a:ln>
-            <a:noFill/>
-          </a:ln>
-        </p:spPr>
-        <p:txBody>
-          <a:bodyPr spcFirstLastPara="1" wrap="square" lIns="26775" tIns="26775" rIns="26775" bIns="26775" anchor="ctr" anchorCtr="0">
-            <a:noAutofit/>
-          </a:bodyPr>
-          <a:lstStyle/>
-          <a:p>
-            <a:pPr marL="0" marR="0" lvl="0" indent="0" algn="ctr" rtl="0">
-              <a:lnSpc>
-                <a:spcPct val="100000"/>
-              </a:lnSpc>
-              <a:spcBef>
-                <a:spcPts val="0"/>
-              </a:spcBef>
-              <a:spcAft>
-                <a:spcPts val="0"/>
-              </a:spcAft>
-              <a:buClr>
-                <a:srgbClr val="FFFFFF"/>
-              </a:buClr>
-              <a:buFont typeface="Helvetica Neue"/>
-              <a:buNone/>
-            </a:pPr>
-            <a:r>
-              <a:rPr lang="en" sz="1100" b="0" i="0" u="none" strike="noStrike" cap="none">
-                <a:solidFill>
-                  <a:srgbClr val="FFFFFF"/>
-                </a:solidFill>
-                <a:latin typeface="Helvetica Neue"/>
-                <a:ea typeface="Helvetica Neue"/>
-                <a:cs typeface="Helvetica Neue"/>
-                <a:sym typeface="Helvetica Neue"/>
-              </a:rPr>
-              <a:t>Linear</a:t>
-            </a:r>
-            <a:endParaRPr sz="500"/>
-          </a:p>
-        </p:txBody>
-      </p:sp>
-      <p:pic>
-        <p:nvPicPr>
-          <p:cNvPr id="215" name="Google Shape;215;p47" descr="Image"/>
-          <p:cNvPicPr preferRelativeResize="0"/>
-          <p:nvPr/>
-        </p:nvPicPr>
-        <p:blipFill rotWithShape="1">
-          <a:blip r:embed="rId4">
-            <a:alphaModFix/>
-          </a:blip>
-          <a:srcRect/>
-          <a:stretch/>
-        </p:blipFill>
-        <p:spPr>
-          <a:xfrm>
-            <a:off x="8290567" y="2401464"/>
-            <a:ext cx="291196" cy="431444"/>
-          </a:xfrm>
-          <a:prstGeom prst="rect">
-            <a:avLst/>
-          </a:prstGeom>
-          <a:noFill/>
-          <a:ln>
-            <a:noFill/>
-          </a:ln>
-        </p:spPr>
-      </p:pic>
-      <p:cxnSp>
-        <p:nvCxnSpPr>
-          <p:cNvPr id="216" name="Google Shape;216;p47"/>
-          <p:cNvCxnSpPr/>
-          <p:nvPr/>
-        </p:nvCxnSpPr>
-        <p:spPr>
-          <a:xfrm>
-            <a:off x="5558915" y="2479074"/>
-            <a:ext cx="413400" cy="0"/>
-          </a:xfrm>
-          <a:prstGeom prst="straightConnector1">
-            <a:avLst/>
-          </a:prstGeom>
-          <a:noFill/>
-          <a:ln w="25400" cap="flat" cmpd="sng">
-            <a:solidFill>
-              <a:srgbClr val="000000"/>
-            </a:solidFill>
-            <a:prstDash val="solid"/>
-            <a:miter lim="400000"/>
-            <a:headEnd type="none" w="sm" len="sm"/>
-            <a:tailEnd type="triangle" w="med" len="med"/>
-          </a:ln>
-        </p:spPr>
-      </p:cxnSp>
-      <p:cxnSp>
-        <p:nvCxnSpPr>
-          <p:cNvPr id="217" name="Google Shape;217;p47"/>
-          <p:cNvCxnSpPr/>
-          <p:nvPr/>
-        </p:nvCxnSpPr>
-        <p:spPr>
-          <a:xfrm>
-            <a:off x="6795362" y="2617186"/>
-            <a:ext cx="413400" cy="0"/>
-          </a:xfrm>
-          <a:prstGeom prst="straightConnector1">
-            <a:avLst/>
-          </a:prstGeom>
-          <a:noFill/>
-          <a:ln w="25400" cap="flat" cmpd="sng">
-            <a:solidFill>
-              <a:srgbClr val="000000"/>
-            </a:solidFill>
-            <a:prstDash val="solid"/>
-            <a:miter lim="400000"/>
-            <a:headEnd type="none" w="sm" len="sm"/>
-            <a:tailEnd type="triangle" w="med" len="med"/>
-          </a:ln>
-        </p:spPr>
-      </p:cxnSp>
-      <p:sp>
-        <p:nvSpPr>
-          <p:cNvPr id="218" name="Google Shape;218;p47"/>
-          <p:cNvSpPr/>
-          <p:nvPr/>
-        </p:nvSpPr>
-        <p:spPr>
-          <a:xfrm>
-            <a:off x="7235173" y="2379061"/>
-            <a:ext cx="623400" cy="476100"/>
-          </a:xfrm>
-          <a:prstGeom prst="rect">
-            <a:avLst/>
-          </a:prstGeom>
-          <a:solidFill>
-            <a:srgbClr val="F3B802"/>
-          </a:solidFill>
-          <a:ln>
-            <a:noFill/>
-          </a:ln>
-        </p:spPr>
-        <p:txBody>
-          <a:bodyPr spcFirstLastPara="1" wrap="square" lIns="26775" tIns="26775" rIns="26775" bIns="26775" anchor="ctr" anchorCtr="0">
-            <a:noAutofit/>
-          </a:bodyPr>
-          <a:lstStyle/>
-          <a:p>
-            <a:pPr marL="0" marR="0" lvl="0" indent="0" algn="ctr" rtl="0">
-              <a:lnSpc>
-                <a:spcPct val="100000"/>
-              </a:lnSpc>
-              <a:spcBef>
-                <a:spcPts val="0"/>
-              </a:spcBef>
-              <a:spcAft>
-                <a:spcPts val="0"/>
-              </a:spcAft>
-              <a:buClr>
-                <a:srgbClr val="FFFFFF"/>
-              </a:buClr>
-              <a:buFont typeface="Helvetica Neue"/>
-              <a:buNone/>
-            </a:pPr>
-            <a:r>
-              <a:rPr lang="en" sz="1100" b="0" i="0" u="none" strike="noStrike" cap="none">
-                <a:solidFill>
-                  <a:srgbClr val="FFFFFF"/>
-                </a:solidFill>
-                <a:latin typeface="Helvetica Neue"/>
-                <a:ea typeface="Helvetica Neue"/>
-                <a:cs typeface="Helvetica Neue"/>
-                <a:sym typeface="Helvetica Neue"/>
-              </a:rPr>
-              <a:t>Sigmoid</a:t>
-            </a:r>
-            <a:endParaRPr sz="500"/>
-          </a:p>
-        </p:txBody>
-      </p:sp>
-      <p:cxnSp>
-        <p:nvCxnSpPr>
-          <p:cNvPr id="219" name="Google Shape;219;p47"/>
-          <p:cNvCxnSpPr/>
-          <p:nvPr/>
-        </p:nvCxnSpPr>
-        <p:spPr>
-          <a:xfrm>
-            <a:off x="7886733" y="2617186"/>
-            <a:ext cx="413400" cy="0"/>
-          </a:xfrm>
-          <a:prstGeom prst="straightConnector1">
-            <a:avLst/>
-          </a:prstGeom>
-          <a:noFill/>
-          <a:ln w="25400" cap="flat" cmpd="sng">
-            <a:solidFill>
-              <a:srgbClr val="000000"/>
-            </a:solidFill>
-            <a:prstDash val="solid"/>
-            <a:miter lim="400000"/>
-            <a:headEnd type="none" w="sm" len="sm"/>
-            <a:tailEnd type="triangle" w="med" len="med"/>
-          </a:ln>
-        </p:spPr>
-      </p:cxnSp>
-      <p:cxnSp>
-        <p:nvCxnSpPr>
-          <p:cNvPr id="220" name="Google Shape;220;p47"/>
-          <p:cNvCxnSpPr/>
-          <p:nvPr/>
-        </p:nvCxnSpPr>
-        <p:spPr>
-          <a:xfrm>
-            <a:off x="5554153" y="2764824"/>
-            <a:ext cx="413400" cy="0"/>
-          </a:xfrm>
-          <a:prstGeom prst="straightConnector1">
-            <a:avLst/>
-          </a:prstGeom>
-          <a:noFill/>
-          <a:ln w="25400" cap="flat" cmpd="sng">
-            <a:solidFill>
-              <a:srgbClr val="000000"/>
-            </a:solidFill>
-            <a:prstDash val="solid"/>
-            <a:miter lim="400000"/>
-            <a:headEnd type="none" w="sm" len="sm"/>
-            <a:tailEnd type="triangle" w="med" len="med"/>
-          </a:ln>
-        </p:spPr>
-      </p:cxnSp>
-      <p:pic>
-        <p:nvPicPr>
-          <p:cNvPr id="221" name="Google Shape;221;p47" descr="Image"/>
-          <p:cNvPicPr preferRelativeResize="0"/>
-          <p:nvPr/>
-        </p:nvPicPr>
-        <p:blipFill rotWithShape="1">
-          <a:blip r:embed="rId5">
-            <a:alphaModFix/>
-          </a:blip>
-          <a:srcRect/>
-          <a:stretch/>
-        </p:blipFill>
-        <p:spPr>
-          <a:xfrm>
-            <a:off x="5349598" y="2415650"/>
-            <a:ext cx="132766" cy="132766"/>
-          </a:xfrm>
-          <a:prstGeom prst="rect">
-            <a:avLst/>
-          </a:prstGeom>
-          <a:noFill/>
-          <a:ln>
-            <a:noFill/>
-          </a:ln>
-        </p:spPr>
-      </p:pic>
-      <p:pic>
-        <p:nvPicPr>
-          <p:cNvPr id="222" name="Google Shape;222;p47" descr="Image"/>
-          <p:cNvPicPr preferRelativeResize="0"/>
-          <p:nvPr/>
-        </p:nvPicPr>
-        <p:blipFill rotWithShape="1">
-          <a:blip r:embed="rId6">
-            <a:alphaModFix/>
-          </a:blip>
-          <a:srcRect/>
-          <a:stretch/>
-        </p:blipFill>
-        <p:spPr>
-          <a:xfrm>
-            <a:off x="5365676" y="2643683"/>
-            <a:ext cx="112168" cy="208304"/>
-          </a:xfrm>
-          <a:prstGeom prst="rect">
-            <a:avLst/>
-          </a:prstGeom>
-          <a:noFill/>
-          <a:ln>
-            <a:noFill/>
-          </a:ln>
-        </p:spPr>
-      </p:pic>
-    </p:spTree>
-  </p:cSld>
-  <p:clrMapOvr>
-    <a:masterClrMapping/>
-  </p:clrMapOvr>
-</p:sld>
-</file>
-
-<file path=ppt/slides/slide9.xml><?xml version="1.0" encoding="utf-8"?>
-<p:sld xmlns:a="http://schemas.openxmlformats.org/drawingml/2006/main" xmlns:r="http://schemas.openxmlformats.org/officeDocument/2006/relationships" xmlns:p="http://schemas.openxmlformats.org/presentationml/2006/main">
-  <p:cSld>
-    <p:spTree>
-      <p:nvGrpSpPr>
-        <p:cNvPr id="1" name="Shape 226"/>
-        <p:cNvGrpSpPr/>
-        <p:nvPr/>
-      </p:nvGrpSpPr>
-      <p:grpSpPr>
-        <a:xfrm>
-          <a:off x="0" y="0"/>
-          <a:ext cx="0" cy="0"/>
-          <a:chOff x="0" y="0"/>
-          <a:chExt cx="0" cy="0"/>
-        </a:xfrm>
-      </p:grpSpPr>
-      <p:sp>
-        <p:nvSpPr>
-          <p:cNvPr id="227" name="Google Shape;227;p48"/>
-          <p:cNvSpPr txBox="1">
-            <a:spLocks noGrp="1"/>
-          </p:cNvSpPr>
-          <p:nvPr>
-            <p:ph type="title"/>
-          </p:nvPr>
-        </p:nvSpPr>
-        <p:spPr>
-          <a:xfrm>
-            <a:off x="431625" y="299221"/>
-            <a:ext cx="8280900" cy="1239000"/>
-          </a:xfrm>
-          <a:prstGeom prst="rect">
-            <a:avLst/>
-          </a:prstGeom>
-          <a:noFill/>
-          <a:ln>
-            <a:noFill/>
-          </a:ln>
-        </p:spPr>
-        <p:txBody>
-          <a:bodyPr spcFirstLastPara="1" wrap="square" lIns="20100" tIns="20100" rIns="20100" bIns="20100" anchor="ctr" anchorCtr="0">
-            <a:noAutofit/>
-          </a:bodyPr>
-          <a:lstStyle/>
-          <a:p>
-            <a:pPr marL="0" marR="0" lvl="0" indent="0" algn="ctr" rtl="0">
-              <a:lnSpc>
-                <a:spcPct val="100000"/>
-              </a:lnSpc>
-              <a:spcBef>
-                <a:spcPts val="0"/>
-              </a:spcBef>
-              <a:spcAft>
-                <a:spcPts val="0"/>
-              </a:spcAft>
-              <a:buClr>
-                <a:srgbClr val="000000"/>
-              </a:buClr>
-              <a:buFont typeface="Gill Sans"/>
-              <a:buNone/>
-            </a:pPr>
-            <a:r>
-              <a:rPr lang="en" sz="3400" b="0" i="0" u="none" strike="noStrike" cap="none">
-                <a:solidFill>
-                  <a:srgbClr val="000000"/>
-                </a:solidFill>
-                <a:latin typeface="Gill Sans"/>
-                <a:ea typeface="Gill Sans"/>
-                <a:cs typeface="Gill Sans"/>
-                <a:sym typeface="Gill Sans"/>
-              </a:rPr>
-              <a:t>Matrix Multiplication</a:t>
-            </a:r>
-            <a:endParaRPr/>
-          </a:p>
-        </p:txBody>
-      </p:sp>
-      <p:sp>
-        <p:nvSpPr>
-          <p:cNvPr id="228" name="Google Shape;228;p48"/>
-          <p:cNvSpPr/>
-          <p:nvPr/>
-        </p:nvSpPr>
-        <p:spPr>
-          <a:xfrm>
-            <a:off x="5990914" y="1871662"/>
-            <a:ext cx="752700" cy="476100"/>
-          </a:xfrm>
-          <a:prstGeom prst="rect">
-            <a:avLst/>
-          </a:prstGeom>
-          <a:solidFill>
-            <a:schemeClr val="accent1"/>
-          </a:solidFill>
-          <a:ln>
-            <a:noFill/>
-          </a:ln>
-        </p:spPr>
-        <p:txBody>
-          <a:bodyPr spcFirstLastPara="1" wrap="square" lIns="26775" tIns="26775" rIns="26775" bIns="26775" anchor="ctr" anchorCtr="0">
-            <a:noAutofit/>
-          </a:bodyPr>
-          <a:lstStyle/>
-          <a:p>
-            <a:pPr marL="0" marR="0" lvl="0" indent="0" algn="ctr" rtl="0">
-              <a:lnSpc>
-                <a:spcPct val="100000"/>
-              </a:lnSpc>
-              <a:spcBef>
-                <a:spcPts val="0"/>
-              </a:spcBef>
-              <a:spcAft>
-                <a:spcPts val="0"/>
-              </a:spcAft>
-              <a:buClr>
-                <a:srgbClr val="FFFFFF"/>
-              </a:buClr>
-              <a:buFont typeface="Helvetica Neue"/>
-              <a:buNone/>
-            </a:pPr>
-            <a:r>
-              <a:rPr lang="en" sz="1100" b="0" i="0" u="none" strike="noStrike" cap="none">
-                <a:solidFill>
-                  <a:srgbClr val="FFFFFF"/>
-                </a:solidFill>
-                <a:latin typeface="Helvetica Neue"/>
-                <a:ea typeface="Helvetica Neue"/>
-                <a:cs typeface="Helvetica Neue"/>
-                <a:sym typeface="Helvetica Neue"/>
-              </a:rPr>
-              <a:t>Linear</a:t>
-            </a:r>
-            <a:endParaRPr sz="500"/>
-          </a:p>
-        </p:txBody>
-      </p:sp>
-      <p:pic>
-        <p:nvPicPr>
-          <p:cNvPr id="229" name="Google Shape;229;p48" descr="Image"/>
-          <p:cNvPicPr preferRelativeResize="0"/>
-          <p:nvPr/>
-        </p:nvPicPr>
-        <p:blipFill rotWithShape="1">
-          <a:blip r:embed="rId3">
-            <a:alphaModFix/>
-          </a:blip>
-          <a:srcRect/>
-          <a:stretch/>
-        </p:blipFill>
-        <p:spPr>
-          <a:xfrm>
-            <a:off x="8269204" y="1894065"/>
-            <a:ext cx="291196" cy="431444"/>
-          </a:xfrm>
-          <a:prstGeom prst="rect">
-            <a:avLst/>
-          </a:prstGeom>
-          <a:noFill/>
-          <a:ln>
-            <a:noFill/>
-          </a:ln>
-        </p:spPr>
-      </p:pic>
-      <p:cxnSp>
-        <p:nvCxnSpPr>
-          <p:cNvPr id="230" name="Google Shape;230;p48"/>
-          <p:cNvCxnSpPr/>
-          <p:nvPr/>
-        </p:nvCxnSpPr>
-        <p:spPr>
-          <a:xfrm>
-            <a:off x="5537551" y="1971675"/>
-            <a:ext cx="413400" cy="0"/>
-          </a:xfrm>
-          <a:prstGeom prst="straightConnector1">
-            <a:avLst/>
-          </a:prstGeom>
-          <a:noFill/>
-          <a:ln w="25400" cap="flat" cmpd="sng">
-            <a:solidFill>
-              <a:srgbClr val="000000"/>
-            </a:solidFill>
-            <a:prstDash val="solid"/>
-            <a:miter lim="400000"/>
-            <a:headEnd type="none" w="sm" len="sm"/>
-            <a:tailEnd type="triangle" w="med" len="med"/>
-          </a:ln>
-        </p:spPr>
-      </p:cxnSp>
-      <p:cxnSp>
-        <p:nvCxnSpPr>
-          <p:cNvPr id="231" name="Google Shape;231;p48"/>
-          <p:cNvCxnSpPr/>
-          <p:nvPr/>
-        </p:nvCxnSpPr>
-        <p:spPr>
-          <a:xfrm>
-            <a:off x="6773998" y="2109787"/>
-            <a:ext cx="413400" cy="0"/>
-          </a:xfrm>
-          <a:prstGeom prst="straightConnector1">
-            <a:avLst/>
-          </a:prstGeom>
-          <a:noFill/>
-          <a:ln w="25400" cap="flat" cmpd="sng">
-            <a:solidFill>
-              <a:srgbClr val="000000"/>
-            </a:solidFill>
-            <a:prstDash val="solid"/>
-            <a:miter lim="400000"/>
-            <a:headEnd type="none" w="sm" len="sm"/>
-            <a:tailEnd type="triangle" w="med" len="med"/>
-          </a:ln>
-        </p:spPr>
-      </p:cxnSp>
-      <p:sp>
-        <p:nvSpPr>
-          <p:cNvPr id="232" name="Google Shape;232;p48"/>
-          <p:cNvSpPr/>
-          <p:nvPr/>
-        </p:nvSpPr>
-        <p:spPr>
-          <a:xfrm>
-            <a:off x="7213808" y="1871662"/>
-            <a:ext cx="623400" cy="476100"/>
-          </a:xfrm>
-          <a:prstGeom prst="rect">
-            <a:avLst/>
-          </a:prstGeom>
-          <a:solidFill>
-            <a:srgbClr val="F3B802"/>
-          </a:solidFill>
-          <a:ln>
-            <a:noFill/>
-          </a:ln>
-        </p:spPr>
-        <p:txBody>
-          <a:bodyPr spcFirstLastPara="1" wrap="square" lIns="26775" tIns="26775" rIns="26775" bIns="26775" anchor="ctr" anchorCtr="0">
-            <a:noAutofit/>
-          </a:bodyPr>
-          <a:lstStyle/>
-          <a:p>
-            <a:pPr marL="0" marR="0" lvl="0" indent="0" algn="ctr" rtl="0">
-              <a:lnSpc>
-                <a:spcPct val="100000"/>
-              </a:lnSpc>
-              <a:spcBef>
-                <a:spcPts val="0"/>
-              </a:spcBef>
-              <a:spcAft>
-                <a:spcPts val="0"/>
-              </a:spcAft>
-              <a:buClr>
-                <a:srgbClr val="FFFFFF"/>
-              </a:buClr>
-              <a:buFont typeface="Helvetica Neue"/>
-              <a:buNone/>
-            </a:pPr>
-            <a:r>
-              <a:rPr lang="en" sz="1100" b="0" i="0" u="none" strike="noStrike" cap="none">
-                <a:solidFill>
-                  <a:srgbClr val="FFFFFF"/>
-                </a:solidFill>
-                <a:latin typeface="Helvetica Neue"/>
-                <a:ea typeface="Helvetica Neue"/>
-                <a:cs typeface="Helvetica Neue"/>
-                <a:sym typeface="Helvetica Neue"/>
-              </a:rPr>
-              <a:t>Sigmoid</a:t>
-            </a:r>
-            <a:endParaRPr sz="500"/>
-          </a:p>
-        </p:txBody>
-      </p:sp>
-      <p:cxnSp>
-        <p:nvCxnSpPr>
-          <p:cNvPr id="233" name="Google Shape;233;p48"/>
-          <p:cNvCxnSpPr/>
-          <p:nvPr/>
-        </p:nvCxnSpPr>
-        <p:spPr>
-          <a:xfrm>
-            <a:off x="7865370" y="2109787"/>
-            <a:ext cx="413400" cy="0"/>
-          </a:xfrm>
-          <a:prstGeom prst="straightConnector1">
-            <a:avLst/>
-          </a:prstGeom>
-          <a:noFill/>
-          <a:ln w="25400" cap="flat" cmpd="sng">
-            <a:solidFill>
-              <a:srgbClr val="000000"/>
-            </a:solidFill>
-            <a:prstDash val="solid"/>
-            <a:miter lim="400000"/>
-            <a:headEnd type="none" w="sm" len="sm"/>
-            <a:tailEnd type="triangle" w="med" len="med"/>
-          </a:ln>
-        </p:spPr>
-      </p:cxnSp>
-      <p:cxnSp>
-        <p:nvCxnSpPr>
-          <p:cNvPr id="234" name="Google Shape;234;p48"/>
-          <p:cNvCxnSpPr/>
-          <p:nvPr/>
-        </p:nvCxnSpPr>
-        <p:spPr>
-          <a:xfrm>
-            <a:off x="5532788" y="2257425"/>
-            <a:ext cx="413400" cy="0"/>
-          </a:xfrm>
-          <a:prstGeom prst="straightConnector1">
-            <a:avLst/>
-          </a:prstGeom>
-          <a:noFill/>
-          <a:ln w="25400" cap="flat" cmpd="sng">
-            <a:solidFill>
-              <a:srgbClr val="000000"/>
-            </a:solidFill>
-            <a:prstDash val="solid"/>
-            <a:miter lim="400000"/>
-            <a:headEnd type="none" w="sm" len="sm"/>
-            <a:tailEnd type="triangle" w="med" len="med"/>
-          </a:ln>
-        </p:spPr>
-      </p:cxnSp>
-      <p:sp>
-        <p:nvSpPr>
-          <p:cNvPr id="235" name="Google Shape;235;p48"/>
-          <p:cNvSpPr txBox="1"/>
-          <p:nvPr/>
-        </p:nvSpPr>
-        <p:spPr>
-          <a:xfrm>
-            <a:off x="391932" y="1721048"/>
-            <a:ext cx="2076900" cy="777600"/>
-          </a:xfrm>
-          <a:prstGeom prst="rect">
-            <a:avLst/>
-          </a:prstGeom>
-          <a:noFill/>
-          <a:ln>
-            <a:noFill/>
-          </a:ln>
-        </p:spPr>
-        <p:txBody>
-          <a:bodyPr spcFirstLastPara="1" wrap="square" lIns="26775" tIns="26775" rIns="26775" bIns="26775" anchor="ctr" anchorCtr="0">
-            <a:noAutofit/>
-          </a:bodyPr>
-          <a:lstStyle/>
-          <a:p>
-            <a:pPr marL="0" marR="0" lvl="0" indent="0" algn="l" rtl="0">
-              <a:lnSpc>
-                <a:spcPct val="100000"/>
-              </a:lnSpc>
-              <a:spcBef>
-                <a:spcPts val="0"/>
-              </a:spcBef>
-              <a:spcAft>
-                <a:spcPts val="0"/>
-              </a:spcAft>
-              <a:buClr>
-                <a:srgbClr val="000000"/>
-              </a:buClr>
-              <a:buFont typeface="Arial"/>
-              <a:buNone/>
-            </a:pPr>
-            <a:r>
-              <a:rPr lang="en" sz="1200" b="0" i="0" u="none" strike="noStrike" cap="none">
-                <a:solidFill>
-                  <a:srgbClr val="000000"/>
-                </a:solidFill>
-                <a:latin typeface="Arial"/>
-                <a:ea typeface="Arial"/>
-                <a:cs typeface="Arial"/>
-                <a:sym typeface="Arial"/>
-              </a:rPr>
-              <a:t>x_data =[[</a:t>
-            </a:r>
-            <a:r>
-              <a:rPr lang="en" sz="1200" b="0" i="0" u="none" strike="noStrike" cap="none">
-                <a:solidFill>
-                  <a:srgbClr val="0432FF"/>
-                </a:solidFill>
-                <a:latin typeface="Arial"/>
-                <a:ea typeface="Arial"/>
-                <a:cs typeface="Arial"/>
-                <a:sym typeface="Arial"/>
-              </a:rPr>
-              <a:t>2.1, 0.1</a:t>
-            </a:r>
-            <a:r>
-              <a:rPr lang="en" sz="1200" b="0" i="0" u="none" strike="noStrike" cap="none">
-                <a:solidFill>
-                  <a:srgbClr val="000000"/>
-                </a:solidFill>
-                <a:latin typeface="Arial"/>
-                <a:ea typeface="Arial"/>
-                <a:cs typeface="Arial"/>
-                <a:sym typeface="Arial"/>
-              </a:rPr>
-              <a:t>], </a:t>
-            </a:r>
-            <a:endParaRPr sz="500"/>
-          </a:p>
-          <a:p>
-            <a:pPr marL="0" marR="0" lvl="0" indent="0" algn="l" rtl="0">
-              <a:lnSpc>
-                <a:spcPct val="100000"/>
-              </a:lnSpc>
-              <a:spcBef>
-                <a:spcPts val="0"/>
-              </a:spcBef>
-              <a:spcAft>
-                <a:spcPts val="0"/>
-              </a:spcAft>
-              <a:buClr>
-                <a:srgbClr val="000000"/>
-              </a:buClr>
-              <a:buFont typeface="Arial"/>
-              <a:buNone/>
-            </a:pPr>
-            <a:r>
-              <a:rPr lang="en" sz="1200" b="0" i="0" u="none" strike="noStrike" cap="none">
-                <a:solidFill>
-                  <a:srgbClr val="000000"/>
-                </a:solidFill>
-                <a:latin typeface="Arial"/>
-                <a:ea typeface="Arial"/>
-                <a:cs typeface="Arial"/>
-                <a:sym typeface="Arial"/>
-              </a:rPr>
-              <a:t>         [</a:t>
-            </a:r>
-            <a:r>
-              <a:rPr lang="en" sz="1200" b="0" i="0" u="none" strike="noStrike" cap="none">
-                <a:solidFill>
-                  <a:srgbClr val="0432FF"/>
-                </a:solidFill>
-                <a:latin typeface="Arial"/>
-                <a:ea typeface="Arial"/>
-                <a:cs typeface="Arial"/>
-                <a:sym typeface="Arial"/>
-              </a:rPr>
-              <a:t>4.2, 0.8</a:t>
-            </a:r>
-            <a:r>
-              <a:rPr lang="en" sz="1200" b="0" i="0" u="none" strike="noStrike" cap="none">
-                <a:solidFill>
-                  <a:srgbClr val="000000"/>
-                </a:solidFill>
-                <a:latin typeface="Arial"/>
-                <a:ea typeface="Arial"/>
-                <a:cs typeface="Arial"/>
-                <a:sym typeface="Arial"/>
-              </a:rPr>
-              <a:t>], </a:t>
-            </a:r>
-            <a:endParaRPr sz="500"/>
-          </a:p>
-          <a:p>
-            <a:pPr marL="0" marR="0" lvl="0" indent="0" algn="l" rtl="0">
-              <a:lnSpc>
-                <a:spcPct val="100000"/>
-              </a:lnSpc>
-              <a:spcBef>
-                <a:spcPts val="0"/>
-              </a:spcBef>
-              <a:spcAft>
-                <a:spcPts val="0"/>
-              </a:spcAft>
-              <a:buClr>
-                <a:srgbClr val="000000"/>
-              </a:buClr>
-              <a:buFont typeface="Arial"/>
-              <a:buNone/>
-            </a:pPr>
-            <a:r>
-              <a:rPr lang="en" sz="1200" b="0" i="0" u="none" strike="noStrike" cap="none">
-                <a:solidFill>
-                  <a:srgbClr val="000000"/>
-                </a:solidFill>
-                <a:latin typeface="Arial"/>
-                <a:ea typeface="Arial"/>
-                <a:cs typeface="Arial"/>
-                <a:sym typeface="Arial"/>
-              </a:rPr>
-              <a:t>         [</a:t>
-            </a:r>
-            <a:r>
-              <a:rPr lang="en" sz="1200" b="0" i="0" u="none" strike="noStrike" cap="none">
-                <a:solidFill>
-                  <a:srgbClr val="0432FF"/>
-                </a:solidFill>
-                <a:latin typeface="Arial"/>
-                <a:ea typeface="Arial"/>
-                <a:cs typeface="Arial"/>
-                <a:sym typeface="Arial"/>
-              </a:rPr>
-              <a:t>3.1, 0.9</a:t>
-            </a:r>
-            <a:r>
-              <a:rPr lang="en" sz="1200" b="0" i="0" u="none" strike="noStrike" cap="none">
-                <a:solidFill>
-                  <a:srgbClr val="000000"/>
-                </a:solidFill>
-                <a:latin typeface="Arial"/>
-                <a:ea typeface="Arial"/>
-                <a:cs typeface="Arial"/>
-                <a:sym typeface="Arial"/>
-              </a:rPr>
-              <a:t>],</a:t>
-            </a:r>
-            <a:endParaRPr sz="500"/>
-          </a:p>
-          <a:p>
-            <a:pPr marL="0" marR="0" lvl="0" indent="0" algn="l" rtl="0">
-              <a:lnSpc>
-                <a:spcPct val="100000"/>
-              </a:lnSpc>
-              <a:spcBef>
-                <a:spcPts val="0"/>
-              </a:spcBef>
-              <a:spcAft>
-                <a:spcPts val="0"/>
-              </a:spcAft>
-              <a:buClr>
-                <a:srgbClr val="000000"/>
-              </a:buClr>
-              <a:buFont typeface="Arial"/>
-              <a:buNone/>
-            </a:pPr>
-            <a:r>
-              <a:rPr lang="en" sz="1200" b="0" i="0" u="none" strike="noStrike" cap="none">
-                <a:solidFill>
-                  <a:srgbClr val="000000"/>
-                </a:solidFill>
-                <a:latin typeface="Arial"/>
-                <a:ea typeface="Arial"/>
-                <a:cs typeface="Arial"/>
-                <a:sym typeface="Arial"/>
-              </a:rPr>
-              <a:t>         [</a:t>
-            </a:r>
-            <a:r>
-              <a:rPr lang="en" sz="1200" b="0" i="0" u="none" strike="noStrike" cap="none">
-                <a:solidFill>
-                  <a:srgbClr val="0432FF"/>
-                </a:solidFill>
-                <a:latin typeface="Arial"/>
-                <a:ea typeface="Arial"/>
-                <a:cs typeface="Arial"/>
-                <a:sym typeface="Arial"/>
-              </a:rPr>
-              <a:t>3.3, 0.2</a:t>
-            </a:r>
-            <a:r>
-              <a:rPr lang="en" sz="1200" b="0" i="0" u="none" strike="noStrike" cap="none">
-                <a:solidFill>
-                  <a:srgbClr val="000000"/>
-                </a:solidFill>
-                <a:latin typeface="Arial"/>
-                <a:ea typeface="Arial"/>
-                <a:cs typeface="Arial"/>
-                <a:sym typeface="Arial"/>
-              </a:rPr>
-              <a:t>]]</a:t>
-            </a:r>
-            <a:endParaRPr sz="500"/>
-          </a:p>
-        </p:txBody>
-      </p:sp>
-      <p:sp>
-        <p:nvSpPr>
-          <p:cNvPr id="236" name="Google Shape;236;p48"/>
-          <p:cNvSpPr txBox="1"/>
-          <p:nvPr/>
-        </p:nvSpPr>
-        <p:spPr>
-          <a:xfrm>
-            <a:off x="2656568" y="1721048"/>
-            <a:ext cx="1618200" cy="777600"/>
-          </a:xfrm>
-          <a:prstGeom prst="rect">
-            <a:avLst/>
-          </a:prstGeom>
-          <a:noFill/>
-          <a:ln>
-            <a:noFill/>
-          </a:ln>
-        </p:spPr>
-        <p:txBody>
-          <a:bodyPr spcFirstLastPara="1" wrap="square" lIns="26775" tIns="26775" rIns="26775" bIns="26775" anchor="ctr" anchorCtr="0">
-            <a:noAutofit/>
-          </a:bodyPr>
-          <a:lstStyle/>
-          <a:p>
-            <a:pPr marL="0" marR="0" lvl="0" indent="0" algn="l" rtl="0">
-              <a:lnSpc>
-                <a:spcPct val="100000"/>
-              </a:lnSpc>
-              <a:spcBef>
-                <a:spcPts val="0"/>
-              </a:spcBef>
-              <a:spcAft>
-                <a:spcPts val="0"/>
-              </a:spcAft>
-              <a:buClr>
-                <a:srgbClr val="000000"/>
-              </a:buClr>
-              <a:buFont typeface="Arial"/>
-              <a:buNone/>
-            </a:pPr>
-            <a:r>
-              <a:rPr lang="en" sz="1200" b="0" i="0" u="none" strike="noStrike" cap="none">
-                <a:solidFill>
-                  <a:srgbClr val="000000"/>
-                </a:solidFill>
-                <a:latin typeface="Arial"/>
-                <a:ea typeface="Arial"/>
-                <a:cs typeface="Arial"/>
-                <a:sym typeface="Arial"/>
-              </a:rPr>
-              <a:t>y_data =[[</a:t>
-            </a:r>
-            <a:r>
-              <a:rPr lang="en" sz="1200" b="0" i="0" u="none" strike="noStrike" cap="none">
-                <a:solidFill>
-                  <a:srgbClr val="0432FF"/>
-                </a:solidFill>
-                <a:latin typeface="Arial"/>
-                <a:ea typeface="Arial"/>
-                <a:cs typeface="Arial"/>
-                <a:sym typeface="Arial"/>
-              </a:rPr>
-              <a:t>0.0</a:t>
-            </a:r>
-            <a:r>
-              <a:rPr lang="en" sz="1200" b="0" i="0" u="none" strike="noStrike" cap="none">
-                <a:solidFill>
-                  <a:srgbClr val="000000"/>
-                </a:solidFill>
-                <a:latin typeface="Arial"/>
-                <a:ea typeface="Arial"/>
-                <a:cs typeface="Arial"/>
-                <a:sym typeface="Arial"/>
-              </a:rPr>
-              <a:t>], </a:t>
-            </a:r>
-            <a:endParaRPr sz="500"/>
-          </a:p>
-          <a:p>
-            <a:pPr marL="0" marR="0" lvl="0" indent="0" algn="l" rtl="0">
-              <a:lnSpc>
-                <a:spcPct val="100000"/>
-              </a:lnSpc>
-              <a:spcBef>
-                <a:spcPts val="0"/>
-              </a:spcBef>
-              <a:spcAft>
-                <a:spcPts val="0"/>
-              </a:spcAft>
-              <a:buClr>
-                <a:srgbClr val="000000"/>
-              </a:buClr>
-              <a:buFont typeface="Arial"/>
-              <a:buNone/>
-            </a:pPr>
-            <a:r>
-              <a:rPr lang="en" sz="1200" b="0" i="0" u="none" strike="noStrike" cap="none">
-                <a:solidFill>
-                  <a:srgbClr val="000000"/>
-                </a:solidFill>
-                <a:latin typeface="Arial"/>
-                <a:ea typeface="Arial"/>
-                <a:cs typeface="Arial"/>
-                <a:sym typeface="Arial"/>
-              </a:rPr>
-              <a:t>         [</a:t>
-            </a:r>
-            <a:r>
-              <a:rPr lang="en" sz="1200" b="0" i="0" u="none" strike="noStrike" cap="none">
-                <a:solidFill>
-                  <a:srgbClr val="0432FF"/>
-                </a:solidFill>
-                <a:latin typeface="Arial"/>
-                <a:ea typeface="Arial"/>
-                <a:cs typeface="Arial"/>
-                <a:sym typeface="Arial"/>
-              </a:rPr>
-              <a:t>1.0</a:t>
-            </a:r>
-            <a:r>
-              <a:rPr lang="en" sz="1200" b="0" i="0" u="none" strike="noStrike" cap="none">
-                <a:solidFill>
-                  <a:srgbClr val="000000"/>
-                </a:solidFill>
-                <a:latin typeface="Arial"/>
-                <a:ea typeface="Arial"/>
-                <a:cs typeface="Arial"/>
-                <a:sym typeface="Arial"/>
-              </a:rPr>
-              <a:t>], </a:t>
-            </a:r>
-            <a:endParaRPr sz="500"/>
-          </a:p>
-          <a:p>
-            <a:pPr marL="0" marR="0" lvl="0" indent="0" algn="l" rtl="0">
-              <a:lnSpc>
-                <a:spcPct val="100000"/>
-              </a:lnSpc>
-              <a:spcBef>
-                <a:spcPts val="0"/>
-              </a:spcBef>
-              <a:spcAft>
-                <a:spcPts val="0"/>
-              </a:spcAft>
-              <a:buClr>
-                <a:srgbClr val="000000"/>
-              </a:buClr>
-              <a:buFont typeface="Arial"/>
-              <a:buNone/>
-            </a:pPr>
-            <a:r>
-              <a:rPr lang="en" sz="1200" b="0" i="0" u="none" strike="noStrike" cap="none">
-                <a:solidFill>
-                  <a:srgbClr val="000000"/>
-                </a:solidFill>
-                <a:latin typeface="Arial"/>
-                <a:ea typeface="Arial"/>
-                <a:cs typeface="Arial"/>
-                <a:sym typeface="Arial"/>
-              </a:rPr>
-              <a:t>         [</a:t>
-            </a:r>
-            <a:r>
-              <a:rPr lang="en" sz="1200" b="0" i="0" u="none" strike="noStrike" cap="none">
-                <a:solidFill>
-                  <a:srgbClr val="0432FF"/>
-                </a:solidFill>
-                <a:latin typeface="Arial"/>
-                <a:ea typeface="Arial"/>
-                <a:cs typeface="Arial"/>
-                <a:sym typeface="Arial"/>
-              </a:rPr>
-              <a:t>0.0</a:t>
-            </a:r>
-            <a:r>
-              <a:rPr lang="en" sz="1200" b="0" i="0" u="none" strike="noStrike" cap="none">
-                <a:solidFill>
-                  <a:srgbClr val="000000"/>
-                </a:solidFill>
-                <a:latin typeface="Arial"/>
-                <a:ea typeface="Arial"/>
-                <a:cs typeface="Arial"/>
-                <a:sym typeface="Arial"/>
-              </a:rPr>
-              <a:t>],</a:t>
-            </a:r>
-            <a:endParaRPr sz="500"/>
-          </a:p>
-          <a:p>
-            <a:pPr marL="0" marR="0" lvl="0" indent="0" algn="l" rtl="0">
-              <a:lnSpc>
-                <a:spcPct val="100000"/>
-              </a:lnSpc>
-              <a:spcBef>
-                <a:spcPts val="0"/>
-              </a:spcBef>
-              <a:spcAft>
-                <a:spcPts val="0"/>
-              </a:spcAft>
-              <a:buClr>
-                <a:srgbClr val="000000"/>
-              </a:buClr>
-              <a:buFont typeface="Arial"/>
-              <a:buNone/>
-            </a:pPr>
-            <a:r>
-              <a:rPr lang="en" sz="1200" b="0" i="0" u="none" strike="noStrike" cap="none">
-                <a:solidFill>
-                  <a:srgbClr val="000000"/>
-                </a:solidFill>
-                <a:latin typeface="Arial"/>
-                <a:ea typeface="Arial"/>
-                <a:cs typeface="Arial"/>
-                <a:sym typeface="Arial"/>
-              </a:rPr>
-              <a:t>         [1.0]]</a:t>
-            </a:r>
-            <a:endParaRPr sz="500"/>
-          </a:p>
-        </p:txBody>
-      </p:sp>
-      <p:pic>
-        <p:nvPicPr>
-          <p:cNvPr id="237" name="Google Shape;237;p48" descr="Image"/>
-          <p:cNvPicPr preferRelativeResize="0"/>
-          <p:nvPr/>
-        </p:nvPicPr>
-        <p:blipFill rotWithShape="1">
-          <a:blip r:embed="rId4">
-            <a:alphaModFix/>
-          </a:blip>
-          <a:srcRect/>
-          <a:stretch/>
-        </p:blipFill>
-        <p:spPr>
-          <a:xfrm>
-            <a:off x="5328234" y="1908251"/>
-            <a:ext cx="132765" cy="132765"/>
-          </a:xfrm>
-          <a:prstGeom prst="rect">
-            <a:avLst/>
-          </a:prstGeom>
-          <a:noFill/>
-          <a:ln>
-            <a:noFill/>
-          </a:ln>
-        </p:spPr>
-      </p:pic>
-      <p:pic>
-        <p:nvPicPr>
-          <p:cNvPr id="238" name="Google Shape;238;p48" descr="Image"/>
-          <p:cNvPicPr preferRelativeResize="0"/>
-          <p:nvPr/>
-        </p:nvPicPr>
-        <p:blipFill rotWithShape="1">
-          <a:blip r:embed="rId5">
-            <a:alphaModFix/>
-          </a:blip>
-          <a:srcRect/>
-          <a:stretch/>
-        </p:blipFill>
-        <p:spPr>
-          <a:xfrm>
-            <a:off x="5344312" y="2136283"/>
-            <a:ext cx="112167" cy="208304"/>
           </a:xfrm>
           <a:prstGeom prst="rect">
             <a:avLst/>
